--- a/08 受摄二体问题.pptx
+++ b/08 受摄二体问题.pptx
@@ -5,7 +5,7 @@
     <p:sldMasterId id="2147483648" r:id="rId1"/>
   </p:sldMasterIdLst>
   <p:notesMasterIdLst>
-    <p:notesMasterId r:id="rId24"/>
+    <p:notesMasterId r:id="rId25"/>
   </p:notesMasterIdLst>
   <p:sldIdLst>
     <p:sldId id="287" r:id="rId2"/>
@@ -16,20 +16,21 @@
     <p:sldId id="318" r:id="rId7"/>
     <p:sldId id="316" r:id="rId8"/>
     <p:sldId id="317" r:id="rId9"/>
-    <p:sldId id="320" r:id="rId10"/>
-    <p:sldId id="321" r:id="rId11"/>
-    <p:sldId id="322" r:id="rId12"/>
-    <p:sldId id="332" r:id="rId13"/>
-    <p:sldId id="328" r:id="rId14"/>
-    <p:sldId id="329" r:id="rId15"/>
-    <p:sldId id="333" r:id="rId16"/>
-    <p:sldId id="335" r:id="rId17"/>
-    <p:sldId id="334" r:id="rId18"/>
-    <p:sldId id="330" r:id="rId19"/>
-    <p:sldId id="340" r:id="rId20"/>
-    <p:sldId id="341" r:id="rId21"/>
-    <p:sldId id="342" r:id="rId22"/>
-    <p:sldId id="343" r:id="rId23"/>
+    <p:sldId id="344" r:id="rId10"/>
+    <p:sldId id="320" r:id="rId11"/>
+    <p:sldId id="321" r:id="rId12"/>
+    <p:sldId id="322" r:id="rId13"/>
+    <p:sldId id="332" r:id="rId14"/>
+    <p:sldId id="328" r:id="rId15"/>
+    <p:sldId id="329" r:id="rId16"/>
+    <p:sldId id="333" r:id="rId17"/>
+    <p:sldId id="335" r:id="rId18"/>
+    <p:sldId id="334" r:id="rId19"/>
+    <p:sldId id="330" r:id="rId20"/>
+    <p:sldId id="340" r:id="rId21"/>
+    <p:sldId id="341" r:id="rId22"/>
+    <p:sldId id="342" r:id="rId23"/>
+    <p:sldId id="343" r:id="rId24"/>
   </p:sldIdLst>
   <p:sldSz cx="12192000" cy="6858000"/>
   <p:notesSz cx="7099300" cy="10234613"/>
@@ -239,7 +240,7 @@
           <a:p>
             <a:fld id="{26DDD1A4-63E9-4C41-BD0C-A6576214358F}" type="datetimeFigureOut">
               <a:rPr kumimoji="1" lang="zh-CN" altLang="en-US" smtClean="0"/>
-              <a:t>2023/7/20</a:t>
+              <a:t>2023/12/26</a:t>
             </a:fld>
             <a:endParaRPr kumimoji="1" lang="zh-CN" altLang="en-US"/>
           </a:p>
@@ -833,7 +834,7 @@
           <a:p>
             <a:fld id="{8664C608-40B1-4030-A28D-5B74BC98ADCE}" type="datetimeFigureOut">
               <a:rPr lang="en-US" smtClean="0"/>
-              <a:t>7/20/2023</a:t>
+              <a:t>12/26/2023</a:t>
             </a:fld>
             <a:endParaRPr lang="en-US" dirty="0"/>
           </a:p>
@@ -1930,6 +1931,867 @@
         <p:spPr>
           <a:xfrm>
             <a:off x="407987" y="1052513"/>
+            <a:ext cx="11376025" cy="2970878"/>
+          </a:xfrm>
+          <a:prstGeom prst="rect">
+            <a:avLst/>
+          </a:prstGeom>
+        </p:spPr>
+        <p:txBody>
+          <a:bodyPr wrap="square">
+            <a:spAutoFit/>
+          </a:bodyPr>
+          <a:lstStyle/>
+          <a:p>
+            <a:pPr marL="342900" indent="-342900" fontAlgn="auto">
+              <a:lnSpc>
+                <a:spcPct val="150000"/>
+              </a:lnSpc>
+              <a:spcAft>
+                <a:spcPts val="0"/>
+              </a:spcAft>
+              <a:buFont typeface="Arial" panose="020B0604020202020204" pitchFamily="34" charset="0"/>
+              <a:buChar char="•"/>
+            </a:pPr>
+            <a:r>
+              <a:rPr lang="zh-CN" altLang="en-US" sz="2800" b="1" dirty="0">
+                <a:solidFill>
+                  <a:schemeClr val="tx1"/>
+                </a:solidFill>
+                <a:latin typeface="微软雅黑" panose="020B0503020204020204" pitchFamily="34" charset="-122"/>
+                <a:ea typeface="微软雅黑" panose="020B0503020204020204" pitchFamily="34" charset="-122"/>
+                <a:sym typeface="+mn-ea"/>
+              </a:rPr>
+              <a:t>摄动运动方程</a:t>
+            </a:r>
+            <a:r>
+              <a:rPr lang="zh-CN" altLang="en-US" sz="2800" b="1" dirty="0">
+                <a:solidFill>
+                  <a:srgbClr val="0000FF"/>
+                </a:solidFill>
+                <a:latin typeface="微软雅黑" panose="020B0503020204020204" pitchFamily="34" charset="-122"/>
+                <a:ea typeface="微软雅黑" panose="020B0503020204020204" pitchFamily="34" charset="-122"/>
+                <a:sym typeface="+mn-ea"/>
+              </a:rPr>
+              <a:t>形式复杂，推导繁琐</a:t>
+            </a:r>
+            <a:r>
+              <a:rPr lang="zh-CN" altLang="en-US" sz="2800" b="1" dirty="0">
+                <a:solidFill>
+                  <a:schemeClr val="tx1"/>
+                </a:solidFill>
+                <a:latin typeface="微软雅黑" panose="020B0503020204020204" pitchFamily="34" charset="-122"/>
+                <a:ea typeface="微软雅黑" panose="020B0503020204020204" pitchFamily="34" charset="-122"/>
+                <a:sym typeface="+mn-ea"/>
+              </a:rPr>
+              <a:t>，为什么要用？</a:t>
+            </a:r>
+            <a:endParaRPr lang="en-US" altLang="zh-CN" sz="2800" b="1" dirty="0">
+              <a:solidFill>
+                <a:schemeClr val="tx1"/>
+              </a:solidFill>
+              <a:latin typeface="微软雅黑" panose="020B0503020204020204" pitchFamily="34" charset="-122"/>
+              <a:ea typeface="微软雅黑" panose="020B0503020204020204" pitchFamily="34" charset="-122"/>
+              <a:sym typeface="+mn-ea"/>
+            </a:endParaRPr>
+          </a:p>
+          <a:p>
+            <a:pPr marL="800100" lvl="1" indent="-342900">
+              <a:lnSpc>
+                <a:spcPct val="150000"/>
+              </a:lnSpc>
+              <a:buFont typeface="Arial" panose="020B0604020202020204" pitchFamily="34" charset="0"/>
+              <a:buChar char="•"/>
+            </a:pPr>
+            <a:r>
+              <a:rPr lang="zh-CN" altLang="en-US" sz="2400" b="1" dirty="0">
+                <a:latin typeface="微软雅黑" panose="020B0503020204020204" pitchFamily="34" charset="-122"/>
+                <a:ea typeface="微软雅黑" panose="020B0503020204020204" pitchFamily="34" charset="-122"/>
+                <a:sym typeface="+mn-ea"/>
+              </a:rPr>
+              <a:t>直观给出轨道变化</a:t>
+            </a:r>
+            <a:endParaRPr lang="en-US" altLang="zh-CN" sz="2400" b="1" dirty="0">
+              <a:latin typeface="微软雅黑" panose="020B0503020204020204" pitchFamily="34" charset="-122"/>
+              <a:ea typeface="微软雅黑" panose="020B0503020204020204" pitchFamily="34" charset="-122"/>
+              <a:sym typeface="+mn-ea"/>
+            </a:endParaRPr>
+          </a:p>
+          <a:p>
+            <a:pPr marL="800100" lvl="1" indent="-342900">
+              <a:lnSpc>
+                <a:spcPct val="150000"/>
+              </a:lnSpc>
+              <a:buFont typeface="Arial" panose="020B0604020202020204" pitchFamily="34" charset="0"/>
+              <a:buChar char="•"/>
+            </a:pPr>
+            <a:r>
+              <a:rPr lang="zh-CN" altLang="en-US" sz="2400" b="1" dirty="0">
+                <a:latin typeface="微软雅黑" panose="020B0503020204020204" pitchFamily="34" charset="-122"/>
+                <a:ea typeface="微软雅黑" panose="020B0503020204020204" pitchFamily="34" charset="-122"/>
+                <a:sym typeface="+mn-ea"/>
+              </a:rPr>
+              <a:t>数值积分步长大（变化慢）</a:t>
+            </a:r>
+            <a:endParaRPr lang="en-US" altLang="zh-CN" sz="2400" b="1" dirty="0">
+              <a:latin typeface="微软雅黑" panose="020B0503020204020204" pitchFamily="34" charset="-122"/>
+              <a:ea typeface="微软雅黑" panose="020B0503020204020204" pitchFamily="34" charset="-122"/>
+              <a:sym typeface="+mn-ea"/>
+            </a:endParaRPr>
+          </a:p>
+          <a:p>
+            <a:pPr marL="800100" lvl="1" indent="-342900">
+              <a:lnSpc>
+                <a:spcPct val="150000"/>
+              </a:lnSpc>
+              <a:buFont typeface="Arial" panose="020B0604020202020204" pitchFamily="34" charset="0"/>
+              <a:buChar char="•"/>
+            </a:pPr>
+            <a:r>
+              <a:rPr lang="zh-CN" altLang="en-US" sz="2400" b="1" dirty="0">
+                <a:latin typeface="微软雅黑" panose="020B0503020204020204" pitchFamily="34" charset="-122"/>
+                <a:ea typeface="微软雅黑" panose="020B0503020204020204" pitchFamily="34" charset="-122"/>
+                <a:sym typeface="+mn-ea"/>
+              </a:rPr>
+              <a:t>可用于分析解</a:t>
+            </a:r>
+            <a:endParaRPr lang="en-US" altLang="zh-CN" sz="2400" b="1" dirty="0">
+              <a:solidFill>
+                <a:schemeClr val="tx1"/>
+              </a:solidFill>
+              <a:latin typeface="微软雅黑" panose="020B0503020204020204" pitchFamily="34" charset="-122"/>
+              <a:ea typeface="微软雅黑" panose="020B0503020204020204" pitchFamily="34" charset="-122"/>
+              <a:sym typeface="+mn-ea"/>
+            </a:endParaRPr>
+          </a:p>
+          <a:p>
+            <a:pPr marL="342900" indent="-342900" fontAlgn="auto">
+              <a:lnSpc>
+                <a:spcPct val="150000"/>
+              </a:lnSpc>
+              <a:spcAft>
+                <a:spcPts val="0"/>
+              </a:spcAft>
+              <a:buFont typeface="Arial" panose="020B0604020202020204" pitchFamily="34" charset="0"/>
+              <a:buChar char="•"/>
+            </a:pPr>
+            <a:r>
+              <a:rPr lang="zh-CN" altLang="en-US" sz="2800" b="1" dirty="0">
+                <a:solidFill>
+                  <a:schemeClr val="tx1"/>
+                </a:solidFill>
+                <a:latin typeface="微软雅黑" panose="020B0503020204020204" pitchFamily="34" charset="-122"/>
+                <a:ea typeface="微软雅黑" panose="020B0503020204020204" pitchFamily="34" charset="-122"/>
+                <a:sym typeface="+mn-ea"/>
+              </a:rPr>
+              <a:t>两种摄动运动方程选择：</a:t>
+            </a:r>
+            <a:endParaRPr lang="en-US" altLang="zh-CN" sz="2800" b="1" dirty="0">
+              <a:solidFill>
+                <a:schemeClr val="tx1"/>
+              </a:solidFill>
+              <a:latin typeface="微软雅黑" panose="020B0503020204020204" pitchFamily="34" charset="-122"/>
+              <a:ea typeface="微软雅黑" panose="020B0503020204020204" pitchFamily="34" charset="-122"/>
+              <a:sym typeface="+mn-ea"/>
+            </a:endParaRPr>
+          </a:p>
+        </p:txBody>
+      </p:sp>
+      <p:sp>
+        <p:nvSpPr>
+          <p:cNvPr id="5" name="灯片编号占位符 4"/>
+          <p:cNvSpPr>
+            <a:spLocks noGrp="1"/>
+          </p:cNvSpPr>
+          <p:nvPr>
+            <p:ph type="sldNum" sz="quarter" idx="4"/>
+          </p:nvPr>
+        </p:nvSpPr>
+        <p:spPr/>
+        <p:txBody>
+          <a:bodyPr/>
+          <a:lstStyle/>
+          <a:p>
+            <a:fld id="{5F1D8F20-F945-584B-B149-8CCFBEFE168A}" type="slidenum">
+              <a:rPr kumimoji="1" lang="zh-CN" altLang="en-US" smtClean="0"/>
+              <a:t>10</a:t>
+            </a:fld>
+            <a:endParaRPr kumimoji="1" lang="zh-CN" altLang="en-US"/>
+          </a:p>
+        </p:txBody>
+      </p:sp>
+      <p:sp>
+        <p:nvSpPr>
+          <p:cNvPr id="26" name="标题 1"/>
+          <p:cNvSpPr txBox="1"/>
+          <p:nvPr/>
+        </p:nvSpPr>
+        <p:spPr>
+          <a:xfrm>
+            <a:off x="0" y="0"/>
+            <a:ext cx="12187555" cy="711200"/>
+          </a:xfrm>
+          <a:prstGeom prst="rect">
+            <a:avLst/>
+          </a:prstGeom>
+          <a:noFill/>
+        </p:spPr>
+        <p:txBody>
+          <a:bodyPr vert="horz" lIns="91440" tIns="45720" rIns="91440" bIns="45720" rtlCol="0" anchor="ctr"/>
+          <a:lstStyle/>
+          <a:p>
+            <a:pPr marL="0" marR="0" lvl="0" indent="0" algn="ctr" defTabSz="914400" rtl="0" eaLnBrk="1" fontAlgn="base" latinLnBrk="0" hangingPunct="1">
+              <a:lnSpc>
+                <a:spcPct val="100000"/>
+              </a:lnSpc>
+              <a:spcBef>
+                <a:spcPct val="0"/>
+              </a:spcBef>
+              <a:spcAft>
+                <a:spcPct val="0"/>
+              </a:spcAft>
+              <a:buClrTx/>
+              <a:buSzTx/>
+              <a:buFontTx/>
+              <a:buNone/>
+              <a:defRPr/>
+            </a:pPr>
+            <a:r>
+              <a:rPr kumimoji="0" lang="zh-CN" altLang="en-US" sz="3200" b="1" i="0" u="none" strike="noStrike" kern="1200" cap="none" spc="0" normalizeH="0" baseline="0" noProof="0" dirty="0">
+                <a:ln>
+                  <a:noFill/>
+                </a:ln>
+                <a:solidFill>
+                  <a:schemeClr val="bg1"/>
+                </a:solidFill>
+                <a:effectLst/>
+                <a:uLnTx/>
+                <a:uFillTx/>
+                <a:latin typeface="微软雅黑" panose="020B0503020204020204" pitchFamily="34" charset="-122"/>
+                <a:ea typeface="微软雅黑" panose="020B0503020204020204" pitchFamily="34" charset="-122"/>
+                <a:cs typeface="+mj-cs"/>
+              </a:rPr>
+              <a:t>常数变易法和摄动运动方程</a:t>
+            </a:r>
+          </a:p>
+        </p:txBody>
+      </p:sp>
+      <p:sp>
+        <p:nvSpPr>
+          <p:cNvPr id="2" name="矩形 1">
+            <a:extLst>
+              <a:ext uri="{FF2B5EF4-FFF2-40B4-BE49-F238E27FC236}">
+                <a16:creationId xmlns:a16="http://schemas.microsoft.com/office/drawing/2014/main" id="{CC93A3DE-7BCD-B63E-2287-BA8F4AEB10C1}"/>
+              </a:ext>
+            </a:extLst>
+          </p:cNvPr>
+          <p:cNvSpPr/>
+          <p:nvPr/>
+        </p:nvSpPr>
+        <p:spPr>
+          <a:xfrm>
+            <a:off x="1720076" y="6108235"/>
+            <a:ext cx="4300716" cy="499624"/>
+          </a:xfrm>
+          <a:prstGeom prst="rect">
+            <a:avLst/>
+          </a:prstGeom>
+        </p:spPr>
+        <p:txBody>
+          <a:bodyPr wrap="square">
+            <a:spAutoFit/>
+          </a:bodyPr>
+          <a:lstStyle/>
+          <a:p>
+            <a:pPr algn="ctr" fontAlgn="auto">
+              <a:lnSpc>
+                <a:spcPct val="150000"/>
+              </a:lnSpc>
+              <a:spcAft>
+                <a:spcPts val="0"/>
+              </a:spcAft>
+            </a:pPr>
+            <a:r>
+              <a:rPr lang="zh-CN" altLang="en-US" sz="2000" b="1" dirty="0">
+                <a:solidFill>
+                  <a:srgbClr val="0000FF"/>
+                </a:solidFill>
+                <a:latin typeface="微软雅黑" panose="020B0503020204020204" pitchFamily="34" charset="-122"/>
+                <a:ea typeface="微软雅黑" panose="020B0503020204020204" pitchFamily="34" charset="-122"/>
+                <a:sym typeface="+mn-ea"/>
+              </a:rPr>
+              <a:t>摄动势通常比摄动力更简洁</a:t>
+            </a:r>
+            <a:endParaRPr lang="zh-CN" sz="2000" b="1" dirty="0">
+              <a:solidFill>
+                <a:srgbClr val="0000FF"/>
+              </a:solidFill>
+              <a:latin typeface="微软雅黑" panose="020B0503020204020204" pitchFamily="34" charset="-122"/>
+              <a:ea typeface="微软雅黑" panose="020B0503020204020204" pitchFamily="34" charset="-122"/>
+            </a:endParaRPr>
+          </a:p>
+        </p:txBody>
+      </p:sp>
+      <p:sp>
+        <p:nvSpPr>
+          <p:cNvPr id="11" name="矩形 10">
+            <a:extLst>
+              <a:ext uri="{FF2B5EF4-FFF2-40B4-BE49-F238E27FC236}">
+                <a16:creationId xmlns:a16="http://schemas.microsoft.com/office/drawing/2014/main" id="{8FA54588-EA33-33BA-D83F-577FD74821E2}"/>
+              </a:ext>
+            </a:extLst>
+          </p:cNvPr>
+          <p:cNvSpPr/>
+          <p:nvPr/>
+        </p:nvSpPr>
+        <p:spPr>
+          <a:xfrm>
+            <a:off x="829945" y="3938506"/>
+            <a:ext cx="3040489" cy="1422954"/>
+          </a:xfrm>
+          <a:prstGeom prst="rect">
+            <a:avLst/>
+          </a:prstGeom>
+        </p:spPr>
+        <p:txBody>
+          <a:bodyPr wrap="square">
+            <a:spAutoFit/>
+          </a:bodyPr>
+          <a:lstStyle/>
+          <a:p>
+            <a:pPr marL="457200" indent="-457200" fontAlgn="auto">
+              <a:lnSpc>
+                <a:spcPct val="150000"/>
+              </a:lnSpc>
+              <a:spcAft>
+                <a:spcPts val="0"/>
+              </a:spcAft>
+              <a:buFont typeface="Wingdings" panose="05000000000000000000" pitchFamily="2" charset="2"/>
+              <a:buChar char="Ø"/>
+            </a:pPr>
+            <a:r>
+              <a:rPr lang="zh-CN" altLang="en-US" sz="2000" b="1" dirty="0">
+                <a:solidFill>
+                  <a:schemeClr val="tx1"/>
+                </a:solidFill>
+                <a:latin typeface="微软雅黑" panose="020B0503020204020204" pitchFamily="34" charset="-122"/>
+                <a:ea typeface="微软雅黑" panose="020B0503020204020204" pitchFamily="34" charset="-122"/>
+                <a:sym typeface="+mn-ea"/>
+              </a:rPr>
+              <a:t>中心引力位</a:t>
+            </a:r>
+            <a:endParaRPr lang="en-US" altLang="zh-CN" sz="2000" b="1" dirty="0">
+              <a:solidFill>
+                <a:schemeClr val="tx1"/>
+              </a:solidFill>
+              <a:latin typeface="微软雅黑" panose="020B0503020204020204" pitchFamily="34" charset="-122"/>
+              <a:ea typeface="微软雅黑" panose="020B0503020204020204" pitchFamily="34" charset="-122"/>
+              <a:sym typeface="+mn-ea"/>
+            </a:endParaRPr>
+          </a:p>
+          <a:p>
+            <a:pPr marL="457200" indent="-457200" fontAlgn="auto">
+              <a:lnSpc>
+                <a:spcPct val="150000"/>
+              </a:lnSpc>
+              <a:spcAft>
+                <a:spcPts val="0"/>
+              </a:spcAft>
+              <a:buFont typeface="Wingdings" panose="05000000000000000000" pitchFamily="2" charset="2"/>
+              <a:buChar char="Ø"/>
+            </a:pPr>
+            <a:endParaRPr lang="en-US" altLang="zh-CN" sz="2000" b="1" dirty="0">
+              <a:solidFill>
+                <a:schemeClr val="tx1"/>
+              </a:solidFill>
+              <a:latin typeface="微软雅黑" panose="020B0503020204020204" pitchFamily="34" charset="-122"/>
+              <a:ea typeface="微软雅黑" panose="020B0503020204020204" pitchFamily="34" charset="-122"/>
+              <a:sym typeface="+mn-ea"/>
+            </a:endParaRPr>
+          </a:p>
+          <a:p>
+            <a:pPr marL="457200" indent="-457200" fontAlgn="auto">
+              <a:lnSpc>
+                <a:spcPct val="150000"/>
+              </a:lnSpc>
+              <a:spcAft>
+                <a:spcPts val="0"/>
+              </a:spcAft>
+              <a:buFont typeface="Wingdings" panose="05000000000000000000" pitchFamily="2" charset="2"/>
+              <a:buChar char="Ø"/>
+            </a:pPr>
+            <a:r>
+              <a:rPr lang="zh-CN" altLang="en-US" sz="2000" b="1" dirty="0">
+                <a:solidFill>
+                  <a:schemeClr val="tx1"/>
+                </a:solidFill>
+                <a:latin typeface="微软雅黑" panose="020B0503020204020204" pitchFamily="34" charset="-122"/>
+                <a:ea typeface="微软雅黑" panose="020B0503020204020204" pitchFamily="34" charset="-122"/>
+                <a:sym typeface="+mn-ea"/>
+              </a:rPr>
+              <a:t>第三体引力和摄动势</a:t>
+            </a:r>
+            <a:endParaRPr lang="en-US" altLang="zh-CN" sz="2000" b="1" dirty="0">
+              <a:solidFill>
+                <a:schemeClr val="tx1"/>
+              </a:solidFill>
+              <a:latin typeface="微软雅黑" panose="020B0503020204020204" pitchFamily="34" charset="-122"/>
+              <a:ea typeface="微软雅黑" panose="020B0503020204020204" pitchFamily="34" charset="-122"/>
+              <a:sym typeface="+mn-ea"/>
+            </a:endParaRPr>
+          </a:p>
+        </p:txBody>
+      </p:sp>
+      <p:sp>
+        <p:nvSpPr>
+          <p:cNvPr id="14" name="矩形 13">
+            <a:extLst>
+              <a:ext uri="{FF2B5EF4-FFF2-40B4-BE49-F238E27FC236}">
+                <a16:creationId xmlns:a16="http://schemas.microsoft.com/office/drawing/2014/main" id="{15690F7F-5696-10AD-2C66-69289814C259}"/>
+              </a:ext>
+            </a:extLst>
+          </p:cNvPr>
+          <p:cNvSpPr/>
+          <p:nvPr/>
+        </p:nvSpPr>
+        <p:spPr>
+          <a:xfrm>
+            <a:off x="7735242" y="4044166"/>
+            <a:ext cx="3040489" cy="1422954"/>
+          </a:xfrm>
+          <a:prstGeom prst="rect">
+            <a:avLst/>
+          </a:prstGeom>
+        </p:spPr>
+        <p:txBody>
+          <a:bodyPr wrap="square">
+            <a:spAutoFit/>
+          </a:bodyPr>
+          <a:lstStyle/>
+          <a:p>
+            <a:pPr marL="457200" indent="-457200" fontAlgn="auto">
+              <a:lnSpc>
+                <a:spcPct val="150000"/>
+              </a:lnSpc>
+              <a:spcAft>
+                <a:spcPts val="0"/>
+              </a:spcAft>
+              <a:buFont typeface="Wingdings" panose="05000000000000000000" pitchFamily="2" charset="2"/>
+              <a:buChar char="Ø"/>
+            </a:pPr>
+            <a:r>
+              <a:rPr lang="zh-CN" altLang="en-US" sz="2000" b="1" dirty="0">
+                <a:solidFill>
+                  <a:schemeClr val="tx1"/>
+                </a:solidFill>
+                <a:latin typeface="微软雅黑" panose="020B0503020204020204" pitchFamily="34" charset="-122"/>
+                <a:ea typeface="微软雅黑" panose="020B0503020204020204" pitchFamily="34" charset="-122"/>
+                <a:sym typeface="+mn-ea"/>
+              </a:rPr>
+              <a:t>静止大气阻力</a:t>
+            </a:r>
+            <a:endParaRPr lang="en-US" altLang="zh-CN" sz="2000" b="1" dirty="0">
+              <a:solidFill>
+                <a:schemeClr val="tx1"/>
+              </a:solidFill>
+              <a:latin typeface="微软雅黑" panose="020B0503020204020204" pitchFamily="34" charset="-122"/>
+              <a:ea typeface="微软雅黑" panose="020B0503020204020204" pitchFamily="34" charset="-122"/>
+              <a:sym typeface="+mn-ea"/>
+            </a:endParaRPr>
+          </a:p>
+          <a:p>
+            <a:pPr marL="457200" indent="-457200" fontAlgn="auto">
+              <a:lnSpc>
+                <a:spcPct val="150000"/>
+              </a:lnSpc>
+              <a:spcAft>
+                <a:spcPts val="0"/>
+              </a:spcAft>
+              <a:buFont typeface="Wingdings" panose="05000000000000000000" pitchFamily="2" charset="2"/>
+              <a:buChar char="Ø"/>
+            </a:pPr>
+            <a:endParaRPr lang="en-US" altLang="zh-CN" sz="2000" b="1" dirty="0">
+              <a:solidFill>
+                <a:schemeClr val="tx1"/>
+              </a:solidFill>
+              <a:latin typeface="微软雅黑" panose="020B0503020204020204" pitchFamily="34" charset="-122"/>
+              <a:ea typeface="微软雅黑" panose="020B0503020204020204" pitchFamily="34" charset="-122"/>
+              <a:sym typeface="+mn-ea"/>
+            </a:endParaRPr>
+          </a:p>
+          <a:p>
+            <a:pPr marL="457200" indent="-457200" fontAlgn="auto">
+              <a:lnSpc>
+                <a:spcPct val="150000"/>
+              </a:lnSpc>
+              <a:spcAft>
+                <a:spcPts val="0"/>
+              </a:spcAft>
+              <a:buFont typeface="Wingdings" panose="05000000000000000000" pitchFamily="2" charset="2"/>
+              <a:buChar char="Ø"/>
+            </a:pPr>
+            <a:r>
+              <a:rPr lang="zh-CN" altLang="en-US" sz="2000" b="1" dirty="0">
+                <a:solidFill>
+                  <a:schemeClr val="tx1"/>
+                </a:solidFill>
+                <a:latin typeface="微软雅黑" panose="020B0503020204020204" pitchFamily="34" charset="-122"/>
+                <a:ea typeface="微软雅黑" panose="020B0503020204020204" pitchFamily="34" charset="-122"/>
+                <a:sym typeface="+mn-ea"/>
+              </a:rPr>
+              <a:t>光压作用</a:t>
+            </a:r>
+            <a:endParaRPr lang="en-US" altLang="zh-CN" sz="2000" b="1" dirty="0">
+              <a:solidFill>
+                <a:schemeClr val="tx1"/>
+              </a:solidFill>
+              <a:latin typeface="微软雅黑" panose="020B0503020204020204" pitchFamily="34" charset="-122"/>
+              <a:ea typeface="微软雅黑" panose="020B0503020204020204" pitchFamily="34" charset="-122"/>
+              <a:sym typeface="+mn-ea"/>
+            </a:endParaRPr>
+          </a:p>
+        </p:txBody>
+      </p:sp>
+      <p:sp>
+        <p:nvSpPr>
+          <p:cNvPr id="20" name="矩形 19">
+            <a:extLst>
+              <a:ext uri="{FF2B5EF4-FFF2-40B4-BE49-F238E27FC236}">
+                <a16:creationId xmlns:a16="http://schemas.microsoft.com/office/drawing/2014/main" id="{5DFAA2D2-90D6-5536-9037-8FA903A694D2}"/>
+              </a:ext>
+            </a:extLst>
+          </p:cNvPr>
+          <p:cNvSpPr/>
+          <p:nvPr/>
+        </p:nvSpPr>
+        <p:spPr>
+          <a:xfrm>
+            <a:off x="7177892" y="6285354"/>
+            <a:ext cx="1440985" cy="307777"/>
+          </a:xfrm>
+          <a:prstGeom prst="rect">
+            <a:avLst/>
+          </a:prstGeom>
+        </p:spPr>
+        <p:txBody>
+          <a:bodyPr wrap="square">
+            <a:spAutoFit/>
+          </a:bodyPr>
+          <a:lstStyle/>
+          <a:p>
+            <a:pPr algn="ctr" fontAlgn="auto">
+              <a:spcAft>
+                <a:spcPts val="0"/>
+              </a:spcAft>
+            </a:pPr>
+            <a:r>
+              <a:rPr lang="zh-CN" altLang="en-US" sz="1400" b="1" dirty="0">
+                <a:latin typeface="微软雅黑" panose="020B0503020204020204" pitchFamily="34" charset="-122"/>
+                <a:ea typeface="微软雅黑" panose="020B0503020204020204" pitchFamily="34" charset="-122"/>
+              </a:rPr>
+              <a:t>第</a:t>
+            </a:r>
+            <a:r>
+              <a:rPr lang="en-US" altLang="zh-CN" sz="1400" b="1" dirty="0">
+                <a:latin typeface="微软雅黑" panose="020B0503020204020204" pitchFamily="34" charset="-122"/>
+                <a:ea typeface="微软雅黑" panose="020B0503020204020204" pitchFamily="34" charset="-122"/>
+              </a:rPr>
+              <a:t>9</a:t>
+            </a:r>
+            <a:r>
+              <a:rPr lang="zh-CN" altLang="en-US" sz="1400" b="1" dirty="0">
+                <a:latin typeface="微软雅黑" panose="020B0503020204020204" pitchFamily="34" charset="-122"/>
+                <a:ea typeface="微软雅黑" panose="020B0503020204020204" pitchFamily="34" charset="-122"/>
+              </a:rPr>
+              <a:t>节课见</a:t>
+            </a:r>
+            <a:r>
+              <a:rPr lang="en-US" altLang="zh-CN" sz="1400" b="1" dirty="0">
+                <a:latin typeface="微软雅黑" panose="020B0503020204020204" pitchFamily="34" charset="-122"/>
+                <a:ea typeface="微软雅黑" panose="020B0503020204020204" pitchFamily="34" charset="-122"/>
+              </a:rPr>
+              <a:t>~</a:t>
+            </a:r>
+            <a:endParaRPr lang="zh-CN" sz="1400" b="1" dirty="0">
+              <a:latin typeface="微软雅黑" panose="020B0503020204020204" pitchFamily="34" charset="-122"/>
+              <a:ea typeface="微软雅黑" panose="020B0503020204020204" pitchFamily="34" charset="-122"/>
+            </a:endParaRPr>
+          </a:p>
+        </p:txBody>
+      </p:sp>
+      <p:pic>
+        <p:nvPicPr>
+          <p:cNvPr id="22" name="图片 21">
+            <a:extLst>
+              <a:ext uri="{FF2B5EF4-FFF2-40B4-BE49-F238E27FC236}">
+                <a16:creationId xmlns:a16="http://schemas.microsoft.com/office/drawing/2014/main" id="{2B0A7C18-2E96-0C75-9E4B-AE4B65F306A3}"/>
+              </a:ext>
+            </a:extLst>
+          </p:cNvPr>
+          <p:cNvPicPr>
+            <a:picLocks noChangeAspect="1"/>
+          </p:cNvPicPr>
+          <p:nvPr/>
+        </p:nvPicPr>
+        <p:blipFill>
+          <a:blip r:embed="rId2"/>
+          <a:stretch>
+            <a:fillRect/>
+          </a:stretch>
+        </p:blipFill>
+        <p:spPr>
+          <a:xfrm>
+            <a:off x="1518350" y="4411893"/>
+            <a:ext cx="5670416" cy="556663"/>
+          </a:xfrm>
+          <a:prstGeom prst="rect">
+            <a:avLst/>
+          </a:prstGeom>
+        </p:spPr>
+      </p:pic>
+      <p:pic>
+        <p:nvPicPr>
+          <p:cNvPr id="6" name="图片 5">
+            <a:extLst>
+              <a:ext uri="{FF2B5EF4-FFF2-40B4-BE49-F238E27FC236}">
+                <a16:creationId xmlns:a16="http://schemas.microsoft.com/office/drawing/2014/main" id="{EFF533FF-C4EA-B00D-2426-A2F95EF027D9}"/>
+              </a:ext>
+            </a:extLst>
+          </p:cNvPr>
+          <p:cNvPicPr>
+            <a:picLocks noChangeAspect="1"/>
+          </p:cNvPicPr>
+          <p:nvPr/>
+        </p:nvPicPr>
+        <p:blipFill>
+          <a:blip r:embed="rId3"/>
+          <a:stretch>
+            <a:fillRect/>
+          </a:stretch>
+        </p:blipFill>
+        <p:spPr>
+          <a:xfrm>
+            <a:off x="1334764" y="5455549"/>
+            <a:ext cx="2978716" cy="571673"/>
+          </a:xfrm>
+          <a:prstGeom prst="rect">
+            <a:avLst/>
+          </a:prstGeom>
+        </p:spPr>
+      </p:pic>
+      <p:pic>
+        <p:nvPicPr>
+          <p:cNvPr id="8" name="图片 7">
+            <a:extLst>
+              <a:ext uri="{FF2B5EF4-FFF2-40B4-BE49-F238E27FC236}">
+                <a16:creationId xmlns:a16="http://schemas.microsoft.com/office/drawing/2014/main" id="{E52973E1-8441-5C06-EA7C-57445C11ED5A}"/>
+              </a:ext>
+            </a:extLst>
+          </p:cNvPr>
+          <p:cNvPicPr>
+            <a:picLocks noChangeAspect="1"/>
+          </p:cNvPicPr>
+          <p:nvPr/>
+        </p:nvPicPr>
+        <p:blipFill>
+          <a:blip r:embed="rId4"/>
+          <a:stretch>
+            <a:fillRect/>
+          </a:stretch>
+        </p:blipFill>
+        <p:spPr>
+          <a:xfrm>
+            <a:off x="4630152" y="5205082"/>
+            <a:ext cx="2331584" cy="1023960"/>
+          </a:xfrm>
+          <a:prstGeom prst="rect">
+            <a:avLst/>
+          </a:prstGeom>
+        </p:spPr>
+      </p:pic>
+      <p:pic>
+        <p:nvPicPr>
+          <p:cNvPr id="18" name="图片 17">
+            <a:extLst>
+              <a:ext uri="{FF2B5EF4-FFF2-40B4-BE49-F238E27FC236}">
+                <a16:creationId xmlns:a16="http://schemas.microsoft.com/office/drawing/2014/main" id="{4B74AE01-2A24-BC52-264B-62A6D0F50E69}"/>
+              </a:ext>
+            </a:extLst>
+          </p:cNvPr>
+          <p:cNvPicPr>
+            <a:picLocks noChangeAspect="1"/>
+          </p:cNvPicPr>
+          <p:nvPr/>
+        </p:nvPicPr>
+        <p:blipFill>
+          <a:blip r:embed="rId5"/>
+          <a:stretch>
+            <a:fillRect/>
+          </a:stretch>
+        </p:blipFill>
+        <p:spPr>
+          <a:xfrm>
+            <a:off x="8623348" y="5523614"/>
+            <a:ext cx="1866543" cy="566629"/>
+          </a:xfrm>
+          <a:prstGeom prst="rect">
+            <a:avLst/>
+          </a:prstGeom>
+        </p:spPr>
+      </p:pic>
+      <p:pic>
+        <p:nvPicPr>
+          <p:cNvPr id="23" name="图片 22">
+            <a:extLst>
+              <a:ext uri="{FF2B5EF4-FFF2-40B4-BE49-F238E27FC236}">
+                <a16:creationId xmlns:a16="http://schemas.microsoft.com/office/drawing/2014/main" id="{85A032B8-AF84-D931-DEA8-9F9B9FC4252A}"/>
+              </a:ext>
+            </a:extLst>
+          </p:cNvPr>
+          <p:cNvPicPr>
+            <a:picLocks noChangeAspect="1"/>
+          </p:cNvPicPr>
+          <p:nvPr/>
+        </p:nvPicPr>
+        <p:blipFill>
+          <a:blip r:embed="rId6"/>
+          <a:stretch>
+            <a:fillRect/>
+          </a:stretch>
+        </p:blipFill>
+        <p:spPr>
+          <a:xfrm>
+            <a:off x="8618877" y="4598842"/>
+            <a:ext cx="2434697" cy="505911"/>
+          </a:xfrm>
+          <a:prstGeom prst="rect">
+            <a:avLst/>
+          </a:prstGeom>
+        </p:spPr>
+      </p:pic>
+      <p:pic>
+        <p:nvPicPr>
+          <p:cNvPr id="4" name="图形 3" descr="困惑的脸轮廓 纯色填充">
+            <a:extLst>
+              <a:ext uri="{FF2B5EF4-FFF2-40B4-BE49-F238E27FC236}">
+                <a16:creationId xmlns:a16="http://schemas.microsoft.com/office/drawing/2014/main" id="{C89E80AA-83BE-FCF7-CEB5-5D881DC1425B}"/>
+              </a:ext>
+            </a:extLst>
+          </p:cNvPr>
+          <p:cNvPicPr>
+            <a:picLocks noChangeAspect="1"/>
+          </p:cNvPicPr>
+          <p:nvPr/>
+        </p:nvPicPr>
+        <p:blipFill>
+          <a:blip r:embed="rId7">
+            <a:extLst>
+              <a:ext uri="{96DAC541-7B7A-43D3-8B79-37D633B846F1}">
+                <asvg:svgBlip xmlns:asvg="http://schemas.microsoft.com/office/drawing/2016/SVG/main" r:embed="rId8"/>
+              </a:ext>
+            </a:extLst>
+          </a:blip>
+          <a:stretch>
+            <a:fillRect/>
+          </a:stretch>
+        </p:blipFill>
+        <p:spPr>
+          <a:xfrm>
+            <a:off x="0" y="1153581"/>
+            <a:ext cx="571360" cy="571360"/>
+          </a:xfrm>
+          <a:prstGeom prst="rect">
+            <a:avLst/>
+          </a:prstGeom>
+        </p:spPr>
+      </p:pic>
+      <p:pic>
+        <p:nvPicPr>
+          <p:cNvPr id="7" name="图形 6" descr="紧张的脸轮廓 纯色填充">
+            <a:extLst>
+              <a:ext uri="{FF2B5EF4-FFF2-40B4-BE49-F238E27FC236}">
+                <a16:creationId xmlns:a16="http://schemas.microsoft.com/office/drawing/2014/main" id="{5DCE05FF-079D-E3CF-A088-CE16B92FD643}"/>
+              </a:ext>
+            </a:extLst>
+          </p:cNvPr>
+          <p:cNvPicPr>
+            <a:picLocks noChangeAspect="1"/>
+          </p:cNvPicPr>
+          <p:nvPr/>
+        </p:nvPicPr>
+        <p:blipFill>
+          <a:blip r:embed="rId9">
+            <a:extLst>
+              <a:ext uri="{96DAC541-7B7A-43D3-8B79-37D633B846F1}">
+                <asvg:svgBlip xmlns:asvg="http://schemas.microsoft.com/office/drawing/2016/SVG/main" r:embed="rId10"/>
+              </a:ext>
+            </a:extLst>
+          </a:blip>
+          <a:stretch>
+            <a:fillRect/>
+          </a:stretch>
+        </p:blipFill>
+        <p:spPr>
+          <a:xfrm>
+            <a:off x="-14653" y="3435659"/>
+            <a:ext cx="571360" cy="571360"/>
+          </a:xfrm>
+          <a:prstGeom prst="rect">
+            <a:avLst/>
+          </a:prstGeom>
+        </p:spPr>
+      </p:pic>
+    </p:spTree>
+    <p:extLst>
+      <p:ext uri="{BB962C8B-B14F-4D97-AF65-F5344CB8AC3E}">
+        <p14:creationId xmlns:p14="http://schemas.microsoft.com/office/powerpoint/2010/main" val="3150895877"/>
+      </p:ext>
+    </p:extLst>
+  </p:cSld>
+  <p:clrMapOvr>
+    <a:masterClrMapping/>
+  </p:clrMapOvr>
+  <mc:AlternateContent xmlns:mc="http://schemas.openxmlformats.org/markup-compatibility/2006" xmlns:p159="http://schemas.microsoft.com/office/powerpoint/2015/09/main">
+    <mc:Choice Requires="p159">
+      <p:transition spd="slow">
+        <p159:morph option="byObject"/>
+      </p:transition>
+    </mc:Choice>
+    <mc:Fallback xmlns="">
+      <p:transition spd="slow">
+        <p:fade/>
+      </p:transition>
+    </mc:Fallback>
+  </mc:AlternateContent>
+</p:sld>
+</file>
+
+<file path=ppt/slides/slide11.xml><?xml version="1.0" encoding="utf-8"?>
+<p:sld xmlns:a="http://schemas.openxmlformats.org/drawingml/2006/main" xmlns:r="http://schemas.openxmlformats.org/officeDocument/2006/relationships" xmlns:p="http://schemas.openxmlformats.org/presentationml/2006/main">
+  <p:cSld>
+    <p:spTree>
+      <p:nvGrpSpPr>
+        <p:cNvPr id="1" name=""/>
+        <p:cNvGrpSpPr/>
+        <p:nvPr/>
+      </p:nvGrpSpPr>
+      <p:grpSpPr>
+        <a:xfrm>
+          <a:off x="0" y="0"/>
+          <a:ext cx="0" cy="0"/>
+          <a:chOff x="0" y="0"/>
+          <a:chExt cx="0" cy="0"/>
+        </a:xfrm>
+      </p:grpSpPr>
+      <p:sp>
+        <p:nvSpPr>
+          <p:cNvPr id="3" name="矩形 2"/>
+          <p:cNvSpPr/>
+          <p:nvPr/>
+        </p:nvSpPr>
+        <p:spPr>
+          <a:xfrm>
+            <a:off x="407987" y="1052513"/>
             <a:ext cx="11376025" cy="5371535"/>
           </a:xfrm>
           <a:prstGeom prst="rect">
@@ -2195,7 +3057,7 @@
           <a:p>
             <a:fld id="{5F1D8F20-F945-584B-B149-8CCFBEFE168A}" type="slidenum">
               <a:rPr kumimoji="1" lang="zh-CN" altLang="en-US" smtClean="0"/>
-              <a:t>10</a:t>
+              <a:t>11</a:t>
             </a:fld>
             <a:endParaRPr kumimoji="1" lang="zh-CN" altLang="en-US"/>
           </a:p>
@@ -2318,7 +3180,7 @@
 </p:sld>
 </file>
 
-<file path=ppt/slides/slide11.xml><?xml version="1.0" encoding="utf-8"?>
+<file path=ppt/slides/slide12.xml><?xml version="1.0" encoding="utf-8"?>
 <p:sld xmlns:a="http://schemas.openxmlformats.org/drawingml/2006/main" xmlns:r="http://schemas.openxmlformats.org/officeDocument/2006/relationships" xmlns:p="http://schemas.openxmlformats.org/presentationml/2006/main">
   <p:cSld>
     <p:spTree>
@@ -2405,7 +3267,7 @@
           <a:p>
             <a:fld id="{5F1D8F20-F945-584B-B149-8CCFBEFE168A}" type="slidenum">
               <a:rPr kumimoji="1" lang="zh-CN" altLang="en-US" smtClean="0"/>
-              <a:t>11</a:t>
+              <a:t>12</a:t>
             </a:fld>
             <a:endParaRPr kumimoji="1" lang="zh-CN" altLang="en-US"/>
           </a:p>
@@ -2970,7 +3832,7 @@
 </p:sld>
 </file>
 
-<file path=ppt/slides/slide12.xml><?xml version="1.0" encoding="utf-8"?>
+<file path=ppt/slides/slide13.xml><?xml version="1.0" encoding="utf-8"?>
 <p:sld xmlns:a="http://schemas.openxmlformats.org/drawingml/2006/main" xmlns:r="http://schemas.openxmlformats.org/officeDocument/2006/relationships" xmlns:p="http://schemas.openxmlformats.org/presentationml/2006/main">
   <p:cSld>
     <p:spTree>
@@ -3057,7 +3919,7 @@
           <a:p>
             <a:fld id="{5F1D8F20-F945-584B-B149-8CCFBEFE168A}" type="slidenum">
               <a:rPr kumimoji="1" lang="zh-CN" altLang="en-US" smtClean="0"/>
-              <a:t>12</a:t>
+              <a:t>13</a:t>
             </a:fld>
             <a:endParaRPr kumimoji="1" lang="zh-CN" altLang="en-US"/>
           </a:p>
@@ -3561,7 +4423,7 @@
 </p:sld>
 </file>
 
-<file path=ppt/slides/slide13.xml><?xml version="1.0" encoding="utf-8"?>
+<file path=ppt/slides/slide14.xml><?xml version="1.0" encoding="utf-8"?>
 <p:sld xmlns:a="http://schemas.openxmlformats.org/drawingml/2006/main" xmlns:r="http://schemas.openxmlformats.org/officeDocument/2006/relationships" xmlns:p="http://schemas.openxmlformats.org/presentationml/2006/main">
   <p:cSld>
     <p:spTree>
@@ -4458,7 +5320,7 @@
           <a:p>
             <a:fld id="{5F1D8F20-F945-584B-B149-8CCFBEFE168A}" type="slidenum">
               <a:rPr kumimoji="1" lang="zh-CN" altLang="en-US" smtClean="0"/>
-              <a:t>13</a:t>
+              <a:t>14</a:t>
             </a:fld>
             <a:endParaRPr kumimoji="1" lang="zh-CN" altLang="en-US"/>
           </a:p>
@@ -4581,7 +5443,7 @@
 </p:sld>
 </file>
 
-<file path=ppt/slides/slide14.xml><?xml version="1.0" encoding="utf-8"?>
+<file path=ppt/slides/slide15.xml><?xml version="1.0" encoding="utf-8"?>
 <p:sld xmlns:a="http://schemas.openxmlformats.org/drawingml/2006/main" xmlns:r="http://schemas.openxmlformats.org/officeDocument/2006/relationships" xmlns:p="http://schemas.openxmlformats.org/presentationml/2006/main">
   <p:cSld>
     <p:spTree>
@@ -4990,7 +5852,7 @@
           <a:p>
             <a:fld id="{5F1D8F20-F945-584B-B149-8CCFBEFE168A}" type="slidenum">
               <a:rPr kumimoji="1" lang="zh-CN" altLang="en-US" smtClean="0"/>
-              <a:t>14</a:t>
+              <a:t>15</a:t>
             </a:fld>
             <a:endParaRPr kumimoji="1" lang="zh-CN" altLang="en-US"/>
           </a:p>
@@ -6477,7 +7339,7 @@
 </p:sld>
 </file>
 
-<file path=ppt/slides/slide15.xml><?xml version="1.0" encoding="utf-8"?>
+<file path=ppt/slides/slide16.xml><?xml version="1.0" encoding="utf-8"?>
 <p:sld xmlns:a="http://schemas.openxmlformats.org/drawingml/2006/main" xmlns:r="http://schemas.openxmlformats.org/officeDocument/2006/relationships" xmlns:p="http://schemas.openxmlformats.org/presentationml/2006/main">
   <p:cSld>
     <p:spTree>
@@ -6608,7 +7470,7 @@
           <a:p>
             <a:fld id="{5F1D8F20-F945-584B-B149-8CCFBEFE168A}" type="slidenum">
               <a:rPr kumimoji="1" lang="zh-CN" altLang="en-US" smtClean="0"/>
-              <a:t>15</a:t>
+              <a:t>16</a:t>
             </a:fld>
             <a:endParaRPr kumimoji="1" lang="zh-CN" altLang="en-US"/>
           </a:p>
@@ -8098,7 +8960,7 @@
 </p:sld>
 </file>
 
-<file path=ppt/slides/slide16.xml><?xml version="1.0" encoding="utf-8"?>
+<file path=ppt/slides/slide17.xml><?xml version="1.0" encoding="utf-8"?>
 <p:sld xmlns:a="http://schemas.openxmlformats.org/drawingml/2006/main" xmlns:r="http://schemas.openxmlformats.org/officeDocument/2006/relationships" xmlns:p="http://schemas.openxmlformats.org/presentationml/2006/main">
   <p:cSld>
     <p:spTree>
@@ -8132,7 +8994,7 @@
           <a:p>
             <a:fld id="{5F1D8F20-F945-584B-B149-8CCFBEFE168A}" type="slidenum">
               <a:rPr kumimoji="1" lang="zh-CN" altLang="en-US" smtClean="0"/>
-              <a:t>16</a:t>
+              <a:t>17</a:t>
             </a:fld>
             <a:endParaRPr kumimoji="1" lang="zh-CN" altLang="en-US"/>
           </a:p>
@@ -9152,7 +10014,7 @@
 </p:sld>
 </file>
 
-<file path=ppt/slides/slide17.xml><?xml version="1.0" encoding="utf-8"?>
+<file path=ppt/slides/slide18.xml><?xml version="1.0" encoding="utf-8"?>
 <p:sld xmlns:a="http://schemas.openxmlformats.org/drawingml/2006/main" xmlns:r="http://schemas.openxmlformats.org/officeDocument/2006/relationships" xmlns:p="http://schemas.openxmlformats.org/presentationml/2006/main">
   <p:cSld>
     <p:spTree>
@@ -9465,7 +10327,7 @@
           <a:p>
             <a:fld id="{5F1D8F20-F945-584B-B149-8CCFBEFE168A}" type="slidenum">
               <a:rPr kumimoji="1" lang="zh-CN" altLang="en-US" smtClean="0"/>
-              <a:t>17</a:t>
+              <a:t>18</a:t>
             </a:fld>
             <a:endParaRPr kumimoji="1" lang="zh-CN" altLang="en-US"/>
           </a:p>
@@ -10279,7 +11141,7 @@
 </p:sld>
 </file>
 
-<file path=ppt/slides/slide18.xml><?xml version="1.0" encoding="utf-8"?>
+<file path=ppt/slides/slide19.xml><?xml version="1.0" encoding="utf-8"?>
 <p:sld xmlns:a="http://schemas.openxmlformats.org/drawingml/2006/main" xmlns:r="http://schemas.openxmlformats.org/officeDocument/2006/relationships" xmlns:p="http://schemas.openxmlformats.org/presentationml/2006/main">
   <p:cSld>
     <p:spTree>
@@ -10766,7 +11628,7 @@
           <a:p>
             <a:fld id="{5F1D8F20-F945-584B-B149-8CCFBEFE168A}" type="slidenum">
               <a:rPr kumimoji="1" lang="zh-CN" altLang="en-US" smtClean="0"/>
-              <a:t>18</a:t>
+              <a:t>19</a:t>
             </a:fld>
             <a:endParaRPr kumimoji="1" lang="zh-CN" altLang="en-US"/>
           </a:p>
@@ -10982,7 +11844,193 @@
 </p:sld>
 </file>
 
-<file path=ppt/slides/slide19.xml><?xml version="1.0" encoding="utf-8"?>
+<file path=ppt/slides/slide2.xml><?xml version="1.0" encoding="utf-8"?>
+<p:sld xmlns:a="http://schemas.openxmlformats.org/drawingml/2006/main" xmlns:r="http://schemas.openxmlformats.org/officeDocument/2006/relationships" xmlns:p="http://schemas.openxmlformats.org/presentationml/2006/main">
+  <p:cSld>
+    <p:spTree>
+      <p:nvGrpSpPr>
+        <p:cNvPr id="1" name=""/>
+        <p:cNvGrpSpPr/>
+        <p:nvPr/>
+      </p:nvGrpSpPr>
+      <p:grpSpPr>
+        <a:xfrm>
+          <a:off x="0" y="0"/>
+          <a:ext cx="0" cy="0"/>
+          <a:chOff x="0" y="0"/>
+          <a:chExt cx="0" cy="0"/>
+        </a:xfrm>
+      </p:grpSpPr>
+      <p:sp>
+        <p:nvSpPr>
+          <p:cNvPr id="3" name="矩形 2"/>
+          <p:cNvSpPr/>
+          <p:nvPr/>
+        </p:nvSpPr>
+        <p:spPr>
+          <a:xfrm>
+            <a:off x="3241921" y="2888393"/>
+            <a:ext cx="6213529" cy="1482650"/>
+          </a:xfrm>
+          <a:prstGeom prst="rect">
+            <a:avLst/>
+          </a:prstGeom>
+        </p:spPr>
+        <p:txBody>
+          <a:bodyPr wrap="square">
+            <a:spAutoFit/>
+          </a:bodyPr>
+          <a:lstStyle/>
+          <a:p>
+            <a:pPr marL="342900" indent="-342900" fontAlgn="auto">
+              <a:lnSpc>
+                <a:spcPct val="150000"/>
+              </a:lnSpc>
+              <a:spcAft>
+                <a:spcPts val="0"/>
+              </a:spcAft>
+              <a:buFont typeface="Arial" panose="020B0604020202020204" pitchFamily="34" charset="0"/>
+              <a:buChar char="•"/>
+            </a:pPr>
+            <a:r>
+              <a:rPr lang="zh-CN" altLang="en-US" sz="3200" b="1" dirty="0">
+                <a:solidFill>
+                  <a:schemeClr val="tx1"/>
+                </a:solidFill>
+                <a:latin typeface="微软雅黑" panose="020B0503020204020204" pitchFamily="34" charset="-122"/>
+                <a:ea typeface="微软雅黑" panose="020B0503020204020204" pitchFamily="34" charset="-122"/>
+                <a:sym typeface="+mn-ea"/>
+              </a:rPr>
+              <a:t>常数变易法和摄动运动方程</a:t>
+            </a:r>
+          </a:p>
+          <a:p>
+            <a:pPr marL="342900" indent="-342900">
+              <a:lnSpc>
+                <a:spcPct val="150000"/>
+              </a:lnSpc>
+              <a:buFont typeface="Arial" panose="020B0604020202020204" pitchFamily="34" charset="0"/>
+              <a:buChar char="•"/>
+            </a:pPr>
+            <a:r>
+              <a:rPr lang="zh-CN" altLang="en-US" sz="3200" b="1" dirty="0">
+                <a:solidFill>
+                  <a:schemeClr val="tx1"/>
+                </a:solidFill>
+                <a:latin typeface="微软雅黑" panose="020B0503020204020204" pitchFamily="34" charset="-122"/>
+                <a:ea typeface="微软雅黑" panose="020B0503020204020204" pitchFamily="34" charset="-122"/>
+                <a:sym typeface="+mn-ea"/>
+              </a:rPr>
+              <a:t>小参数幂级数解和平均根数法</a:t>
+            </a:r>
+          </a:p>
+        </p:txBody>
+      </p:sp>
+      <p:sp>
+        <p:nvSpPr>
+          <p:cNvPr id="5" name="灯片编号占位符 4"/>
+          <p:cNvSpPr>
+            <a:spLocks noGrp="1"/>
+          </p:cNvSpPr>
+          <p:nvPr>
+            <p:ph type="sldNum" sz="quarter" idx="4"/>
+          </p:nvPr>
+        </p:nvSpPr>
+        <p:spPr/>
+        <p:txBody>
+          <a:bodyPr/>
+          <a:lstStyle/>
+          <a:p>
+            <a:fld id="{5F1D8F20-F945-584B-B149-8CCFBEFE168A}" type="slidenum">
+              <a:rPr kumimoji="1" lang="zh-CN" altLang="en-US" smtClean="0"/>
+              <a:t>2</a:t>
+            </a:fld>
+            <a:endParaRPr kumimoji="1" lang="zh-CN" altLang="en-US"/>
+          </a:p>
+        </p:txBody>
+      </p:sp>
+      <p:sp>
+        <p:nvSpPr>
+          <p:cNvPr id="26" name="标题 1"/>
+          <p:cNvSpPr txBox="1"/>
+          <p:nvPr/>
+        </p:nvSpPr>
+        <p:spPr>
+          <a:xfrm>
+            <a:off x="0" y="0"/>
+            <a:ext cx="12187555" cy="711200"/>
+          </a:xfrm>
+          <a:prstGeom prst="rect">
+            <a:avLst/>
+          </a:prstGeom>
+          <a:noFill/>
+        </p:spPr>
+        <p:txBody>
+          <a:bodyPr vert="horz" lIns="91440" tIns="45720" rIns="91440" bIns="45720" rtlCol="0" anchor="ctr"/>
+          <a:lstStyle/>
+          <a:p>
+            <a:pPr marL="0" marR="0" lvl="0" indent="0" algn="ctr" defTabSz="914400" rtl="0" eaLnBrk="1" fontAlgn="base" latinLnBrk="0" hangingPunct="1">
+              <a:lnSpc>
+                <a:spcPct val="100000"/>
+              </a:lnSpc>
+              <a:spcBef>
+                <a:spcPct val="0"/>
+              </a:spcBef>
+              <a:spcAft>
+                <a:spcPct val="0"/>
+              </a:spcAft>
+              <a:buClrTx/>
+              <a:buSzTx/>
+              <a:buFontTx/>
+              <a:buNone/>
+              <a:defRPr/>
+            </a:pPr>
+            <a:r>
+              <a:rPr kumimoji="0" lang="zh-CN" altLang="en-US" sz="3200" b="1" i="0" u="none" strike="noStrike" kern="1200" cap="none" spc="0" normalizeH="0" baseline="0" noProof="0" dirty="0">
+                <a:ln>
+                  <a:noFill/>
+                </a:ln>
+                <a:solidFill>
+                  <a:schemeClr val="bg1"/>
+                </a:solidFill>
+                <a:effectLst/>
+                <a:uLnTx/>
+                <a:uFillTx/>
+                <a:latin typeface="微软雅黑" panose="020B0503020204020204" pitchFamily="34" charset="-122"/>
+                <a:ea typeface="微软雅黑" panose="020B0503020204020204" pitchFamily="34" charset="-122"/>
+                <a:cs typeface="+mj-cs"/>
+              </a:rPr>
+              <a:t>受摄二体问题</a:t>
+            </a:r>
+          </a:p>
+        </p:txBody>
+      </p:sp>
+    </p:spTree>
+    <p:extLst>
+      <p:ext uri="{BB962C8B-B14F-4D97-AF65-F5344CB8AC3E}">
+        <p14:creationId xmlns:p14="http://schemas.microsoft.com/office/powerpoint/2010/main" val="2222808267"/>
+      </p:ext>
+    </p:extLst>
+  </p:cSld>
+  <p:clrMapOvr>
+    <a:masterClrMapping/>
+  </p:clrMapOvr>
+  <mc:AlternateContent xmlns:mc="http://schemas.openxmlformats.org/markup-compatibility/2006" xmlns:p159="http://schemas.microsoft.com/office/powerpoint/2015/09/main">
+    <mc:Choice Requires="p159">
+      <p:transition spd="slow">
+        <p159:morph option="byObject"/>
+      </p:transition>
+    </mc:Choice>
+    <mc:Fallback xmlns="">
+      <p:transition spd="slow">
+        <p:fade/>
+      </p:transition>
+    </mc:Fallback>
+  </mc:AlternateContent>
+</p:sld>
+</file>
+
+<file path=ppt/slides/slide20.xml><?xml version="1.0" encoding="utf-8"?>
 <p:sld xmlns:a="http://schemas.openxmlformats.org/drawingml/2006/main" xmlns:r="http://schemas.openxmlformats.org/officeDocument/2006/relationships" xmlns:p="http://schemas.openxmlformats.org/presentationml/2006/main">
   <p:cSld>
     <p:spTree>
@@ -11158,7 +12206,7 @@
           <a:p>
             <a:fld id="{5F1D8F20-F945-584B-B149-8CCFBEFE168A}" type="slidenum">
               <a:rPr kumimoji="1" lang="zh-CN" altLang="en-US" smtClean="0"/>
-              <a:t>19</a:t>
+              <a:t>20</a:t>
             </a:fld>
             <a:endParaRPr kumimoji="1" lang="zh-CN" altLang="en-US"/>
           </a:p>
@@ -11898,193 +12946,7 @@
 </p:sld>
 </file>
 
-<file path=ppt/slides/slide2.xml><?xml version="1.0" encoding="utf-8"?>
-<p:sld xmlns:a="http://schemas.openxmlformats.org/drawingml/2006/main" xmlns:r="http://schemas.openxmlformats.org/officeDocument/2006/relationships" xmlns:p="http://schemas.openxmlformats.org/presentationml/2006/main">
-  <p:cSld>
-    <p:spTree>
-      <p:nvGrpSpPr>
-        <p:cNvPr id="1" name=""/>
-        <p:cNvGrpSpPr/>
-        <p:nvPr/>
-      </p:nvGrpSpPr>
-      <p:grpSpPr>
-        <a:xfrm>
-          <a:off x="0" y="0"/>
-          <a:ext cx="0" cy="0"/>
-          <a:chOff x="0" y="0"/>
-          <a:chExt cx="0" cy="0"/>
-        </a:xfrm>
-      </p:grpSpPr>
-      <p:sp>
-        <p:nvSpPr>
-          <p:cNvPr id="3" name="矩形 2"/>
-          <p:cNvSpPr/>
-          <p:nvPr/>
-        </p:nvSpPr>
-        <p:spPr>
-          <a:xfrm>
-            <a:off x="3241921" y="2888393"/>
-            <a:ext cx="6213529" cy="1482650"/>
-          </a:xfrm>
-          <a:prstGeom prst="rect">
-            <a:avLst/>
-          </a:prstGeom>
-        </p:spPr>
-        <p:txBody>
-          <a:bodyPr wrap="square">
-            <a:spAutoFit/>
-          </a:bodyPr>
-          <a:lstStyle/>
-          <a:p>
-            <a:pPr marL="342900" indent="-342900" fontAlgn="auto">
-              <a:lnSpc>
-                <a:spcPct val="150000"/>
-              </a:lnSpc>
-              <a:spcAft>
-                <a:spcPts val="0"/>
-              </a:spcAft>
-              <a:buFont typeface="Arial" panose="020B0604020202020204" pitchFamily="34" charset="0"/>
-              <a:buChar char="•"/>
-            </a:pPr>
-            <a:r>
-              <a:rPr lang="zh-CN" altLang="en-US" sz="3200" b="1" dirty="0">
-                <a:solidFill>
-                  <a:schemeClr val="tx1"/>
-                </a:solidFill>
-                <a:latin typeface="微软雅黑" panose="020B0503020204020204" pitchFamily="34" charset="-122"/>
-                <a:ea typeface="微软雅黑" panose="020B0503020204020204" pitchFamily="34" charset="-122"/>
-                <a:sym typeface="+mn-ea"/>
-              </a:rPr>
-              <a:t>常数变易法和摄动运动方程</a:t>
-            </a:r>
-          </a:p>
-          <a:p>
-            <a:pPr marL="342900" indent="-342900">
-              <a:lnSpc>
-                <a:spcPct val="150000"/>
-              </a:lnSpc>
-              <a:buFont typeface="Arial" panose="020B0604020202020204" pitchFamily="34" charset="0"/>
-              <a:buChar char="•"/>
-            </a:pPr>
-            <a:r>
-              <a:rPr lang="zh-CN" altLang="en-US" sz="3200" b="1" dirty="0">
-                <a:solidFill>
-                  <a:schemeClr val="tx1"/>
-                </a:solidFill>
-                <a:latin typeface="微软雅黑" panose="020B0503020204020204" pitchFamily="34" charset="-122"/>
-                <a:ea typeface="微软雅黑" panose="020B0503020204020204" pitchFamily="34" charset="-122"/>
-                <a:sym typeface="+mn-ea"/>
-              </a:rPr>
-              <a:t>小参数幂级数解和平均根数法</a:t>
-            </a:r>
-          </a:p>
-        </p:txBody>
-      </p:sp>
-      <p:sp>
-        <p:nvSpPr>
-          <p:cNvPr id="5" name="灯片编号占位符 4"/>
-          <p:cNvSpPr>
-            <a:spLocks noGrp="1"/>
-          </p:cNvSpPr>
-          <p:nvPr>
-            <p:ph type="sldNum" sz="quarter" idx="4"/>
-          </p:nvPr>
-        </p:nvSpPr>
-        <p:spPr/>
-        <p:txBody>
-          <a:bodyPr/>
-          <a:lstStyle/>
-          <a:p>
-            <a:fld id="{5F1D8F20-F945-584B-B149-8CCFBEFE168A}" type="slidenum">
-              <a:rPr kumimoji="1" lang="zh-CN" altLang="en-US" smtClean="0"/>
-              <a:t>2</a:t>
-            </a:fld>
-            <a:endParaRPr kumimoji="1" lang="zh-CN" altLang="en-US"/>
-          </a:p>
-        </p:txBody>
-      </p:sp>
-      <p:sp>
-        <p:nvSpPr>
-          <p:cNvPr id="26" name="标题 1"/>
-          <p:cNvSpPr txBox="1"/>
-          <p:nvPr/>
-        </p:nvSpPr>
-        <p:spPr>
-          <a:xfrm>
-            <a:off x="0" y="0"/>
-            <a:ext cx="12187555" cy="711200"/>
-          </a:xfrm>
-          <a:prstGeom prst="rect">
-            <a:avLst/>
-          </a:prstGeom>
-          <a:noFill/>
-        </p:spPr>
-        <p:txBody>
-          <a:bodyPr vert="horz" lIns="91440" tIns="45720" rIns="91440" bIns="45720" rtlCol="0" anchor="ctr"/>
-          <a:lstStyle/>
-          <a:p>
-            <a:pPr marL="0" marR="0" lvl="0" indent="0" algn="ctr" defTabSz="914400" rtl="0" eaLnBrk="1" fontAlgn="base" latinLnBrk="0" hangingPunct="1">
-              <a:lnSpc>
-                <a:spcPct val="100000"/>
-              </a:lnSpc>
-              <a:spcBef>
-                <a:spcPct val="0"/>
-              </a:spcBef>
-              <a:spcAft>
-                <a:spcPct val="0"/>
-              </a:spcAft>
-              <a:buClrTx/>
-              <a:buSzTx/>
-              <a:buFontTx/>
-              <a:buNone/>
-              <a:defRPr/>
-            </a:pPr>
-            <a:r>
-              <a:rPr kumimoji="0" lang="zh-CN" altLang="en-US" sz="3200" b="1" i="0" u="none" strike="noStrike" kern="1200" cap="none" spc="0" normalizeH="0" baseline="0" noProof="0" dirty="0">
-                <a:ln>
-                  <a:noFill/>
-                </a:ln>
-                <a:solidFill>
-                  <a:schemeClr val="bg1"/>
-                </a:solidFill>
-                <a:effectLst/>
-                <a:uLnTx/>
-                <a:uFillTx/>
-                <a:latin typeface="微软雅黑" panose="020B0503020204020204" pitchFamily="34" charset="-122"/>
-                <a:ea typeface="微软雅黑" panose="020B0503020204020204" pitchFamily="34" charset="-122"/>
-                <a:cs typeface="+mj-cs"/>
-              </a:rPr>
-              <a:t>受摄二体问题</a:t>
-            </a:r>
-          </a:p>
-        </p:txBody>
-      </p:sp>
-    </p:spTree>
-    <p:extLst>
-      <p:ext uri="{BB962C8B-B14F-4D97-AF65-F5344CB8AC3E}">
-        <p14:creationId xmlns:p14="http://schemas.microsoft.com/office/powerpoint/2010/main" val="2222808267"/>
-      </p:ext>
-    </p:extLst>
-  </p:cSld>
-  <p:clrMapOvr>
-    <a:masterClrMapping/>
-  </p:clrMapOvr>
-  <mc:AlternateContent xmlns:mc="http://schemas.openxmlformats.org/markup-compatibility/2006" xmlns:p159="http://schemas.microsoft.com/office/powerpoint/2015/09/main">
-    <mc:Choice Requires="p159">
-      <p:transition spd="slow">
-        <p159:morph option="byObject"/>
-      </p:transition>
-    </mc:Choice>
-    <mc:Fallback xmlns="">
-      <p:transition spd="slow">
-        <p:fade/>
-      </p:transition>
-    </mc:Fallback>
-  </mc:AlternateContent>
-</p:sld>
-</file>
-
-<file path=ppt/slides/slide20.xml><?xml version="1.0" encoding="utf-8"?>
+<file path=ppt/slides/slide21.xml><?xml version="1.0" encoding="utf-8"?>
 <p:sld xmlns:a="http://schemas.openxmlformats.org/drawingml/2006/main" xmlns:r="http://schemas.openxmlformats.org/officeDocument/2006/relationships" xmlns:p="http://schemas.openxmlformats.org/presentationml/2006/main">
   <p:cSld>
     <p:spTree>
@@ -12340,7 +13202,7 @@
           <a:p>
             <a:fld id="{5F1D8F20-F945-584B-B149-8CCFBEFE168A}" type="slidenum">
               <a:rPr kumimoji="1" lang="zh-CN" altLang="en-US" smtClean="0"/>
-              <a:t>20</a:t>
+              <a:t>21</a:t>
             </a:fld>
             <a:endParaRPr kumimoji="1" lang="zh-CN" altLang="en-US"/>
           </a:p>
@@ -13302,13 +14164,13 @@
   <p:clrMapOvr>
     <a:masterClrMapping/>
   </p:clrMapOvr>
-  <mc:AlternateContent xmlns:mc="http://schemas.openxmlformats.org/markup-compatibility/2006">
-    <mc:Choice xmlns:p14="http://schemas.microsoft.com/office/powerpoint/2010/main" Requires="p14">
+  <mc:AlternateContent xmlns:mc="http://schemas.openxmlformats.org/markup-compatibility/2006" xmlns:p14="http://schemas.microsoft.com/office/powerpoint/2010/main">
+    <mc:Choice Requires="p14">
       <p:transition spd="med" p14:dur="700">
         <p:fade/>
       </p:transition>
     </mc:Choice>
-    <mc:Fallback>
+    <mc:Fallback xmlns="">
       <p:transition spd="med">
         <p:fade/>
       </p:transition>
@@ -13513,7 +14375,7 @@
 </p:sld>
 </file>
 
-<file path=ppt/slides/slide21.xml><?xml version="1.0" encoding="utf-8"?>
+<file path=ppt/slides/slide22.xml><?xml version="1.0" encoding="utf-8"?>
 <p:sld xmlns:a="http://schemas.openxmlformats.org/drawingml/2006/main" xmlns:r="http://schemas.openxmlformats.org/officeDocument/2006/relationships" xmlns:p="http://schemas.openxmlformats.org/presentationml/2006/main">
   <p:cSld>
     <p:spTree>
@@ -13645,7 +14507,7 @@
           <a:p>
             <a:fld id="{5F1D8F20-F945-584B-B149-8CCFBEFE168A}" type="slidenum">
               <a:rPr kumimoji="1" lang="zh-CN" altLang="en-US" smtClean="0"/>
-              <a:t>21</a:t>
+              <a:t>22</a:t>
             </a:fld>
             <a:endParaRPr kumimoji="1" lang="zh-CN" altLang="en-US"/>
           </a:p>
@@ -14293,13 +15155,13 @@
   <p:clrMapOvr>
     <a:masterClrMapping/>
   </p:clrMapOvr>
-  <mc:AlternateContent xmlns:mc="http://schemas.openxmlformats.org/markup-compatibility/2006">
-    <mc:Choice xmlns:p14="http://schemas.microsoft.com/office/powerpoint/2010/main" Requires="p14">
+  <mc:AlternateContent xmlns:mc="http://schemas.openxmlformats.org/markup-compatibility/2006" xmlns:p14="http://schemas.microsoft.com/office/powerpoint/2010/main">
+    <mc:Choice Requires="p14">
       <p:transition spd="med" p14:dur="700">
         <p:fade/>
       </p:transition>
     </mc:Choice>
-    <mc:Fallback>
+    <mc:Fallback xmlns="">
       <p:transition spd="med">
         <p:fade/>
       </p:transition>
@@ -14308,7 +15170,7 @@
 </p:sld>
 </file>
 
-<file path=ppt/slides/slide22.xml><?xml version="1.0" encoding="utf-8"?>
+<file path=ppt/slides/slide23.xml><?xml version="1.0" encoding="utf-8"?>
 <p:sld xmlns:a="http://schemas.openxmlformats.org/drawingml/2006/main" xmlns:r="http://schemas.openxmlformats.org/officeDocument/2006/relationships" xmlns:p="http://schemas.openxmlformats.org/presentationml/2006/main">
   <p:cSld>
     <p:spTree>
@@ -14398,7 +15260,7 @@
           <a:p>
             <a:fld id="{5F1D8F20-F945-584B-B149-8CCFBEFE168A}" type="slidenum">
               <a:rPr kumimoji="1" lang="zh-CN" altLang="en-US" smtClean="0"/>
-              <a:t>22</a:t>
+              <a:t>23</a:t>
             </a:fld>
             <a:endParaRPr kumimoji="1" lang="zh-CN" altLang="en-US"/>
           </a:p>
@@ -14646,13 +15508,13 @@
   <p:clrMapOvr>
     <a:masterClrMapping/>
   </p:clrMapOvr>
-  <mc:AlternateContent xmlns:mc="http://schemas.openxmlformats.org/markup-compatibility/2006">
-    <mc:Choice xmlns:p14="http://schemas.microsoft.com/office/powerpoint/2010/main" Requires="p14">
+  <mc:AlternateContent xmlns:mc="http://schemas.openxmlformats.org/markup-compatibility/2006" xmlns:p14="http://schemas.microsoft.com/office/powerpoint/2010/main">
+    <mc:Choice Requires="p14">
       <p:transition spd="med" p14:dur="700">
         <p:fade/>
       </p:transition>
     </mc:Choice>
-    <mc:Fallback>
+    <mc:Fallback xmlns="">
       <p:transition spd="med">
         <p:fade/>
       </p:transition>
@@ -18369,6 +19231,36 @@
           <a:chExt cx="0" cy="0"/>
         </a:xfrm>
       </p:grpSpPr>
+      <p:pic>
+        <p:nvPicPr>
+          <p:cNvPr id="14" name="图片 13">
+            <a:extLst>
+              <a:ext uri="{FF2B5EF4-FFF2-40B4-BE49-F238E27FC236}">
+                <a16:creationId xmlns:a16="http://schemas.microsoft.com/office/drawing/2014/main" id="{A0E13EF8-E844-B082-9F16-44DACE2154FD}"/>
+              </a:ext>
+            </a:extLst>
+          </p:cNvPr>
+          <p:cNvPicPr>
+            <a:picLocks noChangeAspect="1"/>
+          </p:cNvPicPr>
+          <p:nvPr/>
+        </p:nvPicPr>
+        <p:blipFill>
+          <a:blip r:embed="rId2"/>
+          <a:stretch>
+            <a:fillRect/>
+          </a:stretch>
+        </p:blipFill>
+        <p:spPr>
+          <a:xfrm>
+            <a:off x="540935" y="3970108"/>
+            <a:ext cx="5062156" cy="2676993"/>
+          </a:xfrm>
+          <a:prstGeom prst="rect">
+            <a:avLst/>
+          </a:prstGeom>
+        </p:spPr>
+      </p:pic>
       <p:sp>
         <p:nvSpPr>
           <p:cNvPr id="3" name="矩形 2"/>
@@ -19062,7 +19954,7 @@
           <p:nvPr/>
         </p:nvPicPr>
         <p:blipFill rotWithShape="1">
-          <a:blip r:embed="rId2"/>
+          <a:blip r:embed="rId3"/>
           <a:srcRect r="77482"/>
           <a:stretch/>
         </p:blipFill>
@@ -19070,36 +19962,6 @@
           <a:xfrm>
             <a:off x="2847663" y="1812678"/>
             <a:ext cx="448700" cy="429013"/>
-          </a:xfrm>
-          <a:prstGeom prst="rect">
-            <a:avLst/>
-          </a:prstGeom>
-        </p:spPr>
-      </p:pic>
-      <p:pic>
-        <p:nvPicPr>
-          <p:cNvPr id="7" name="图片 6">
-            <a:extLst>
-              <a:ext uri="{FF2B5EF4-FFF2-40B4-BE49-F238E27FC236}">
-                <a16:creationId xmlns:a16="http://schemas.microsoft.com/office/drawing/2014/main" id="{231B6EDF-6BD1-0DB8-9A6D-665E8DB32EB9}"/>
-              </a:ext>
-            </a:extLst>
-          </p:cNvPr>
-          <p:cNvPicPr>
-            <a:picLocks noChangeAspect="1"/>
-          </p:cNvPicPr>
-          <p:nvPr/>
-        </p:nvPicPr>
-        <p:blipFill>
-          <a:blip r:embed="rId3"/>
-          <a:stretch>
-            <a:fillRect/>
-          </a:stretch>
-        </p:blipFill>
-        <p:spPr>
-          <a:xfrm>
-            <a:off x="2756182" y="4035794"/>
-            <a:ext cx="4979168" cy="2631969"/>
           </a:xfrm>
           <a:prstGeom prst="rect">
             <a:avLst/>
@@ -19166,6 +20028,36 @@
           <a:xfrm>
             <a:off x="3974" y="711621"/>
             <a:ext cx="571360" cy="571360"/>
+          </a:xfrm>
+          <a:prstGeom prst="rect">
+            <a:avLst/>
+          </a:prstGeom>
+        </p:spPr>
+      </p:pic>
+      <p:pic>
+        <p:nvPicPr>
+          <p:cNvPr id="10" name="图片 9">
+            <a:extLst>
+              <a:ext uri="{FF2B5EF4-FFF2-40B4-BE49-F238E27FC236}">
+                <a16:creationId xmlns:a16="http://schemas.microsoft.com/office/drawing/2014/main" id="{6C009E2F-CF48-B40F-DB11-A7D7A4C57B42}"/>
+              </a:ext>
+            </a:extLst>
+          </p:cNvPr>
+          <p:cNvPicPr>
+            <a:picLocks noChangeAspect="1"/>
+          </p:cNvPicPr>
+          <p:nvPr/>
+        </p:nvPicPr>
+        <p:blipFill>
+          <a:blip r:embed="rId7"/>
+          <a:stretch>
+            <a:fillRect/>
+          </a:stretch>
+        </p:blipFill>
+        <p:spPr>
+          <a:xfrm>
+            <a:off x="5253991" y="5387679"/>
+            <a:ext cx="6800400" cy="981209"/>
           </a:xfrm>
           <a:prstGeom prst="rect">
             <a:avLst/>
@@ -20185,58 +21077,6 @@
       </p:sp>
       <p:sp>
         <p:nvSpPr>
-          <p:cNvPr id="45" name="矩形 44">
-            <a:extLst>
-              <a:ext uri="{FF2B5EF4-FFF2-40B4-BE49-F238E27FC236}">
-                <a16:creationId xmlns:a16="http://schemas.microsoft.com/office/drawing/2014/main" id="{04273A3A-91BA-0620-5F45-BA54233925D7}"/>
-              </a:ext>
-            </a:extLst>
-          </p:cNvPr>
-          <p:cNvSpPr/>
-          <p:nvPr/>
-        </p:nvSpPr>
-        <p:spPr>
-          <a:xfrm>
-            <a:off x="2635479" y="5957391"/>
-            <a:ext cx="5803516" cy="400110"/>
-          </a:xfrm>
-          <a:prstGeom prst="rect">
-            <a:avLst/>
-          </a:prstGeom>
-        </p:spPr>
-        <p:txBody>
-          <a:bodyPr wrap="square">
-            <a:spAutoFit/>
-          </a:bodyPr>
-          <a:lstStyle/>
-          <a:p>
-            <a:pPr algn="ctr" fontAlgn="auto">
-              <a:spcAft>
-                <a:spcPts val="0"/>
-              </a:spcAft>
-            </a:pPr>
-            <a:r>
-              <a:rPr lang="zh-CN" altLang="en-US" sz="2000" b="1" dirty="0">
-                <a:solidFill>
-                  <a:srgbClr val="0000FF"/>
-                </a:solidFill>
-                <a:latin typeface="微软雅黑" panose="020B0503020204020204" pitchFamily="34" charset="-122"/>
-                <a:ea typeface="微软雅黑" panose="020B0503020204020204" pitchFamily="34" charset="-122"/>
-              </a:rPr>
-              <a:t>问：如何在不改变半长径的情况下改变偏心率</a:t>
-            </a:r>
-            <a:endParaRPr lang="zh-CN" sz="2000" b="1" dirty="0">
-              <a:solidFill>
-                <a:srgbClr val="0000FF"/>
-              </a:solidFill>
-              <a:latin typeface="微软雅黑" panose="020B0503020204020204" pitchFamily="34" charset="-122"/>
-              <a:ea typeface="微软雅黑" panose="020B0503020204020204" pitchFamily="34" charset="-122"/>
-            </a:endParaRPr>
-          </a:p>
-        </p:txBody>
-      </p:sp>
-      <p:sp>
-        <p:nvSpPr>
           <p:cNvPr id="2" name="矩形 1">
             <a:extLst>
               <a:ext uri="{FF2B5EF4-FFF2-40B4-BE49-F238E27FC236}">
@@ -20489,6 +21329,117 @@
           </a:prstGeom>
         </p:spPr>
       </p:pic>
+      <p:sp>
+        <p:nvSpPr>
+          <p:cNvPr id="7" name="文本框 6">
+            <a:extLst>
+              <a:ext uri="{FF2B5EF4-FFF2-40B4-BE49-F238E27FC236}">
+                <a16:creationId xmlns:a16="http://schemas.microsoft.com/office/drawing/2014/main" id="{A34DEEB8-1810-25CA-A349-D11CFEB252B3}"/>
+              </a:ext>
+            </a:extLst>
+          </p:cNvPr>
+          <p:cNvSpPr txBox="1"/>
+          <p:nvPr/>
+        </p:nvSpPr>
+        <p:spPr>
+          <a:xfrm>
+            <a:off x="284655" y="5776935"/>
+            <a:ext cx="4131775" cy="499624"/>
+          </a:xfrm>
+          <a:prstGeom prst="rect">
+            <a:avLst/>
+          </a:prstGeom>
+          <a:noFill/>
+        </p:spPr>
+        <p:txBody>
+          <a:bodyPr wrap="square">
+            <a:spAutoFit/>
+          </a:bodyPr>
+          <a:lstStyle/>
+          <a:p>
+            <a:pPr marL="800100" lvl="1" indent="-342900">
+              <a:lnSpc>
+                <a:spcPct val="150000"/>
+              </a:lnSpc>
+              <a:buFont typeface="Arial" panose="020B0604020202020204" pitchFamily="34" charset="0"/>
+              <a:buChar char="•"/>
+            </a:pPr>
+            <a:r>
+              <a:rPr lang="zh-CN" altLang="en-US" sz="2000" b="1" dirty="0">
+                <a:solidFill>
+                  <a:schemeClr val="tx1"/>
+                </a:solidFill>
+                <a:latin typeface="微软雅黑" panose="020B0503020204020204" pitchFamily="34" charset="-122"/>
+                <a:ea typeface="微软雅黑" panose="020B0503020204020204" pitchFamily="34" charset="-122"/>
+                <a:sym typeface="+mn-ea"/>
+              </a:rPr>
+              <a:t>三个方向</a:t>
+            </a:r>
+            <a:r>
+              <a:rPr lang="zh-CN" altLang="en-US" sz="2000" b="1" dirty="0">
+                <a:latin typeface="微软雅黑" panose="020B0503020204020204" pitchFamily="34" charset="-122"/>
+                <a:ea typeface="微软雅黑" panose="020B0503020204020204" pitchFamily="34" charset="-122"/>
+                <a:sym typeface="+mn-ea"/>
+              </a:rPr>
+              <a:t>和</a:t>
+            </a:r>
+            <a:r>
+              <a:rPr lang="zh-CN" altLang="en-US" sz="2000" b="1" dirty="0">
+                <a:solidFill>
+                  <a:srgbClr val="0000FF"/>
+                </a:solidFill>
+                <a:latin typeface="微软雅黑" panose="020B0503020204020204" pitchFamily="34" charset="-122"/>
+                <a:ea typeface="微软雅黑" panose="020B0503020204020204" pitchFamily="34" charset="-122"/>
+                <a:sym typeface="+mn-ea"/>
+              </a:rPr>
+              <a:t>摄动势</a:t>
+            </a:r>
+            <a:r>
+              <a:rPr lang="zh-CN" altLang="en-US" sz="2000" b="1" dirty="0">
+                <a:latin typeface="微软雅黑" panose="020B0503020204020204" pitchFamily="34" charset="-122"/>
+                <a:ea typeface="微软雅黑" panose="020B0503020204020204" pitchFamily="34" charset="-122"/>
+                <a:sym typeface="+mn-ea"/>
+              </a:rPr>
+              <a:t>的关系</a:t>
+            </a:r>
+            <a:endParaRPr lang="en-US" altLang="zh-CN" sz="2000" b="1" dirty="0">
+              <a:latin typeface="微软雅黑" panose="020B0503020204020204" pitchFamily="34" charset="-122"/>
+              <a:ea typeface="微软雅黑" panose="020B0503020204020204" pitchFamily="34" charset="-122"/>
+              <a:sym typeface="+mn-ea"/>
+            </a:endParaRPr>
+          </a:p>
+        </p:txBody>
+      </p:sp>
+      <p:pic>
+        <p:nvPicPr>
+          <p:cNvPr id="9" name="图片 8">
+            <a:extLst>
+              <a:ext uri="{FF2B5EF4-FFF2-40B4-BE49-F238E27FC236}">
+                <a16:creationId xmlns:a16="http://schemas.microsoft.com/office/drawing/2014/main" id="{AB47B406-51F8-9066-9BF5-519B1FF01529}"/>
+              </a:ext>
+            </a:extLst>
+          </p:cNvPr>
+          <p:cNvPicPr>
+            <a:picLocks noChangeAspect="1"/>
+          </p:cNvPicPr>
+          <p:nvPr/>
+        </p:nvPicPr>
+        <p:blipFill>
+          <a:blip r:embed="rId8"/>
+          <a:stretch>
+            <a:fillRect/>
+          </a:stretch>
+        </p:blipFill>
+        <p:spPr>
+          <a:xfrm>
+            <a:off x="4205621" y="5865646"/>
+            <a:ext cx="5056821" cy="468438"/>
+          </a:xfrm>
+          <a:prstGeom prst="rect">
+            <a:avLst/>
+          </a:prstGeom>
+        </p:spPr>
+      </p:pic>
     </p:spTree>
     <p:extLst>
       <p:ext uri="{BB962C8B-B14F-4D97-AF65-F5344CB8AC3E}">
@@ -20511,92 +21462,6 @@
       </p:transition>
     </mc:Fallback>
   </mc:AlternateContent>
-  <p:timing>
-    <p:tnLst>
-      <p:par>
-        <p:cTn id="1" dur="indefinite" restart="never" nodeType="tmRoot">
-          <p:childTnLst>
-            <p:seq concurrent="1" nextAc="seek">
-              <p:cTn id="2" dur="indefinite" nodeType="mainSeq">
-                <p:childTnLst>
-                  <p:par>
-                    <p:cTn id="3" fill="hold">
-                      <p:stCondLst>
-                        <p:cond delay="indefinite"/>
-                      </p:stCondLst>
-                      <p:childTnLst>
-                        <p:par>
-                          <p:cTn id="4" fill="hold">
-                            <p:stCondLst>
-                              <p:cond delay="0"/>
-                            </p:stCondLst>
-                            <p:childTnLst>
-                              <p:par>
-                                <p:cTn id="5" presetID="10" presetClass="entr" presetSubtype="0" fill="hold" grpId="0" nodeType="clickEffect">
-                                  <p:stCondLst>
-                                    <p:cond delay="0"/>
-                                  </p:stCondLst>
-                                  <p:childTnLst>
-                                    <p:set>
-                                      <p:cBhvr>
-                                        <p:cTn id="6" dur="1" fill="hold">
-                                          <p:stCondLst>
-                                            <p:cond delay="0"/>
-                                          </p:stCondLst>
-                                        </p:cTn>
-                                        <p:tgtEl>
-                                          <p:spTgt spid="45"/>
-                                        </p:tgtEl>
-                                        <p:attrNameLst>
-                                          <p:attrName>style.visibility</p:attrName>
-                                        </p:attrNameLst>
-                                      </p:cBhvr>
-                                      <p:to>
-                                        <p:strVal val="visible"/>
-                                      </p:to>
-                                    </p:set>
-                                    <p:animEffect transition="in" filter="fade">
-                                      <p:cBhvr>
-                                        <p:cTn id="7" dur="500"/>
-                                        <p:tgtEl>
-                                          <p:spTgt spid="45"/>
-                                        </p:tgtEl>
-                                      </p:cBhvr>
-                                    </p:animEffect>
-                                  </p:childTnLst>
-                                </p:cTn>
-                              </p:par>
-                            </p:childTnLst>
-                          </p:cTn>
-                        </p:par>
-                      </p:childTnLst>
-                    </p:cTn>
-                  </p:par>
-                </p:childTnLst>
-              </p:cTn>
-              <p:prevCondLst>
-                <p:cond evt="onPrev" delay="0">
-                  <p:tgtEl>
-                    <p:sldTgt/>
-                  </p:tgtEl>
-                </p:cond>
-              </p:prevCondLst>
-              <p:nextCondLst>
-                <p:cond evt="onNext" delay="0">
-                  <p:tgtEl>
-                    <p:sldTgt/>
-                  </p:tgtEl>
-                </p:cond>
-              </p:nextCondLst>
-            </p:seq>
-          </p:childTnLst>
-        </p:cTn>
-      </p:par>
-    </p:tnLst>
-    <p:bldLst>
-      <p:bldP spid="45" grpId="0"/>
-    </p:bldLst>
-  </p:timing>
 </p:sld>
 </file>
 
@@ -20626,7 +21491,7 @@
         <p:spPr>
           <a:xfrm>
             <a:off x="407987" y="1052513"/>
-            <a:ext cx="11376025" cy="2970878"/>
+            <a:ext cx="11376025" cy="4579202"/>
           </a:xfrm>
           <a:prstGeom prst="rect">
             <a:avLst/>
@@ -20638,17 +21503,25 @@
           </a:bodyPr>
           <a:lstStyle/>
           <a:p>
-            <a:pPr marL="342900" indent="-342900" fontAlgn="auto">
+            <a:pPr marL="342900" indent="-342900">
               <a:lnSpc>
                 <a:spcPct val="150000"/>
               </a:lnSpc>
-              <a:spcAft>
-                <a:spcPts val="0"/>
-              </a:spcAft>
               <a:buFont typeface="Arial" panose="020B0604020202020204" pitchFamily="34" charset="0"/>
               <a:buChar char="•"/>
             </a:pPr>
             <a:r>
+              <a:rPr lang="en-US" altLang="zh-CN" sz="2800" b="1" dirty="0">
+                <a:solidFill>
+                  <a:schemeClr val="tx1"/>
+                </a:solidFill>
+                <a:latin typeface="微软雅黑" panose="020B0503020204020204" pitchFamily="34" charset="-122"/>
+                <a:ea typeface="微软雅黑" panose="020B0503020204020204" pitchFamily="34" charset="-122"/>
+                <a:sym typeface="+mn-ea"/>
+              </a:rPr>
+              <a:t>Gauss</a:t>
+            </a:r>
+            <a:r>
               <a:rPr lang="zh-CN" altLang="en-US" sz="2800" b="1" dirty="0">
                 <a:solidFill>
                   <a:schemeClr val="tx1"/>
@@ -20657,38 +21530,8 @@
                 <a:ea typeface="微软雅黑" panose="020B0503020204020204" pitchFamily="34" charset="-122"/>
                 <a:sym typeface="+mn-ea"/>
               </a:rPr>
-              <a:t>摄动运动方程</a:t>
-            </a:r>
-            <a:r>
-              <a:rPr lang="zh-CN" altLang="en-US" sz="2800" b="1" dirty="0">
-                <a:solidFill>
-                  <a:srgbClr val="0000FF"/>
-                </a:solidFill>
-                <a:latin typeface="微软雅黑" panose="020B0503020204020204" pitchFamily="34" charset="-122"/>
-                <a:ea typeface="微软雅黑" panose="020B0503020204020204" pitchFamily="34" charset="-122"/>
-                <a:sym typeface="+mn-ea"/>
-              </a:rPr>
-              <a:t>形式复杂，推导繁琐</a:t>
-            </a:r>
-            <a:r>
-              <a:rPr lang="zh-CN" altLang="en-US" sz="2800" b="1" dirty="0">
-                <a:solidFill>
-                  <a:schemeClr val="tx1"/>
-                </a:solidFill>
-                <a:latin typeface="微软雅黑" panose="020B0503020204020204" pitchFamily="34" charset="-122"/>
-                <a:ea typeface="微软雅黑" panose="020B0503020204020204" pitchFamily="34" charset="-122"/>
-                <a:sym typeface="+mn-ea"/>
-              </a:rPr>
-              <a:t>，为什么要用？</a:t>
-            </a:r>
-            <a:endParaRPr lang="en-US" altLang="zh-CN" sz="2800" b="1" dirty="0">
-              <a:solidFill>
-                <a:schemeClr val="tx1"/>
-              </a:solidFill>
-              <a:latin typeface="微软雅黑" panose="020B0503020204020204" pitchFamily="34" charset="-122"/>
-              <a:ea typeface="微软雅黑" panose="020B0503020204020204" pitchFamily="34" charset="-122"/>
-              <a:sym typeface="+mn-ea"/>
-            </a:endParaRPr>
+              <a:t>型</a:t>
+            </a:r>
           </a:p>
           <a:p>
             <a:pPr marL="800100" lvl="1" indent="-342900">
@@ -20698,14 +21541,6 @@
               <a:buFont typeface="Arial" panose="020B0604020202020204" pitchFamily="34" charset="0"/>
               <a:buChar char="•"/>
             </a:pPr>
-            <a:r>
-              <a:rPr lang="zh-CN" altLang="en-US" sz="2400" b="1" dirty="0">
-                <a:latin typeface="微软雅黑" panose="020B0503020204020204" pitchFamily="34" charset="-122"/>
-                <a:ea typeface="微软雅黑" panose="020B0503020204020204" pitchFamily="34" charset="-122"/>
-                <a:sym typeface="+mn-ea"/>
-              </a:rPr>
-              <a:t>直观给出轨道变化</a:t>
-            </a:r>
             <a:endParaRPr lang="en-US" altLang="zh-CN" sz="2400" b="1" dirty="0">
               <a:latin typeface="微软雅黑" panose="020B0503020204020204" pitchFamily="34" charset="-122"/>
               <a:ea typeface="微软雅黑" panose="020B0503020204020204" pitchFamily="34" charset="-122"/>
@@ -20720,36 +21555,6 @@
               <a:buFont typeface="Arial" panose="020B0604020202020204" pitchFamily="34" charset="0"/>
               <a:buChar char="•"/>
             </a:pPr>
-            <a:r>
-              <a:rPr lang="zh-CN" altLang="en-US" sz="2400" b="1" dirty="0">
-                <a:latin typeface="微软雅黑" panose="020B0503020204020204" pitchFamily="34" charset="-122"/>
-                <a:ea typeface="微软雅黑" panose="020B0503020204020204" pitchFamily="34" charset="-122"/>
-                <a:sym typeface="+mn-ea"/>
-              </a:rPr>
-              <a:t>数值积分步长大（变化慢）</a:t>
-            </a:r>
-            <a:endParaRPr lang="en-US" altLang="zh-CN" sz="2400" b="1" dirty="0">
-              <a:latin typeface="微软雅黑" panose="020B0503020204020204" pitchFamily="34" charset="-122"/>
-              <a:ea typeface="微软雅黑" panose="020B0503020204020204" pitchFamily="34" charset="-122"/>
-              <a:sym typeface="+mn-ea"/>
-            </a:endParaRPr>
-          </a:p>
-          <a:p>
-            <a:pPr marL="800100" lvl="1" indent="-342900">
-              <a:lnSpc>
-                <a:spcPct val="150000"/>
-              </a:lnSpc>
-              <a:buFont typeface="Arial" panose="020B0604020202020204" pitchFamily="34" charset="0"/>
-              <a:buChar char="•"/>
-            </a:pPr>
-            <a:r>
-              <a:rPr lang="zh-CN" altLang="en-US" sz="2400" b="1" dirty="0">
-                <a:latin typeface="微软雅黑" panose="020B0503020204020204" pitchFamily="34" charset="-122"/>
-                <a:ea typeface="微软雅黑" panose="020B0503020204020204" pitchFamily="34" charset="-122"/>
-                <a:sym typeface="+mn-ea"/>
-              </a:rPr>
-              <a:t>可用于分析解</a:t>
-            </a:r>
             <a:endParaRPr lang="en-US" altLang="zh-CN" sz="2400" b="1" dirty="0">
               <a:solidFill>
                 <a:schemeClr val="tx1"/>
@@ -20760,18 +21565,29 @@
             </a:endParaRPr>
           </a:p>
           <a:p>
-            <a:pPr marL="342900" indent="-342900" fontAlgn="auto">
+            <a:pPr marL="800100" lvl="1" indent="-342900">
               <a:lnSpc>
                 <a:spcPct val="150000"/>
               </a:lnSpc>
-              <a:spcAft>
-                <a:spcPts val="0"/>
-              </a:spcAft>
               <a:buFont typeface="Arial" panose="020B0604020202020204" pitchFamily="34" charset="0"/>
               <a:buChar char="•"/>
             </a:pPr>
-            <a:r>
-              <a:rPr lang="zh-CN" altLang="en-US" sz="2800" b="1" dirty="0">
+            <a:endParaRPr lang="en-US" altLang="zh-CN" sz="2400" b="1" dirty="0">
+              <a:latin typeface="微软雅黑" panose="020B0503020204020204" pitchFamily="34" charset="-122"/>
+              <a:ea typeface="微软雅黑" panose="020B0503020204020204" pitchFamily="34" charset="-122"/>
+              <a:sym typeface="+mn-ea"/>
+            </a:endParaRPr>
+          </a:p>
+          <a:p>
+            <a:pPr marL="800100" lvl="1" indent="-342900">
+              <a:lnSpc>
+                <a:spcPct val="150000"/>
+              </a:lnSpc>
+              <a:buFont typeface="Arial" panose="020B0604020202020204" pitchFamily="34" charset="0"/>
+              <a:buChar char="•"/>
+            </a:pPr>
+            <a:r>
+              <a:rPr lang="zh-CN" altLang="en-US" sz="2400" b="1" dirty="0">
                 <a:solidFill>
                   <a:schemeClr val="tx1"/>
                 </a:solidFill>
@@ -20779,14 +21595,176 @@
                 <a:ea typeface="微软雅黑" panose="020B0503020204020204" pitchFamily="34" charset="-122"/>
                 <a:sym typeface="+mn-ea"/>
               </a:rPr>
-              <a:t>两种摄动运动方程选择：</a:t>
-            </a:r>
-            <a:endParaRPr lang="en-US" altLang="zh-CN" sz="2800" b="1" dirty="0">
+              <a:t>：</a:t>
+            </a:r>
+            <a:endParaRPr lang="en-US" altLang="zh-CN" sz="2400" b="1" dirty="0">
               <a:solidFill>
                 <a:schemeClr val="tx1"/>
               </a:solidFill>
               <a:latin typeface="微软雅黑" panose="020B0503020204020204" pitchFamily="34" charset="-122"/>
               <a:ea typeface="微软雅黑" panose="020B0503020204020204" pitchFamily="34" charset="-122"/>
+              <a:sym typeface="+mn-ea"/>
+            </a:endParaRPr>
+          </a:p>
+          <a:p>
+            <a:pPr marL="1257300" lvl="2" indent="-342900">
+              <a:lnSpc>
+                <a:spcPct val="130000"/>
+              </a:lnSpc>
+              <a:buFont typeface="Arial" panose="020B0604020202020204" pitchFamily="34" charset="0"/>
+              <a:buChar char="•"/>
+            </a:pPr>
+            <a:r>
+              <a:rPr lang="en-US" altLang="zh-CN" sz="2800" b="1" i="1" dirty="0">
+                <a:latin typeface="Times New Roman" panose="02020603050405020304" pitchFamily="18" charset="0"/>
+                <a:ea typeface="微软雅黑" panose="020B0503020204020204" pitchFamily="34" charset="-122"/>
+                <a:cs typeface="Times New Roman" panose="02020603050405020304" pitchFamily="18" charset="0"/>
+                <a:sym typeface="+mn-ea"/>
+              </a:rPr>
+              <a:t>S</a:t>
+            </a:r>
+            <a:r>
+              <a:rPr lang="en-US" altLang="zh-CN" sz="2800" b="1" dirty="0">
+                <a:latin typeface="Times New Roman" panose="02020603050405020304" pitchFamily="18" charset="0"/>
+                <a:ea typeface="微软雅黑" panose="020B0503020204020204" pitchFamily="34" charset="-122"/>
+                <a:cs typeface="Times New Roman" panose="02020603050405020304" pitchFamily="18" charset="0"/>
+                <a:sym typeface="+mn-ea"/>
+              </a:rPr>
+              <a:t> </a:t>
+            </a:r>
+            <a:r>
+              <a:rPr lang="zh-CN" altLang="en-US" sz="2400" b="1" dirty="0">
+                <a:latin typeface="Times New Roman" panose="02020603050405020304" pitchFamily="18" charset="0"/>
+                <a:ea typeface="微软雅黑" panose="020B0503020204020204" pitchFamily="34" charset="-122"/>
+                <a:cs typeface="Times New Roman" panose="02020603050405020304" pitchFamily="18" charset="0"/>
+                <a:sym typeface="+mn-ea"/>
+              </a:rPr>
+              <a:t>径向</a:t>
+            </a:r>
+            <a:endParaRPr lang="en-US" altLang="zh-CN" sz="2800" b="1" dirty="0">
+              <a:latin typeface="Times New Roman" panose="02020603050405020304" pitchFamily="18" charset="0"/>
+              <a:ea typeface="微软雅黑" panose="020B0503020204020204" pitchFamily="34" charset="-122"/>
+              <a:cs typeface="Times New Roman" panose="02020603050405020304" pitchFamily="18" charset="0"/>
+              <a:sym typeface="+mn-ea"/>
+            </a:endParaRPr>
+          </a:p>
+          <a:p>
+            <a:pPr marL="1257300" lvl="2" indent="-342900">
+              <a:lnSpc>
+                <a:spcPct val="130000"/>
+              </a:lnSpc>
+              <a:buFont typeface="Arial" panose="020B0604020202020204" pitchFamily="34" charset="0"/>
+              <a:buChar char="•"/>
+            </a:pPr>
+            <a:r>
+              <a:rPr lang="en-US" altLang="zh-CN" sz="2800" b="1" i="1" dirty="0">
+                <a:solidFill>
+                  <a:schemeClr val="tx1"/>
+                </a:solidFill>
+                <a:latin typeface="Times New Roman" panose="02020603050405020304" pitchFamily="18" charset="0"/>
+                <a:ea typeface="微软雅黑" panose="020B0503020204020204" pitchFamily="34" charset="-122"/>
+                <a:cs typeface="Times New Roman" panose="02020603050405020304" pitchFamily="18" charset="0"/>
+                <a:sym typeface="+mn-ea"/>
+              </a:rPr>
+              <a:t>T</a:t>
+            </a:r>
+            <a:r>
+              <a:rPr lang="en-US" altLang="zh-CN" sz="2800" b="1" dirty="0">
+                <a:solidFill>
+                  <a:schemeClr val="tx1"/>
+                </a:solidFill>
+                <a:latin typeface="Times New Roman" panose="02020603050405020304" pitchFamily="18" charset="0"/>
+                <a:ea typeface="微软雅黑" panose="020B0503020204020204" pitchFamily="34" charset="-122"/>
+                <a:cs typeface="Times New Roman" panose="02020603050405020304" pitchFamily="18" charset="0"/>
+                <a:sym typeface="+mn-ea"/>
+              </a:rPr>
+              <a:t> </a:t>
+            </a:r>
+            <a:r>
+              <a:rPr lang="zh-CN" altLang="en-US" sz="2400" b="1" dirty="0">
+                <a:solidFill>
+                  <a:schemeClr val="tx1"/>
+                </a:solidFill>
+                <a:latin typeface="Times New Roman" panose="02020603050405020304" pitchFamily="18" charset="0"/>
+                <a:ea typeface="微软雅黑" panose="020B0503020204020204" pitchFamily="34" charset="-122"/>
+                <a:cs typeface="Times New Roman" panose="02020603050405020304" pitchFamily="18" charset="0"/>
+                <a:sym typeface="+mn-ea"/>
+              </a:rPr>
+              <a:t>横向 </a:t>
+            </a:r>
+            <a:r>
+              <a:rPr lang="en-GB" altLang="zh-CN" sz="2400" b="1" dirty="0">
+                <a:solidFill>
+                  <a:schemeClr val="tx1"/>
+                </a:solidFill>
+                <a:latin typeface="Times New Roman" panose="02020603050405020304" pitchFamily="18" charset="0"/>
+                <a:ea typeface="微软雅黑" panose="020B0503020204020204" pitchFamily="34" charset="-122"/>
+                <a:cs typeface="Times New Roman" panose="02020603050405020304" pitchFamily="18" charset="0"/>
+                <a:sym typeface="+mn-ea"/>
+              </a:rPr>
+              <a:t>Transverse</a:t>
+            </a:r>
+            <a:endParaRPr lang="zh-CN" altLang="en-US" sz="2800" b="1" dirty="0">
+              <a:solidFill>
+                <a:schemeClr val="tx1"/>
+              </a:solidFill>
+              <a:latin typeface="Times New Roman" panose="02020603050405020304" pitchFamily="18" charset="0"/>
+              <a:ea typeface="微软雅黑" panose="020B0503020204020204" pitchFamily="34" charset="-122"/>
+              <a:cs typeface="Times New Roman" panose="02020603050405020304" pitchFamily="18" charset="0"/>
+              <a:sym typeface="+mn-ea"/>
+            </a:endParaRPr>
+          </a:p>
+          <a:p>
+            <a:pPr marL="1257300" lvl="2" indent="-342900">
+              <a:lnSpc>
+                <a:spcPct val="130000"/>
+              </a:lnSpc>
+              <a:buFont typeface="Arial" panose="020B0604020202020204" pitchFamily="34" charset="0"/>
+              <a:buChar char="•"/>
+            </a:pPr>
+            <a:r>
+              <a:rPr lang="en-US" altLang="zh-CN" sz="2800" b="1" i="1" dirty="0">
+                <a:solidFill>
+                  <a:schemeClr val="tx1"/>
+                </a:solidFill>
+                <a:latin typeface="Times New Roman" panose="02020603050405020304" pitchFamily="18" charset="0"/>
+                <a:ea typeface="微软雅黑" panose="020B0503020204020204" pitchFamily="34" charset="-122"/>
+                <a:cs typeface="Times New Roman" panose="02020603050405020304" pitchFamily="18" charset="0"/>
+                <a:sym typeface="+mn-ea"/>
+              </a:rPr>
+              <a:t>W</a:t>
+            </a:r>
+            <a:r>
+              <a:rPr lang="en-US" altLang="zh-CN" sz="2800" b="1" dirty="0">
+                <a:solidFill>
+                  <a:schemeClr val="tx1"/>
+                </a:solidFill>
+                <a:latin typeface="Times New Roman" panose="02020603050405020304" pitchFamily="18" charset="0"/>
+                <a:ea typeface="微软雅黑" panose="020B0503020204020204" pitchFamily="34" charset="-122"/>
+                <a:cs typeface="Times New Roman" panose="02020603050405020304" pitchFamily="18" charset="0"/>
+                <a:sym typeface="+mn-ea"/>
+              </a:rPr>
+              <a:t> </a:t>
+            </a:r>
+            <a:r>
+              <a:rPr lang="zh-CN" altLang="en-US" sz="2400" b="1" dirty="0">
+                <a:solidFill>
+                  <a:schemeClr val="tx1"/>
+                </a:solidFill>
+                <a:latin typeface="Times New Roman" panose="02020603050405020304" pitchFamily="18" charset="0"/>
+                <a:ea typeface="微软雅黑" panose="020B0503020204020204" pitchFamily="34" charset="-122"/>
+                <a:cs typeface="Times New Roman" panose="02020603050405020304" pitchFamily="18" charset="0"/>
+                <a:sym typeface="+mn-ea"/>
+              </a:rPr>
+              <a:t>轨道面法向（次）</a:t>
+            </a:r>
+            <a:endParaRPr lang="en-US" altLang="zh-CN" sz="2800" b="1" dirty="0">
+              <a:solidFill>
+                <a:schemeClr val="tx1"/>
+              </a:solidFill>
+              <a:latin typeface="Times New Roman" panose="02020603050405020304" pitchFamily="18" charset="0"/>
+              <a:ea typeface="微软雅黑" panose="020B0503020204020204" pitchFamily="34" charset="-122"/>
+              <a:cs typeface="Times New Roman" panose="02020603050405020304" pitchFamily="18" charset="0"/>
               <a:sym typeface="+mn-ea"/>
             </a:endParaRPr>
           </a:p>
@@ -20873,10 +21851,10 @@
       </p:sp>
       <p:sp>
         <p:nvSpPr>
-          <p:cNvPr id="2" name="矩形 1">
+          <p:cNvPr id="13" name="矩形 12">
             <a:extLst>
               <a:ext uri="{FF2B5EF4-FFF2-40B4-BE49-F238E27FC236}">
-                <a16:creationId xmlns:a16="http://schemas.microsoft.com/office/drawing/2014/main" id="{CC93A3DE-7BCD-B63E-2287-BA8F4AEB10C1}"/>
+                <a16:creationId xmlns:a16="http://schemas.microsoft.com/office/drawing/2014/main" id="{B7A4D907-1176-5348-5AB5-648F77421D08}"/>
               </a:ext>
             </a:extLst>
           </p:cNvPr>
@@ -20885,8 +21863,8 @@
         </p:nvSpPr>
         <p:spPr>
           <a:xfrm>
-            <a:off x="1720076" y="6108235"/>
-            <a:ext cx="4300716" cy="499624"/>
+            <a:off x="5739014" y="4546413"/>
+            <a:ext cx="4485209" cy="1718227"/>
           </a:xfrm>
           <a:prstGeom prst="rect">
             <a:avLst/>
@@ -20898,41 +21876,163 @@
           </a:bodyPr>
           <a:lstStyle/>
           <a:p>
-            <a:pPr algn="ctr" fontAlgn="auto">
+            <a:pPr marL="342900" indent="-342900">
               <a:lnSpc>
-                <a:spcPct val="150000"/>
+                <a:spcPct val="130000"/>
+              </a:lnSpc>
+              <a:buFont typeface="Arial" panose="020B0604020202020204" pitchFamily="34" charset="0"/>
+              <a:buChar char="•"/>
+            </a:pPr>
+            <a:r>
+              <a:rPr lang="en-US" altLang="zh-CN" sz="2800" b="1" i="1" dirty="0">
+                <a:latin typeface="Times New Roman" panose="02020603050405020304" pitchFamily="18" charset="0"/>
+                <a:ea typeface="微软雅黑" panose="020B0503020204020204" pitchFamily="34" charset="-122"/>
+                <a:cs typeface="Times New Roman" panose="02020603050405020304" pitchFamily="18" charset="0"/>
+                <a:sym typeface="+mn-ea"/>
+              </a:rPr>
+              <a:t>U</a:t>
+            </a:r>
+            <a:r>
+              <a:rPr lang="en-US" altLang="zh-CN" sz="2800" b="1" dirty="0">
+                <a:latin typeface="Times New Roman" panose="02020603050405020304" pitchFamily="18" charset="0"/>
+                <a:ea typeface="微软雅黑" panose="020B0503020204020204" pitchFamily="34" charset="-122"/>
+                <a:cs typeface="Times New Roman" panose="02020603050405020304" pitchFamily="18" charset="0"/>
+                <a:sym typeface="+mn-ea"/>
+              </a:rPr>
+              <a:t> </a:t>
+            </a:r>
+            <a:r>
+              <a:rPr lang="zh-CN" altLang="en-US" sz="2400" b="1" dirty="0">
+                <a:latin typeface="Times New Roman" panose="02020603050405020304" pitchFamily="18" charset="0"/>
+                <a:ea typeface="微软雅黑" panose="020B0503020204020204" pitchFamily="34" charset="-122"/>
+                <a:cs typeface="Times New Roman" panose="02020603050405020304" pitchFamily="18" charset="0"/>
+                <a:sym typeface="+mn-ea"/>
+              </a:rPr>
+              <a:t>切</a:t>
+            </a:r>
+            <a:r>
+              <a:rPr lang="zh-CN" altLang="en-US" sz="2400" b="1" dirty="0">
+                <a:solidFill>
+                  <a:schemeClr val="tx1"/>
+                </a:solidFill>
+                <a:latin typeface="Times New Roman" panose="02020603050405020304" pitchFamily="18" charset="0"/>
+                <a:ea typeface="微软雅黑" panose="020B0503020204020204" pitchFamily="34" charset="-122"/>
+                <a:cs typeface="Times New Roman" panose="02020603050405020304" pitchFamily="18" charset="0"/>
+                <a:sym typeface="+mn-ea"/>
+              </a:rPr>
+              <a:t>向（速度方向）</a:t>
+            </a:r>
+          </a:p>
+          <a:p>
+            <a:pPr marL="342900" indent="-342900" fontAlgn="auto">
+              <a:lnSpc>
+                <a:spcPct val="130000"/>
               </a:lnSpc>
               <a:spcAft>
                 <a:spcPts val="0"/>
               </a:spcAft>
+              <a:buFont typeface="Arial" panose="020B0604020202020204" pitchFamily="34" charset="0"/>
+              <a:buChar char="•"/>
             </a:pPr>
             <a:r>
-              <a:rPr lang="zh-CN" altLang="en-US" sz="2000" b="1" dirty="0">
-                <a:solidFill>
-                  <a:srgbClr val="0000FF"/>
-                </a:solidFill>
-                <a:latin typeface="微软雅黑" panose="020B0503020204020204" pitchFamily="34" charset="-122"/>
-                <a:ea typeface="微软雅黑" panose="020B0503020204020204" pitchFamily="34" charset="-122"/>
-                <a:sym typeface="+mn-ea"/>
-              </a:rPr>
-              <a:t>摄动势通常比摄动力更简洁</a:t>
-            </a:r>
-            <a:endParaRPr lang="zh-CN" sz="2000" b="1" dirty="0">
+              <a:rPr lang="en-US" altLang="zh-CN" sz="2800" b="1" i="1" dirty="0">
+                <a:latin typeface="Times New Roman" panose="02020603050405020304" pitchFamily="18" charset="0"/>
+                <a:ea typeface="微软雅黑" panose="020B0503020204020204" pitchFamily="34" charset="-122"/>
+                <a:cs typeface="Times New Roman" panose="02020603050405020304" pitchFamily="18" charset="0"/>
+                <a:sym typeface="+mn-ea"/>
+              </a:rPr>
+              <a:t>N</a:t>
+            </a:r>
+            <a:r>
+              <a:rPr lang="en-US" altLang="zh-CN" sz="2800" b="1" dirty="0">
+                <a:latin typeface="Times New Roman" panose="02020603050405020304" pitchFamily="18" charset="0"/>
+                <a:ea typeface="微软雅黑" panose="020B0503020204020204" pitchFamily="34" charset="-122"/>
+                <a:cs typeface="Times New Roman" panose="02020603050405020304" pitchFamily="18" charset="0"/>
+                <a:sym typeface="+mn-ea"/>
+              </a:rPr>
+              <a:t> </a:t>
+            </a:r>
+            <a:r>
+              <a:rPr lang="zh-CN" altLang="en-US" sz="2400" b="1" dirty="0">
+                <a:latin typeface="Times New Roman" panose="02020603050405020304" pitchFamily="18" charset="0"/>
+                <a:ea typeface="微软雅黑" panose="020B0503020204020204" pitchFamily="34" charset="-122"/>
+                <a:cs typeface="Times New Roman" panose="02020603050405020304" pitchFamily="18" charset="0"/>
+                <a:sym typeface="+mn-ea"/>
+              </a:rPr>
+              <a:t>轨道面内法向（主）</a:t>
+            </a:r>
+            <a:endParaRPr lang="en-US" altLang="zh-CN" sz="2400" b="1" dirty="0">
+              <a:latin typeface="Times New Roman" panose="02020603050405020304" pitchFamily="18" charset="0"/>
+              <a:ea typeface="微软雅黑" panose="020B0503020204020204" pitchFamily="34" charset="-122"/>
+              <a:cs typeface="Times New Roman" panose="02020603050405020304" pitchFamily="18" charset="0"/>
+              <a:sym typeface="+mn-ea"/>
+            </a:endParaRPr>
+          </a:p>
+          <a:p>
+            <a:pPr marL="342900" indent="-342900" fontAlgn="auto">
+              <a:lnSpc>
+                <a:spcPct val="130000"/>
+              </a:lnSpc>
+              <a:spcAft>
+                <a:spcPts val="0"/>
+              </a:spcAft>
+              <a:buFont typeface="Arial" panose="020B0604020202020204" pitchFamily="34" charset="0"/>
+              <a:buChar char="•"/>
+            </a:pPr>
+            <a:r>
+              <a:rPr lang="en-US" altLang="zh-CN" sz="2800" b="1" i="1" dirty="0">
+                <a:solidFill>
+                  <a:schemeClr val="tx1"/>
+                </a:solidFill>
+                <a:latin typeface="Times New Roman" panose="02020603050405020304" pitchFamily="18" charset="0"/>
+                <a:ea typeface="微软雅黑" panose="020B0503020204020204" pitchFamily="34" charset="-122"/>
+                <a:cs typeface="Times New Roman" panose="02020603050405020304" pitchFamily="18" charset="0"/>
+                <a:sym typeface="+mn-ea"/>
+              </a:rPr>
+              <a:t>W</a:t>
+            </a:r>
+            <a:r>
+              <a:rPr lang="en-US" altLang="zh-CN" sz="2800" b="1" dirty="0">
+                <a:solidFill>
+                  <a:schemeClr val="tx1"/>
+                </a:solidFill>
+                <a:latin typeface="Times New Roman" panose="02020603050405020304" pitchFamily="18" charset="0"/>
+                <a:ea typeface="微软雅黑" panose="020B0503020204020204" pitchFamily="34" charset="-122"/>
+                <a:cs typeface="Times New Roman" panose="02020603050405020304" pitchFamily="18" charset="0"/>
+                <a:sym typeface="+mn-ea"/>
+              </a:rPr>
+              <a:t> </a:t>
+            </a:r>
+            <a:r>
+              <a:rPr lang="zh-CN" altLang="en-US" sz="2400" b="1" dirty="0">
+                <a:solidFill>
+                  <a:schemeClr val="tx1"/>
+                </a:solidFill>
+                <a:latin typeface="Times New Roman" panose="02020603050405020304" pitchFamily="18" charset="0"/>
+                <a:ea typeface="微软雅黑" panose="020B0503020204020204" pitchFamily="34" charset="-122"/>
+                <a:cs typeface="Times New Roman" panose="02020603050405020304" pitchFamily="18" charset="0"/>
+                <a:sym typeface="+mn-ea"/>
+              </a:rPr>
+              <a:t>轨道面法向（次）</a:t>
+            </a:r>
+            <a:endParaRPr lang="en-US" altLang="zh-CN" sz="2800" b="1" dirty="0">
               <a:solidFill>
-                <a:srgbClr val="0000FF"/>
+                <a:schemeClr val="tx1"/>
               </a:solidFill>
-              <a:latin typeface="微软雅黑" panose="020B0503020204020204" pitchFamily="34" charset="-122"/>
+              <a:latin typeface="Times New Roman" panose="02020603050405020304" pitchFamily="18" charset="0"/>
               <a:ea typeface="微软雅黑" panose="020B0503020204020204" pitchFamily="34" charset="-122"/>
+              <a:cs typeface="Times New Roman" panose="02020603050405020304" pitchFamily="18" charset="0"/>
+              <a:sym typeface="+mn-ea"/>
             </a:endParaRPr>
           </a:p>
         </p:txBody>
       </p:sp>
       <p:sp>
         <p:nvSpPr>
-          <p:cNvPr id="11" name="矩形 10">
+          <p:cNvPr id="15" name="矩形 14">
             <a:extLst>
               <a:ext uri="{FF2B5EF4-FFF2-40B4-BE49-F238E27FC236}">
-                <a16:creationId xmlns:a16="http://schemas.microsoft.com/office/drawing/2014/main" id="{8FA54588-EA33-33BA-D83F-577FD74821E2}"/>
+                <a16:creationId xmlns:a16="http://schemas.microsoft.com/office/drawing/2014/main" id="{F746CD63-6E15-F013-E048-8A2A99D9C7D0}"/>
               </a:ext>
             </a:extLst>
           </p:cNvPr>
@@ -20941,12 +22041,17 @@
         </p:nvSpPr>
         <p:spPr>
           <a:xfrm>
-            <a:off x="829945" y="3938506"/>
-            <a:ext cx="3040489" cy="1422954"/>
+            <a:off x="274920" y="4739257"/>
+            <a:ext cx="667641" cy="1485920"/>
           </a:xfrm>
           <a:prstGeom prst="rect">
             <a:avLst/>
           </a:prstGeom>
+          <a:ln w="28575">
+            <a:solidFill>
+              <a:srgbClr val="0000FF"/>
+            </a:solidFill>
+          </a:ln>
         </p:spPr>
         <p:txBody>
           <a:bodyPr wrap="square">
@@ -20954,272 +22059,84 @@
           </a:bodyPr>
           <a:lstStyle/>
           <a:p>
-            <a:pPr marL="457200" indent="-457200" fontAlgn="auto">
+            <a:pPr algn="ctr" fontAlgn="auto">
               <a:lnSpc>
-                <a:spcPct val="150000"/>
+                <a:spcPct val="130000"/>
               </a:lnSpc>
               <a:spcAft>
                 <a:spcPts val="0"/>
               </a:spcAft>
-              <a:buFont typeface="Wingdings" panose="05000000000000000000" pitchFamily="2" charset="2"/>
-              <a:buChar char="Ø"/>
             </a:pPr>
             <a:r>
-              <a:rPr lang="zh-CN" altLang="en-US" sz="2000" b="1" dirty="0">
-                <a:solidFill>
-                  <a:schemeClr val="tx1"/>
-                </a:solidFill>
-                <a:latin typeface="微软雅黑" panose="020B0503020204020204" pitchFamily="34" charset="-122"/>
-                <a:ea typeface="微软雅黑" panose="020B0503020204020204" pitchFamily="34" charset="-122"/>
-                <a:sym typeface="+mn-ea"/>
-              </a:rPr>
-              <a:t>中心引力位</a:t>
-            </a:r>
-            <a:endParaRPr lang="en-US" altLang="zh-CN" sz="2000" b="1" dirty="0">
-              <a:solidFill>
-                <a:schemeClr val="tx1"/>
-              </a:solidFill>
-              <a:latin typeface="微软雅黑" panose="020B0503020204020204" pitchFamily="34" charset="-122"/>
-              <a:ea typeface="微软雅黑" panose="020B0503020204020204" pitchFamily="34" charset="-122"/>
-              <a:sym typeface="+mn-ea"/>
-            </a:endParaRPr>
-          </a:p>
-          <a:p>
-            <a:pPr marL="457200" indent="-457200" fontAlgn="auto">
+              <a:rPr lang="en-US" altLang="zh-CN" sz="2400" b="1" i="1" dirty="0">
+                <a:solidFill>
+                  <a:srgbClr val="0000FF"/>
+                </a:solidFill>
+                <a:latin typeface="Times New Roman" panose="02020603050405020304" pitchFamily="18" charset="0"/>
+                <a:ea typeface="微软雅黑" panose="020B0503020204020204" pitchFamily="34" charset="-122"/>
+                <a:cs typeface="Times New Roman" panose="02020603050405020304" pitchFamily="18" charset="0"/>
+              </a:rPr>
+              <a:t>R</a:t>
+            </a:r>
+          </a:p>
+          <a:p>
+            <a:pPr algn="ctr" fontAlgn="auto">
               <a:lnSpc>
-                <a:spcPct val="150000"/>
+                <a:spcPct val="130000"/>
               </a:lnSpc>
               <a:spcAft>
                 <a:spcPts val="0"/>
               </a:spcAft>
-              <a:buFont typeface="Wingdings" panose="05000000000000000000" pitchFamily="2" charset="2"/>
-              <a:buChar char="Ø"/>
             </a:pPr>
-            <a:endParaRPr lang="en-US" altLang="zh-CN" sz="2000" b="1" dirty="0">
-              <a:solidFill>
-                <a:schemeClr val="tx1"/>
-              </a:solidFill>
-              <a:latin typeface="微软雅黑" panose="020B0503020204020204" pitchFamily="34" charset="-122"/>
-              <a:ea typeface="微软雅黑" panose="020B0503020204020204" pitchFamily="34" charset="-122"/>
-              <a:sym typeface="+mn-ea"/>
-            </a:endParaRPr>
-          </a:p>
-          <a:p>
-            <a:pPr marL="457200" indent="-457200" fontAlgn="auto">
+            <a:r>
+              <a:rPr lang="en-US" altLang="zh-CN" sz="2400" b="1" i="1" dirty="0">
+                <a:solidFill>
+                  <a:srgbClr val="0000FF"/>
+                </a:solidFill>
+                <a:latin typeface="Times New Roman" panose="02020603050405020304" pitchFamily="18" charset="0"/>
+                <a:ea typeface="微软雅黑" panose="020B0503020204020204" pitchFamily="34" charset="-122"/>
+                <a:cs typeface="Times New Roman" panose="02020603050405020304" pitchFamily="18" charset="0"/>
+              </a:rPr>
+              <a:t>T</a:t>
+            </a:r>
+          </a:p>
+          <a:p>
+            <a:pPr algn="ctr" fontAlgn="auto">
               <a:lnSpc>
-                <a:spcPct val="150000"/>
+                <a:spcPct val="130000"/>
               </a:lnSpc>
               <a:spcAft>
                 <a:spcPts val="0"/>
               </a:spcAft>
-              <a:buFont typeface="Wingdings" panose="05000000000000000000" pitchFamily="2" charset="2"/>
-              <a:buChar char="Ø"/>
             </a:pPr>
             <a:r>
-              <a:rPr lang="zh-CN" altLang="en-US" sz="2000" b="1" dirty="0">
-                <a:solidFill>
-                  <a:schemeClr val="tx1"/>
-                </a:solidFill>
-                <a:latin typeface="微软雅黑" panose="020B0503020204020204" pitchFamily="34" charset="-122"/>
-                <a:ea typeface="微软雅黑" panose="020B0503020204020204" pitchFamily="34" charset="-122"/>
-                <a:sym typeface="+mn-ea"/>
-              </a:rPr>
-              <a:t>第三体引力和摄动势</a:t>
-            </a:r>
-            <a:endParaRPr lang="en-US" altLang="zh-CN" sz="2000" b="1" dirty="0">
+              <a:rPr lang="en-US" altLang="zh-CN" sz="2400" b="1" i="1" dirty="0">
+                <a:solidFill>
+                  <a:srgbClr val="0000FF"/>
+                </a:solidFill>
+                <a:latin typeface="Times New Roman" panose="02020603050405020304" pitchFamily="18" charset="0"/>
+                <a:ea typeface="微软雅黑" panose="020B0503020204020204" pitchFamily="34" charset="-122"/>
+                <a:cs typeface="Times New Roman" panose="02020603050405020304" pitchFamily="18" charset="0"/>
+              </a:rPr>
+              <a:t>N</a:t>
+            </a:r>
+            <a:endParaRPr lang="zh-CN" sz="2400" b="1" i="1" dirty="0">
               <a:solidFill>
-                <a:schemeClr val="tx1"/>
+                <a:srgbClr val="0000FF"/>
               </a:solidFill>
-              <a:latin typeface="微软雅黑" panose="020B0503020204020204" pitchFamily="34" charset="-122"/>
+              <a:latin typeface="Times New Roman" panose="02020603050405020304" pitchFamily="18" charset="0"/>
               <a:ea typeface="微软雅黑" panose="020B0503020204020204" pitchFamily="34" charset="-122"/>
-              <a:sym typeface="+mn-ea"/>
-            </a:endParaRPr>
-          </a:p>
-        </p:txBody>
-      </p:sp>
-      <p:sp>
-        <p:nvSpPr>
-          <p:cNvPr id="14" name="矩形 13">
-            <a:extLst>
-              <a:ext uri="{FF2B5EF4-FFF2-40B4-BE49-F238E27FC236}">
-                <a16:creationId xmlns:a16="http://schemas.microsoft.com/office/drawing/2014/main" id="{15690F7F-5696-10AD-2C66-69289814C259}"/>
-              </a:ext>
-            </a:extLst>
-          </p:cNvPr>
-          <p:cNvSpPr/>
-          <p:nvPr/>
-        </p:nvSpPr>
-        <p:spPr>
-          <a:xfrm>
-            <a:off x="7735242" y="4044166"/>
-            <a:ext cx="3040489" cy="1422954"/>
-          </a:xfrm>
-          <a:prstGeom prst="rect">
-            <a:avLst/>
-          </a:prstGeom>
-        </p:spPr>
-        <p:txBody>
-          <a:bodyPr wrap="square">
-            <a:spAutoFit/>
-          </a:bodyPr>
-          <a:lstStyle/>
-          <a:p>
-            <a:pPr marL="457200" indent="-457200" fontAlgn="auto">
-              <a:lnSpc>
-                <a:spcPct val="150000"/>
-              </a:lnSpc>
-              <a:spcAft>
-                <a:spcPts val="0"/>
-              </a:spcAft>
-              <a:buFont typeface="Wingdings" panose="05000000000000000000" pitchFamily="2" charset="2"/>
-              <a:buChar char="Ø"/>
-            </a:pPr>
-            <a:r>
-              <a:rPr lang="zh-CN" altLang="en-US" sz="2000" b="1" dirty="0">
-                <a:solidFill>
-                  <a:schemeClr val="tx1"/>
-                </a:solidFill>
-                <a:latin typeface="微软雅黑" panose="020B0503020204020204" pitchFamily="34" charset="-122"/>
-                <a:ea typeface="微软雅黑" panose="020B0503020204020204" pitchFamily="34" charset="-122"/>
-                <a:sym typeface="+mn-ea"/>
-              </a:rPr>
-              <a:t>静止大气阻力</a:t>
-            </a:r>
-            <a:endParaRPr lang="en-US" altLang="zh-CN" sz="2000" b="1" dirty="0">
-              <a:solidFill>
-                <a:schemeClr val="tx1"/>
-              </a:solidFill>
-              <a:latin typeface="微软雅黑" panose="020B0503020204020204" pitchFamily="34" charset="-122"/>
-              <a:ea typeface="微软雅黑" panose="020B0503020204020204" pitchFamily="34" charset="-122"/>
-              <a:sym typeface="+mn-ea"/>
-            </a:endParaRPr>
-          </a:p>
-          <a:p>
-            <a:pPr marL="457200" indent="-457200" fontAlgn="auto">
-              <a:lnSpc>
-                <a:spcPct val="150000"/>
-              </a:lnSpc>
-              <a:spcAft>
-                <a:spcPts val="0"/>
-              </a:spcAft>
-              <a:buFont typeface="Wingdings" panose="05000000000000000000" pitchFamily="2" charset="2"/>
-              <a:buChar char="Ø"/>
-            </a:pPr>
-            <a:endParaRPr lang="en-US" altLang="zh-CN" sz="2000" b="1" dirty="0">
-              <a:solidFill>
-                <a:schemeClr val="tx1"/>
-              </a:solidFill>
-              <a:latin typeface="微软雅黑" panose="020B0503020204020204" pitchFamily="34" charset="-122"/>
-              <a:ea typeface="微软雅黑" panose="020B0503020204020204" pitchFamily="34" charset="-122"/>
-              <a:sym typeface="+mn-ea"/>
-            </a:endParaRPr>
-          </a:p>
-          <a:p>
-            <a:pPr marL="457200" indent="-457200" fontAlgn="auto">
-              <a:lnSpc>
-                <a:spcPct val="150000"/>
-              </a:lnSpc>
-              <a:spcAft>
-                <a:spcPts val="0"/>
-              </a:spcAft>
-              <a:buFont typeface="Wingdings" panose="05000000000000000000" pitchFamily="2" charset="2"/>
-              <a:buChar char="Ø"/>
-            </a:pPr>
-            <a:r>
-              <a:rPr lang="zh-CN" altLang="en-US" sz="2000" b="1" dirty="0">
-                <a:solidFill>
-                  <a:schemeClr val="tx1"/>
-                </a:solidFill>
-                <a:latin typeface="微软雅黑" panose="020B0503020204020204" pitchFamily="34" charset="-122"/>
-                <a:ea typeface="微软雅黑" panose="020B0503020204020204" pitchFamily="34" charset="-122"/>
-                <a:sym typeface="+mn-ea"/>
-              </a:rPr>
-              <a:t>光压作用</a:t>
-            </a:r>
-            <a:endParaRPr lang="en-US" altLang="zh-CN" sz="2000" b="1" dirty="0">
-              <a:solidFill>
-                <a:schemeClr val="tx1"/>
-              </a:solidFill>
-              <a:latin typeface="微软雅黑" panose="020B0503020204020204" pitchFamily="34" charset="-122"/>
-              <a:ea typeface="微软雅黑" panose="020B0503020204020204" pitchFamily="34" charset="-122"/>
-              <a:sym typeface="+mn-ea"/>
-            </a:endParaRPr>
-          </a:p>
-        </p:txBody>
-      </p:sp>
-      <p:sp>
-        <p:nvSpPr>
-          <p:cNvPr id="20" name="矩形 19">
-            <a:extLst>
-              <a:ext uri="{FF2B5EF4-FFF2-40B4-BE49-F238E27FC236}">
-                <a16:creationId xmlns:a16="http://schemas.microsoft.com/office/drawing/2014/main" id="{5DFAA2D2-90D6-5536-9037-8FA903A694D2}"/>
-              </a:ext>
-            </a:extLst>
-          </p:cNvPr>
-          <p:cNvSpPr/>
-          <p:nvPr/>
-        </p:nvSpPr>
-        <p:spPr>
-          <a:xfrm>
-            <a:off x="7177892" y="6285354"/>
-            <a:ext cx="1440985" cy="307777"/>
-          </a:xfrm>
-          <a:prstGeom prst="rect">
-            <a:avLst/>
-          </a:prstGeom>
-        </p:spPr>
-        <p:txBody>
-          <a:bodyPr wrap="square">
-            <a:spAutoFit/>
-          </a:bodyPr>
-          <a:lstStyle/>
-          <a:p>
-            <a:pPr algn="ctr" fontAlgn="auto">
-              <a:spcAft>
-                <a:spcPts val="0"/>
-              </a:spcAft>
-            </a:pPr>
-            <a:r>
-              <a:rPr lang="zh-CN" altLang="en-US" sz="1400" b="1" dirty="0">
-                <a:latin typeface="微软雅黑" panose="020B0503020204020204" pitchFamily="34" charset="-122"/>
-                <a:ea typeface="微软雅黑" panose="020B0503020204020204" pitchFamily="34" charset="-122"/>
-              </a:rPr>
-              <a:t>第</a:t>
-            </a:r>
-            <a:r>
-              <a:rPr lang="en-US" altLang="zh-CN" sz="1400" b="1" dirty="0">
-                <a:latin typeface="微软雅黑" panose="020B0503020204020204" pitchFamily="34" charset="-122"/>
-                <a:ea typeface="微软雅黑" panose="020B0503020204020204" pitchFamily="34" charset="-122"/>
-              </a:rPr>
-              <a:t>9</a:t>
-            </a:r>
-            <a:r>
-              <a:rPr lang="zh-CN" altLang="en-US" sz="1400" b="1" dirty="0">
-                <a:latin typeface="微软雅黑" panose="020B0503020204020204" pitchFamily="34" charset="-122"/>
-                <a:ea typeface="微软雅黑" panose="020B0503020204020204" pitchFamily="34" charset="-122"/>
-              </a:rPr>
-              <a:t>节课见</a:t>
-            </a:r>
-            <a:r>
-              <a:rPr lang="en-US" altLang="zh-CN" sz="1400" b="1" dirty="0">
-                <a:latin typeface="微软雅黑" panose="020B0503020204020204" pitchFamily="34" charset="-122"/>
-                <a:ea typeface="微软雅黑" panose="020B0503020204020204" pitchFamily="34" charset="-122"/>
-              </a:rPr>
-              <a:t>~</a:t>
-            </a:r>
-            <a:endParaRPr lang="zh-CN" sz="1400" b="1" dirty="0">
-              <a:latin typeface="微软雅黑" panose="020B0503020204020204" pitchFamily="34" charset="-122"/>
-              <a:ea typeface="微软雅黑" panose="020B0503020204020204" pitchFamily="34" charset="-122"/>
+              <a:cs typeface="Times New Roman" panose="02020603050405020304" pitchFamily="18" charset="0"/>
             </a:endParaRPr>
           </a:p>
         </p:txBody>
       </p:sp>
       <p:pic>
         <p:nvPicPr>
-          <p:cNvPr id="22" name="图片 21">
+          <p:cNvPr id="7" name="图片 6">
             <a:extLst>
               <a:ext uri="{FF2B5EF4-FFF2-40B4-BE49-F238E27FC236}">
-                <a16:creationId xmlns:a16="http://schemas.microsoft.com/office/drawing/2014/main" id="{2B0A7C18-2E96-0C75-9E4B-AE4B65F306A3}"/>
+                <a16:creationId xmlns:a16="http://schemas.microsoft.com/office/drawing/2014/main" id="{231B6EDF-6BD1-0DB8-9A6D-665E8DB32EB9}"/>
               </a:ext>
             </a:extLst>
           </p:cNvPr>
@@ -21236,8 +22153,8 @@
         </p:blipFill>
         <p:spPr>
           <a:xfrm>
-            <a:off x="1518350" y="4411893"/>
-            <a:ext cx="5670416" cy="556663"/>
+            <a:off x="10565476" y="1375721"/>
+            <a:ext cx="1640494" cy="867159"/>
           </a:xfrm>
           <a:prstGeom prst="rect">
             <a:avLst/>
@@ -21246,10 +22163,10 @@
       </p:pic>
       <p:pic>
         <p:nvPicPr>
-          <p:cNvPr id="6" name="图片 5">
+          <p:cNvPr id="6" name="图形 5" descr="困惑的脸轮廓 纯色填充">
             <a:extLst>
               <a:ext uri="{FF2B5EF4-FFF2-40B4-BE49-F238E27FC236}">
-                <a16:creationId xmlns:a16="http://schemas.microsoft.com/office/drawing/2014/main" id="{EFF533FF-C4EA-B00D-2426-A2F95EF027D9}"/>
+                <a16:creationId xmlns:a16="http://schemas.microsoft.com/office/drawing/2014/main" id="{E006690E-6C35-0ECC-2451-064A90F785EB}"/>
               </a:ext>
             </a:extLst>
           </p:cNvPr>
@@ -21259,130 +22176,10 @@
           <p:nvPr/>
         </p:nvPicPr>
         <p:blipFill>
-          <a:blip r:embed="rId3"/>
-          <a:stretch>
-            <a:fillRect/>
-          </a:stretch>
-        </p:blipFill>
-        <p:spPr>
-          <a:xfrm>
-            <a:off x="1334764" y="5455549"/>
-            <a:ext cx="2978716" cy="571673"/>
-          </a:xfrm>
-          <a:prstGeom prst="rect">
-            <a:avLst/>
-          </a:prstGeom>
-        </p:spPr>
-      </p:pic>
-      <p:pic>
-        <p:nvPicPr>
-          <p:cNvPr id="8" name="图片 7">
-            <a:extLst>
-              <a:ext uri="{FF2B5EF4-FFF2-40B4-BE49-F238E27FC236}">
-                <a16:creationId xmlns:a16="http://schemas.microsoft.com/office/drawing/2014/main" id="{E52973E1-8441-5C06-EA7C-57445C11ED5A}"/>
-              </a:ext>
-            </a:extLst>
-          </p:cNvPr>
-          <p:cNvPicPr>
-            <a:picLocks noChangeAspect="1"/>
-          </p:cNvPicPr>
-          <p:nvPr/>
-        </p:nvPicPr>
-        <p:blipFill>
-          <a:blip r:embed="rId4"/>
-          <a:stretch>
-            <a:fillRect/>
-          </a:stretch>
-        </p:blipFill>
-        <p:spPr>
-          <a:xfrm>
-            <a:off x="4630152" y="5205082"/>
-            <a:ext cx="2331584" cy="1023960"/>
-          </a:xfrm>
-          <a:prstGeom prst="rect">
-            <a:avLst/>
-          </a:prstGeom>
-        </p:spPr>
-      </p:pic>
-      <p:pic>
-        <p:nvPicPr>
-          <p:cNvPr id="18" name="图片 17">
-            <a:extLst>
-              <a:ext uri="{FF2B5EF4-FFF2-40B4-BE49-F238E27FC236}">
-                <a16:creationId xmlns:a16="http://schemas.microsoft.com/office/drawing/2014/main" id="{4B74AE01-2A24-BC52-264B-62A6D0F50E69}"/>
-              </a:ext>
-            </a:extLst>
-          </p:cNvPr>
-          <p:cNvPicPr>
-            <a:picLocks noChangeAspect="1"/>
-          </p:cNvPicPr>
-          <p:nvPr/>
-        </p:nvPicPr>
-        <p:blipFill>
-          <a:blip r:embed="rId5"/>
-          <a:stretch>
-            <a:fillRect/>
-          </a:stretch>
-        </p:blipFill>
-        <p:spPr>
-          <a:xfrm>
-            <a:off x="8623348" y="5523614"/>
-            <a:ext cx="1866543" cy="566629"/>
-          </a:xfrm>
-          <a:prstGeom prst="rect">
-            <a:avLst/>
-          </a:prstGeom>
-        </p:spPr>
-      </p:pic>
-      <p:pic>
-        <p:nvPicPr>
-          <p:cNvPr id="23" name="图片 22">
-            <a:extLst>
-              <a:ext uri="{FF2B5EF4-FFF2-40B4-BE49-F238E27FC236}">
-                <a16:creationId xmlns:a16="http://schemas.microsoft.com/office/drawing/2014/main" id="{85A032B8-AF84-D931-DEA8-9F9B9FC4252A}"/>
-              </a:ext>
-            </a:extLst>
-          </p:cNvPr>
-          <p:cNvPicPr>
-            <a:picLocks noChangeAspect="1"/>
-          </p:cNvPicPr>
-          <p:nvPr/>
-        </p:nvPicPr>
-        <p:blipFill>
-          <a:blip r:embed="rId6"/>
-          <a:stretch>
-            <a:fillRect/>
-          </a:stretch>
-        </p:blipFill>
-        <p:spPr>
-          <a:xfrm>
-            <a:off x="8618877" y="4598842"/>
-            <a:ext cx="2434697" cy="505911"/>
-          </a:xfrm>
-          <a:prstGeom prst="rect">
-            <a:avLst/>
-          </a:prstGeom>
-        </p:spPr>
-      </p:pic>
-      <p:pic>
-        <p:nvPicPr>
-          <p:cNvPr id="4" name="图形 3" descr="困惑的脸轮廓 纯色填充">
-            <a:extLst>
-              <a:ext uri="{FF2B5EF4-FFF2-40B4-BE49-F238E27FC236}">
-                <a16:creationId xmlns:a16="http://schemas.microsoft.com/office/drawing/2014/main" id="{C89E80AA-83BE-FCF7-CEB5-5D881DC1425B}"/>
-              </a:ext>
-            </a:extLst>
-          </p:cNvPr>
-          <p:cNvPicPr>
-            <a:picLocks noChangeAspect="1"/>
-          </p:cNvPicPr>
-          <p:nvPr/>
-        </p:nvPicPr>
-        <p:blipFill>
-          <a:blip r:embed="rId7">
+          <a:blip r:embed="rId3">
             <a:extLst>
               <a:ext uri="{96DAC541-7B7A-43D3-8B79-37D633B846F1}">
-                <asvg:svgBlip xmlns:asvg="http://schemas.microsoft.com/office/drawing/2016/SVG/main" r:embed="rId8"/>
+                <asvg:svgBlip xmlns:asvg="http://schemas.microsoft.com/office/drawing/2016/SVG/main" r:embed="rId4"/>
               </a:ext>
             </a:extLst>
           </a:blip>
@@ -21392,7 +22189,7 @@
         </p:blipFill>
         <p:spPr>
           <a:xfrm>
-            <a:off x="0" y="1153581"/>
+            <a:off x="3974" y="711621"/>
             <a:ext cx="571360" cy="571360"/>
           </a:xfrm>
           <a:prstGeom prst="rect">
@@ -21400,46 +22197,60 @@
           </a:prstGeom>
         </p:spPr>
       </p:pic>
-      <p:pic>
-        <p:nvPicPr>
-          <p:cNvPr id="7" name="图形 6" descr="紧张的脸轮廓 纯色填充">
+      <p:sp>
+        <p:nvSpPr>
+          <p:cNvPr id="2" name="椭圆 1">
             <a:extLst>
               <a:ext uri="{FF2B5EF4-FFF2-40B4-BE49-F238E27FC236}">
-                <a16:creationId xmlns:a16="http://schemas.microsoft.com/office/drawing/2014/main" id="{5DCE05FF-079D-E3CF-A088-CE16B92FD643}"/>
+                <a16:creationId xmlns:a16="http://schemas.microsoft.com/office/drawing/2014/main" id="{4D37D630-8F7B-BFAB-421E-150F88E46D20}"/>
               </a:ext>
             </a:extLst>
           </p:cNvPr>
-          <p:cNvPicPr>
-            <a:picLocks noChangeAspect="1"/>
-          </p:cNvPicPr>
+          <p:cNvSpPr/>
           <p:nvPr/>
-        </p:nvPicPr>
-        <p:blipFill>
-          <a:blip r:embed="rId9">
-            <a:extLst>
-              <a:ext uri="{96DAC541-7B7A-43D3-8B79-37D633B846F1}">
-                <asvg:svgBlip xmlns:asvg="http://schemas.microsoft.com/office/drawing/2016/SVG/main" r:embed="rId10"/>
-              </a:ext>
-            </a:extLst>
-          </a:blip>
-          <a:stretch>
-            <a:fillRect/>
-          </a:stretch>
-        </p:blipFill>
+        </p:nvSpPr>
         <p:spPr>
           <a:xfrm>
-            <a:off x="-14653" y="3435659"/>
-            <a:ext cx="571360" cy="571360"/>
+            <a:off x="5536276" y="1720735"/>
+            <a:ext cx="3981797" cy="2286000"/>
           </a:xfrm>
-          <a:prstGeom prst="rect">
+          <a:prstGeom prst="ellipse">
             <a:avLst/>
           </a:prstGeom>
         </p:spPr>
-      </p:pic>
+        <p:style>
+          <a:lnRef idx="2">
+            <a:schemeClr val="accent1">
+              <a:shade val="15000"/>
+            </a:schemeClr>
+          </a:lnRef>
+          <a:fillRef idx="1">
+            <a:schemeClr val="accent1"/>
+          </a:fillRef>
+          <a:effectRef idx="0">
+            <a:schemeClr val="accent1"/>
+          </a:effectRef>
+          <a:fontRef idx="minor">
+            <a:schemeClr val="lt1"/>
+          </a:fontRef>
+        </p:style>
+        <p:txBody>
+          <a:bodyPr rtlCol="0" anchor="ctr"/>
+          <a:lstStyle/>
+          <a:p>
+            <a:pPr algn="ctr"/>
+            <a:r>
+              <a:rPr lang="en-US" altLang="zh-CN" sz="9600" dirty="0"/>
+              <a:t>NEW</a:t>
+            </a:r>
+            <a:endParaRPr lang="zh-CN" altLang="en-US" sz="9600" dirty="0"/>
+          </a:p>
+        </p:txBody>
+      </p:sp>
     </p:spTree>
     <p:extLst>
       <p:ext uri="{BB962C8B-B14F-4D97-AF65-F5344CB8AC3E}">
-        <p14:creationId xmlns:p14="http://schemas.microsoft.com/office/powerpoint/2010/main" val="3150895877"/>
+        <p14:creationId xmlns:p14="http://schemas.microsoft.com/office/powerpoint/2010/main" val="3376670715"/>
       </p:ext>
     </p:extLst>
   </p:cSld>

--- a/08 受摄二体问题.pptx
+++ b/08 受摄二体问题.pptx
@@ -5,7 +5,7 @@
     <p:sldMasterId id="2147483648" r:id="rId1"/>
   </p:sldMasterIdLst>
   <p:notesMasterIdLst>
-    <p:notesMasterId r:id="rId25"/>
+    <p:notesMasterId r:id="rId26"/>
   </p:notesMasterIdLst>
   <p:sldIdLst>
     <p:sldId id="287" r:id="rId2"/>
@@ -16,8 +16,8 @@
     <p:sldId id="318" r:id="rId7"/>
     <p:sldId id="316" r:id="rId8"/>
     <p:sldId id="317" r:id="rId9"/>
-    <p:sldId id="344" r:id="rId10"/>
-    <p:sldId id="320" r:id="rId11"/>
+    <p:sldId id="346" r:id="rId10"/>
+    <p:sldId id="344" r:id="rId11"/>
     <p:sldId id="321" r:id="rId12"/>
     <p:sldId id="322" r:id="rId13"/>
     <p:sldId id="332" r:id="rId14"/>
@@ -31,6 +31,7 @@
     <p:sldId id="341" r:id="rId22"/>
     <p:sldId id="342" r:id="rId23"/>
     <p:sldId id="343" r:id="rId24"/>
+    <p:sldId id="345" r:id="rId25"/>
   </p:sldIdLst>
   <p:sldSz cx="12192000" cy="6858000"/>
   <p:notesSz cx="7099300" cy="10234613"/>
@@ -240,7 +241,7 @@
           <a:p>
             <a:fld id="{26DDD1A4-63E9-4C41-BD0C-A6576214358F}" type="datetimeFigureOut">
               <a:rPr kumimoji="1" lang="zh-CN" altLang="en-US" smtClean="0"/>
-              <a:t>2023/12/26</a:t>
+              <a:t>2024/3/11</a:t>
             </a:fld>
             <a:endParaRPr kumimoji="1" lang="zh-CN" altLang="en-US"/>
           </a:p>
@@ -834,7 +835,7 @@
           <a:p>
             <a:fld id="{8664C608-40B1-4030-A28D-5B74BC98ADCE}" type="datetimeFigureOut">
               <a:rPr lang="en-US" smtClean="0"/>
-              <a:t>12/26/2023</a:t>
+              <a:t>3/11/2024</a:t>
             </a:fld>
             <a:endParaRPr lang="en-US" dirty="0"/>
           </a:p>
@@ -1371,7 +1372,7 @@
           <p:spPr>
             <a:xfrm>
               <a:off x="3279" y="4265"/>
-              <a:ext cx="14400" cy="1018"/>
+              <a:ext cx="14400" cy="1212"/>
             </a:xfrm>
             <a:prstGeom prst="rect">
               <a:avLst/>
@@ -1389,7 +1390,7 @@
                 </a:spcAft>
               </a:pPr>
               <a:r>
-                <a:rPr lang="en-US" altLang="zh-CN" sz="3600" b="1" dirty="0">
+                <a:rPr lang="en-US" altLang="zh-CN" sz="4400" b="1" dirty="0">
                   <a:solidFill>
                     <a:srgbClr val="0000FF"/>
                   </a:solidFill>
@@ -1399,7 +1400,7 @@
                 <a:t>08 </a:t>
               </a:r>
               <a:r>
-                <a:rPr lang="zh-CN" altLang="en-US" sz="3600" b="1" dirty="0">
+                <a:rPr lang="zh-CN" altLang="en-US" sz="4400" b="1" dirty="0">
                   <a:solidFill>
                     <a:srgbClr val="0000FF"/>
                   </a:solidFill>
@@ -1810,7 +1811,7 @@
               <a:t>林厚源 </a:t>
             </a:r>
             <a:r>
-              <a:rPr lang="en-US" altLang="zh-CN" sz="2400" b="1" dirty="0">
+              <a:rPr lang="en-US" altLang="zh-CN" sz="2400" b="1">
                 <a:solidFill>
                   <a:schemeClr val="tx1"/>
                 </a:solidFill>
@@ -1821,7 +1822,7 @@
               <a:t>in </a:t>
             </a:r>
             <a:r>
-              <a:rPr lang="en-US" altLang="zh-CN" sz="2400" b="1" dirty="0">
+              <a:rPr lang="en-US" altLang="zh-CN" sz="2400" b="1">
                 <a:solidFill>
                   <a:schemeClr val="tx1"/>
                 </a:solidFill>
@@ -1830,8 +1831,17 @@
                 <a:cs typeface="Times New Roman" panose="02020603050405020304" pitchFamily="18" charset="0"/>
                 <a:sym typeface="+mn-ea"/>
               </a:rPr>
-              <a:t>2023</a:t>
-            </a:r>
+              <a:t>2024</a:t>
+            </a:r>
+            <a:endParaRPr lang="en-US" altLang="zh-CN" sz="2400" b="1" dirty="0">
+              <a:solidFill>
+                <a:schemeClr val="tx1"/>
+              </a:solidFill>
+              <a:latin typeface="Times New Roman" panose="02020603050405020304" pitchFamily="18" charset="0"/>
+              <a:ea typeface="华文行楷" panose="02010800040101010101" pitchFamily="2" charset="-122"/>
+              <a:cs typeface="Times New Roman" panose="02020603050405020304" pitchFamily="18" charset="0"/>
+              <a:sym typeface="+mn-ea"/>
+            </a:endParaRPr>
           </a:p>
           <a:p>
             <a:pPr fontAlgn="auto">
@@ -1863,15 +1873,7 @@
                 <a:ea typeface="微软雅黑" panose="020B0503020204020204" pitchFamily="34" charset="-122"/>
                 <a:cs typeface="Times New Roman" panose="02020603050405020304" pitchFamily="18" charset="0"/>
               </a:rPr>
-              <a:t>ustc.edu</a:t>
-            </a:r>
-            <a:r>
-              <a:rPr lang="en-GB" altLang="zh-CN" sz="2400" b="1">
-                <a:latin typeface="Times New Roman" panose="02020603050405020304" pitchFamily="18" charset="0"/>
-                <a:ea typeface="微软雅黑" panose="020B0503020204020204" pitchFamily="34" charset="-122"/>
-                <a:cs typeface="Times New Roman" panose="02020603050405020304" pitchFamily="18" charset="0"/>
-              </a:rPr>
-              <a:t>.cn</a:t>
+              <a:t>ustc.edu.cn</a:t>
             </a:r>
             <a:endParaRPr lang="en-US" altLang="zh-CN" sz="2400" b="1" dirty="0">
               <a:solidFill>
@@ -1931,7 +1933,7 @@
         <p:spPr>
           <a:xfrm>
             <a:off x="407987" y="1052513"/>
-            <a:ext cx="11376025" cy="2970878"/>
+            <a:ext cx="11376025" cy="662554"/>
           </a:xfrm>
           <a:prstGeom prst="rect">
             <a:avLst/>
@@ -1942,128 +1944,6 @@
             <a:spAutoFit/>
           </a:bodyPr>
           <a:lstStyle/>
-          <a:p>
-            <a:pPr marL="342900" indent="-342900" fontAlgn="auto">
-              <a:lnSpc>
-                <a:spcPct val="150000"/>
-              </a:lnSpc>
-              <a:spcAft>
-                <a:spcPts val="0"/>
-              </a:spcAft>
-              <a:buFont typeface="Arial" panose="020B0604020202020204" pitchFamily="34" charset="0"/>
-              <a:buChar char="•"/>
-            </a:pPr>
-            <a:r>
-              <a:rPr lang="zh-CN" altLang="en-US" sz="2800" b="1" dirty="0">
-                <a:solidFill>
-                  <a:schemeClr val="tx1"/>
-                </a:solidFill>
-                <a:latin typeface="微软雅黑" panose="020B0503020204020204" pitchFamily="34" charset="-122"/>
-                <a:ea typeface="微软雅黑" panose="020B0503020204020204" pitchFamily="34" charset="-122"/>
-                <a:sym typeface="+mn-ea"/>
-              </a:rPr>
-              <a:t>摄动运动方程</a:t>
-            </a:r>
-            <a:r>
-              <a:rPr lang="zh-CN" altLang="en-US" sz="2800" b="1" dirty="0">
-                <a:solidFill>
-                  <a:srgbClr val="0000FF"/>
-                </a:solidFill>
-                <a:latin typeface="微软雅黑" panose="020B0503020204020204" pitchFamily="34" charset="-122"/>
-                <a:ea typeface="微软雅黑" panose="020B0503020204020204" pitchFamily="34" charset="-122"/>
-                <a:sym typeface="+mn-ea"/>
-              </a:rPr>
-              <a:t>形式复杂，推导繁琐</a:t>
-            </a:r>
-            <a:r>
-              <a:rPr lang="zh-CN" altLang="en-US" sz="2800" b="1" dirty="0">
-                <a:solidFill>
-                  <a:schemeClr val="tx1"/>
-                </a:solidFill>
-                <a:latin typeface="微软雅黑" panose="020B0503020204020204" pitchFamily="34" charset="-122"/>
-                <a:ea typeface="微软雅黑" panose="020B0503020204020204" pitchFamily="34" charset="-122"/>
-                <a:sym typeface="+mn-ea"/>
-              </a:rPr>
-              <a:t>，为什么要用？</a:t>
-            </a:r>
-            <a:endParaRPr lang="en-US" altLang="zh-CN" sz="2800" b="1" dirty="0">
-              <a:solidFill>
-                <a:schemeClr val="tx1"/>
-              </a:solidFill>
-              <a:latin typeface="微软雅黑" panose="020B0503020204020204" pitchFamily="34" charset="-122"/>
-              <a:ea typeface="微软雅黑" panose="020B0503020204020204" pitchFamily="34" charset="-122"/>
-              <a:sym typeface="+mn-ea"/>
-            </a:endParaRPr>
-          </a:p>
-          <a:p>
-            <a:pPr marL="800100" lvl="1" indent="-342900">
-              <a:lnSpc>
-                <a:spcPct val="150000"/>
-              </a:lnSpc>
-              <a:buFont typeface="Arial" panose="020B0604020202020204" pitchFamily="34" charset="0"/>
-              <a:buChar char="•"/>
-            </a:pPr>
-            <a:r>
-              <a:rPr lang="zh-CN" altLang="en-US" sz="2400" b="1" dirty="0">
-                <a:latin typeface="微软雅黑" panose="020B0503020204020204" pitchFamily="34" charset="-122"/>
-                <a:ea typeface="微软雅黑" panose="020B0503020204020204" pitchFamily="34" charset="-122"/>
-                <a:sym typeface="+mn-ea"/>
-              </a:rPr>
-              <a:t>直观给出轨道变化</a:t>
-            </a:r>
-            <a:endParaRPr lang="en-US" altLang="zh-CN" sz="2400" b="1" dirty="0">
-              <a:latin typeface="微软雅黑" panose="020B0503020204020204" pitchFamily="34" charset="-122"/>
-              <a:ea typeface="微软雅黑" panose="020B0503020204020204" pitchFamily="34" charset="-122"/>
-              <a:sym typeface="+mn-ea"/>
-            </a:endParaRPr>
-          </a:p>
-          <a:p>
-            <a:pPr marL="800100" lvl="1" indent="-342900">
-              <a:lnSpc>
-                <a:spcPct val="150000"/>
-              </a:lnSpc>
-              <a:buFont typeface="Arial" panose="020B0604020202020204" pitchFamily="34" charset="0"/>
-              <a:buChar char="•"/>
-            </a:pPr>
-            <a:r>
-              <a:rPr lang="zh-CN" altLang="en-US" sz="2400" b="1" dirty="0">
-                <a:latin typeface="微软雅黑" panose="020B0503020204020204" pitchFamily="34" charset="-122"/>
-                <a:ea typeface="微软雅黑" panose="020B0503020204020204" pitchFamily="34" charset="-122"/>
-                <a:sym typeface="+mn-ea"/>
-              </a:rPr>
-              <a:t>数值积分步长大（变化慢）</a:t>
-            </a:r>
-            <a:endParaRPr lang="en-US" altLang="zh-CN" sz="2400" b="1" dirty="0">
-              <a:latin typeface="微软雅黑" panose="020B0503020204020204" pitchFamily="34" charset="-122"/>
-              <a:ea typeface="微软雅黑" panose="020B0503020204020204" pitchFamily="34" charset="-122"/>
-              <a:sym typeface="+mn-ea"/>
-            </a:endParaRPr>
-          </a:p>
-          <a:p>
-            <a:pPr marL="800100" lvl="1" indent="-342900">
-              <a:lnSpc>
-                <a:spcPct val="150000"/>
-              </a:lnSpc>
-              <a:buFont typeface="Arial" panose="020B0604020202020204" pitchFamily="34" charset="0"/>
-              <a:buChar char="•"/>
-            </a:pPr>
-            <a:r>
-              <a:rPr lang="zh-CN" altLang="en-US" sz="2400" b="1" dirty="0">
-                <a:latin typeface="微软雅黑" panose="020B0503020204020204" pitchFamily="34" charset="-122"/>
-                <a:ea typeface="微软雅黑" panose="020B0503020204020204" pitchFamily="34" charset="-122"/>
-                <a:sym typeface="+mn-ea"/>
-              </a:rPr>
-              <a:t>可用于分析解</a:t>
-            </a:r>
-            <a:endParaRPr lang="en-US" altLang="zh-CN" sz="2400" b="1" dirty="0">
-              <a:solidFill>
-                <a:schemeClr val="tx1"/>
-              </a:solidFill>
-              <a:latin typeface="微软雅黑" panose="020B0503020204020204" pitchFamily="34" charset="-122"/>
-              <a:ea typeface="微软雅黑" panose="020B0503020204020204" pitchFamily="34" charset="-122"/>
-              <a:sym typeface="+mn-ea"/>
-            </a:endParaRPr>
-          </a:p>
           <a:p>
             <a:pPr marL="342900" indent="-342900" fontAlgn="auto">
               <a:lnSpc>
@@ -2190,7 +2070,7 @@
         </p:nvSpPr>
         <p:spPr>
           <a:xfrm>
-            <a:off x="1720076" y="6108235"/>
+            <a:off x="1511847" y="5683551"/>
             <a:ext cx="4300716" cy="499624"/>
           </a:xfrm>
           <a:prstGeom prst="rect">
@@ -2246,8 +2126,8 @@
         </p:nvSpPr>
         <p:spPr>
           <a:xfrm>
-            <a:off x="829945" y="3938506"/>
-            <a:ext cx="3040489" cy="1422954"/>
+            <a:off x="1038175" y="1988923"/>
+            <a:ext cx="3040489" cy="2346283"/>
           </a:xfrm>
           <a:prstGeom prst="rect">
             <a:avLst/>
@@ -2320,80 +2200,7 @@
               <a:buFont typeface="Wingdings" panose="05000000000000000000" pitchFamily="2" charset="2"/>
               <a:buChar char="Ø"/>
             </a:pPr>
-            <a:r>
-              <a:rPr lang="zh-CN" altLang="en-US" sz="2000" b="1" dirty="0">
-                <a:solidFill>
-                  <a:schemeClr val="tx1"/>
-                </a:solidFill>
-                <a:latin typeface="微软雅黑" panose="020B0503020204020204" pitchFamily="34" charset="-122"/>
-                <a:ea typeface="微软雅黑" panose="020B0503020204020204" pitchFamily="34" charset="-122"/>
-                <a:sym typeface="+mn-ea"/>
-              </a:rPr>
-              <a:t>第三体引力和摄动势</a:t>
-            </a:r>
             <a:endParaRPr lang="en-US" altLang="zh-CN" sz="2000" b="1" dirty="0">
-              <a:solidFill>
-                <a:schemeClr val="tx1"/>
-              </a:solidFill>
-              <a:latin typeface="微软雅黑" panose="020B0503020204020204" pitchFamily="34" charset="-122"/>
-              <a:ea typeface="微软雅黑" panose="020B0503020204020204" pitchFamily="34" charset="-122"/>
-              <a:sym typeface="+mn-ea"/>
-            </a:endParaRPr>
-          </a:p>
-        </p:txBody>
-      </p:sp>
-      <p:sp>
-        <p:nvSpPr>
-          <p:cNvPr id="14" name="矩形 13">
-            <a:extLst>
-              <a:ext uri="{FF2B5EF4-FFF2-40B4-BE49-F238E27FC236}">
-                <a16:creationId xmlns:a16="http://schemas.microsoft.com/office/drawing/2014/main" id="{15690F7F-5696-10AD-2C66-69289814C259}"/>
-              </a:ext>
-            </a:extLst>
-          </p:cNvPr>
-          <p:cNvSpPr/>
-          <p:nvPr/>
-        </p:nvSpPr>
-        <p:spPr>
-          <a:xfrm>
-            <a:off x="7735242" y="4044166"/>
-            <a:ext cx="3040489" cy="1422954"/>
-          </a:xfrm>
-          <a:prstGeom prst="rect">
-            <a:avLst/>
-          </a:prstGeom>
-        </p:spPr>
-        <p:txBody>
-          <a:bodyPr wrap="square">
-            <a:spAutoFit/>
-          </a:bodyPr>
-          <a:lstStyle/>
-          <a:p>
-            <a:pPr marL="457200" indent="-457200" fontAlgn="auto">
-              <a:lnSpc>
-                <a:spcPct val="150000"/>
-              </a:lnSpc>
-              <a:spcAft>
-                <a:spcPts val="0"/>
-              </a:spcAft>
-              <a:buFont typeface="Wingdings" panose="05000000000000000000" pitchFamily="2" charset="2"/>
-              <a:buChar char="Ø"/>
-            </a:pPr>
-            <a:r>
-              <a:rPr lang="zh-CN" altLang="en-US" sz="2000" b="1" dirty="0">
-                <a:solidFill>
-                  <a:schemeClr val="tx1"/>
-                </a:solidFill>
-                <a:latin typeface="微软雅黑" panose="020B0503020204020204" pitchFamily="34" charset="-122"/>
-                <a:ea typeface="微软雅黑" panose="020B0503020204020204" pitchFamily="34" charset="-122"/>
-                <a:sym typeface="+mn-ea"/>
-              </a:rPr>
-              <a:t>静止大气阻力</a:t>
-            </a:r>
-            <a:endParaRPr lang="en-US" altLang="zh-CN" sz="2000" b="1" dirty="0">
-              <a:solidFill>
-                <a:schemeClr val="tx1"/>
-              </a:solidFill>
               <a:latin typeface="微软雅黑" panose="020B0503020204020204" pitchFamily="34" charset="-122"/>
               <a:ea typeface="微软雅黑" panose="020B0503020204020204" pitchFamily="34" charset="-122"/>
               <a:sym typeface="+mn-ea"/>
@@ -2439,6 +2246,153 @@
                 <a:ea typeface="微软雅黑" panose="020B0503020204020204" pitchFamily="34" charset="-122"/>
                 <a:sym typeface="+mn-ea"/>
               </a:rPr>
+              <a:t>第三体引力和摄动势</a:t>
+            </a:r>
+            <a:endParaRPr lang="en-US" altLang="zh-CN" sz="2000" b="1" dirty="0">
+              <a:solidFill>
+                <a:schemeClr val="tx1"/>
+              </a:solidFill>
+              <a:latin typeface="微软雅黑" panose="020B0503020204020204" pitchFamily="34" charset="-122"/>
+              <a:ea typeface="微软雅黑" panose="020B0503020204020204" pitchFamily="34" charset="-122"/>
+              <a:sym typeface="+mn-ea"/>
+            </a:endParaRPr>
+          </a:p>
+        </p:txBody>
+      </p:sp>
+      <p:sp>
+        <p:nvSpPr>
+          <p:cNvPr id="14" name="矩形 13">
+            <a:extLst>
+              <a:ext uri="{FF2B5EF4-FFF2-40B4-BE49-F238E27FC236}">
+                <a16:creationId xmlns:a16="http://schemas.microsoft.com/office/drawing/2014/main" id="{15690F7F-5696-10AD-2C66-69289814C259}"/>
+              </a:ext>
+            </a:extLst>
+          </p:cNvPr>
+          <p:cNvSpPr/>
+          <p:nvPr/>
+        </p:nvSpPr>
+        <p:spPr>
+          <a:xfrm>
+            <a:off x="7943472" y="2094583"/>
+            <a:ext cx="3040489" cy="2346283"/>
+          </a:xfrm>
+          <a:prstGeom prst="rect">
+            <a:avLst/>
+          </a:prstGeom>
+        </p:spPr>
+        <p:txBody>
+          <a:bodyPr wrap="square">
+            <a:spAutoFit/>
+          </a:bodyPr>
+          <a:lstStyle/>
+          <a:p>
+            <a:pPr marL="457200" indent="-457200" fontAlgn="auto">
+              <a:lnSpc>
+                <a:spcPct val="150000"/>
+              </a:lnSpc>
+              <a:spcAft>
+                <a:spcPts val="0"/>
+              </a:spcAft>
+              <a:buFont typeface="Wingdings" panose="05000000000000000000" pitchFamily="2" charset="2"/>
+              <a:buChar char="Ø"/>
+            </a:pPr>
+            <a:r>
+              <a:rPr lang="zh-CN" altLang="en-US" sz="2000" b="1" dirty="0">
+                <a:solidFill>
+                  <a:schemeClr val="tx1"/>
+                </a:solidFill>
+                <a:latin typeface="微软雅黑" panose="020B0503020204020204" pitchFamily="34" charset="-122"/>
+                <a:ea typeface="微软雅黑" panose="020B0503020204020204" pitchFamily="34" charset="-122"/>
+                <a:sym typeface="+mn-ea"/>
+              </a:rPr>
+              <a:t>静止大气阻力</a:t>
+            </a:r>
+            <a:endParaRPr lang="en-US" altLang="zh-CN" sz="2000" b="1" dirty="0">
+              <a:solidFill>
+                <a:schemeClr val="tx1"/>
+              </a:solidFill>
+              <a:latin typeface="微软雅黑" panose="020B0503020204020204" pitchFamily="34" charset="-122"/>
+              <a:ea typeface="微软雅黑" panose="020B0503020204020204" pitchFamily="34" charset="-122"/>
+              <a:sym typeface="+mn-ea"/>
+            </a:endParaRPr>
+          </a:p>
+          <a:p>
+            <a:pPr marL="457200" indent="-457200" fontAlgn="auto">
+              <a:lnSpc>
+                <a:spcPct val="150000"/>
+              </a:lnSpc>
+              <a:spcAft>
+                <a:spcPts val="0"/>
+              </a:spcAft>
+              <a:buFont typeface="Wingdings" panose="05000000000000000000" pitchFamily="2" charset="2"/>
+              <a:buChar char="Ø"/>
+            </a:pPr>
+            <a:endParaRPr lang="en-US" altLang="zh-CN" sz="2000" b="1" dirty="0">
+              <a:solidFill>
+                <a:schemeClr val="tx1"/>
+              </a:solidFill>
+              <a:latin typeface="微软雅黑" panose="020B0503020204020204" pitchFamily="34" charset="-122"/>
+              <a:ea typeface="微软雅黑" panose="020B0503020204020204" pitchFamily="34" charset="-122"/>
+              <a:sym typeface="+mn-ea"/>
+            </a:endParaRPr>
+          </a:p>
+          <a:p>
+            <a:pPr marL="457200" indent="-457200" fontAlgn="auto">
+              <a:lnSpc>
+                <a:spcPct val="150000"/>
+              </a:lnSpc>
+              <a:spcAft>
+                <a:spcPts val="0"/>
+              </a:spcAft>
+              <a:buFont typeface="Wingdings" panose="05000000000000000000" pitchFamily="2" charset="2"/>
+              <a:buChar char="Ø"/>
+            </a:pPr>
+            <a:endParaRPr lang="en-US" altLang="zh-CN" sz="2000" b="1" dirty="0">
+              <a:latin typeface="微软雅黑" panose="020B0503020204020204" pitchFamily="34" charset="-122"/>
+              <a:ea typeface="微软雅黑" panose="020B0503020204020204" pitchFamily="34" charset="-122"/>
+              <a:sym typeface="+mn-ea"/>
+            </a:endParaRPr>
+          </a:p>
+          <a:p>
+            <a:pPr marL="457200" indent="-457200" fontAlgn="auto">
+              <a:lnSpc>
+                <a:spcPct val="150000"/>
+              </a:lnSpc>
+              <a:spcAft>
+                <a:spcPts val="0"/>
+              </a:spcAft>
+              <a:buFont typeface="Wingdings" panose="05000000000000000000" pitchFamily="2" charset="2"/>
+              <a:buChar char="Ø"/>
+            </a:pPr>
+            <a:endParaRPr lang="en-US" altLang="zh-CN" sz="2000" b="1" dirty="0">
+              <a:solidFill>
+                <a:schemeClr val="tx1"/>
+              </a:solidFill>
+              <a:latin typeface="微软雅黑" panose="020B0503020204020204" pitchFamily="34" charset="-122"/>
+              <a:ea typeface="微软雅黑" panose="020B0503020204020204" pitchFamily="34" charset="-122"/>
+              <a:sym typeface="+mn-ea"/>
+            </a:endParaRPr>
+          </a:p>
+          <a:p>
+            <a:pPr marL="457200" indent="-457200" fontAlgn="auto">
+              <a:lnSpc>
+                <a:spcPct val="150000"/>
+              </a:lnSpc>
+              <a:spcAft>
+                <a:spcPts val="0"/>
+              </a:spcAft>
+              <a:buFont typeface="Wingdings" panose="05000000000000000000" pitchFamily="2" charset="2"/>
+              <a:buChar char="Ø"/>
+            </a:pPr>
+            <a:r>
+              <a:rPr lang="zh-CN" altLang="en-US" sz="2000" b="1" dirty="0">
+                <a:solidFill>
+                  <a:schemeClr val="tx1"/>
+                </a:solidFill>
+                <a:latin typeface="微软雅黑" panose="020B0503020204020204" pitchFamily="34" charset="-122"/>
+                <a:ea typeface="微软雅黑" panose="020B0503020204020204" pitchFamily="34" charset="-122"/>
+                <a:sym typeface="+mn-ea"/>
+              </a:rPr>
               <a:t>光压作用</a:t>
             </a:r>
             <a:endParaRPr lang="en-US" altLang="zh-CN" sz="2000" b="1" dirty="0">
@@ -2466,7 +2420,7 @@
         </p:nvSpPr>
         <p:spPr>
           <a:xfrm>
-            <a:off x="7177892" y="6285354"/>
+            <a:off x="10538607" y="6314763"/>
             <a:ext cx="1440985" cy="307777"/>
           </a:xfrm>
           <a:prstGeom prst="rect">
@@ -2541,8 +2495,8 @@
         </p:blipFill>
         <p:spPr>
           <a:xfrm>
-            <a:off x="1518350" y="4411893"/>
-            <a:ext cx="5670416" cy="556663"/>
+            <a:off x="1334762" y="2712331"/>
+            <a:ext cx="6161505" cy="604873"/>
           </a:xfrm>
           <a:prstGeom prst="rect">
             <a:avLst/>
@@ -2571,7 +2525,7 @@
         </p:blipFill>
         <p:spPr>
           <a:xfrm>
-            <a:off x="1334764" y="5455549"/>
+            <a:off x="1436799" y="4723542"/>
             <a:ext cx="2978716" cy="571673"/>
           </a:xfrm>
           <a:prstGeom prst="rect">
@@ -2601,7 +2555,7 @@
         </p:blipFill>
         <p:spPr>
           <a:xfrm>
-            <a:off x="4630152" y="5205082"/>
+            <a:off x="4732187" y="4473075"/>
             <a:ext cx="2331584" cy="1023960"/>
           </a:xfrm>
           <a:prstGeom prst="rect">
@@ -2631,7 +2585,7 @@
         </p:blipFill>
         <p:spPr>
           <a:xfrm>
-            <a:off x="8623348" y="5523614"/>
+            <a:off x="8786310" y="4786384"/>
             <a:ext cx="1866543" cy="566629"/>
           </a:xfrm>
           <a:prstGeom prst="rect">
@@ -2661,7 +2615,7 @@
         </p:blipFill>
         <p:spPr>
           <a:xfrm>
-            <a:off x="8618877" y="4598842"/>
+            <a:off x="8623348" y="2761813"/>
             <a:ext cx="2434697" cy="505911"/>
           </a:xfrm>
           <a:prstGeom prst="rect">
@@ -2671,10 +2625,10 @@
       </p:pic>
       <p:pic>
         <p:nvPicPr>
-          <p:cNvPr id="4" name="图形 3" descr="困惑的脸轮廓 纯色填充">
+          <p:cNvPr id="7" name="图形 6" descr="紧张的脸轮廓 纯色填充">
             <a:extLst>
               <a:ext uri="{FF2B5EF4-FFF2-40B4-BE49-F238E27FC236}">
-                <a16:creationId xmlns:a16="http://schemas.microsoft.com/office/drawing/2014/main" id="{C89E80AA-83BE-FCF7-CEB5-5D881DC1425B}"/>
+                <a16:creationId xmlns:a16="http://schemas.microsoft.com/office/drawing/2014/main" id="{5DCE05FF-079D-E3CF-A088-CE16B92FD643}"/>
               </a:ext>
             </a:extLst>
           </p:cNvPr>
@@ -2697,43 +2651,7 @@
         </p:blipFill>
         <p:spPr>
           <a:xfrm>
-            <a:off x="0" y="1153581"/>
-            <a:ext cx="571360" cy="571360"/>
-          </a:xfrm>
-          <a:prstGeom prst="rect">
-            <a:avLst/>
-          </a:prstGeom>
-        </p:spPr>
-      </p:pic>
-      <p:pic>
-        <p:nvPicPr>
-          <p:cNvPr id="7" name="图形 6" descr="紧张的脸轮廓 纯色填充">
-            <a:extLst>
-              <a:ext uri="{FF2B5EF4-FFF2-40B4-BE49-F238E27FC236}">
-                <a16:creationId xmlns:a16="http://schemas.microsoft.com/office/drawing/2014/main" id="{5DCE05FF-079D-E3CF-A088-CE16B92FD643}"/>
-              </a:ext>
-            </a:extLst>
-          </p:cNvPr>
-          <p:cNvPicPr>
-            <a:picLocks noChangeAspect="1"/>
-          </p:cNvPicPr>
-          <p:nvPr/>
-        </p:nvPicPr>
-        <p:blipFill>
-          <a:blip r:embed="rId9">
-            <a:extLst>
-              <a:ext uri="{96DAC541-7B7A-43D3-8B79-37D633B846F1}">
-                <asvg:svgBlip xmlns:asvg="http://schemas.microsoft.com/office/drawing/2016/SVG/main" r:embed="rId10"/>
-              </a:ext>
-            </a:extLst>
-          </a:blip>
-          <a:stretch>
-            <a:fillRect/>
-          </a:stretch>
-        </p:blipFill>
-        <p:spPr>
-          <a:xfrm>
-            <a:off x="-14653" y="3435659"/>
+            <a:off x="0" y="717472"/>
             <a:ext cx="571360" cy="571360"/>
           </a:xfrm>
           <a:prstGeom prst="rect">
@@ -2744,7 +2662,7 @@
     </p:spTree>
     <p:extLst>
       <p:ext uri="{BB962C8B-B14F-4D97-AF65-F5344CB8AC3E}">
-        <p14:creationId xmlns:p14="http://schemas.microsoft.com/office/powerpoint/2010/main" val="3150895877"/>
+        <p14:creationId xmlns:p14="http://schemas.microsoft.com/office/powerpoint/2010/main" val="3304725697"/>
       </p:ext>
     </p:extLst>
   </p:cSld>
@@ -15523,6 +15441,1307 @@
 </p:sld>
 </file>
 
+<file path=ppt/slides/slide24.xml><?xml version="1.0" encoding="utf-8"?>
+<p:sld xmlns:a="http://schemas.openxmlformats.org/drawingml/2006/main" xmlns:r="http://schemas.openxmlformats.org/officeDocument/2006/relationships" xmlns:p="http://schemas.openxmlformats.org/presentationml/2006/main">
+  <p:cSld>
+    <p:spTree>
+      <p:nvGrpSpPr>
+        <p:cNvPr id="1" name=""/>
+        <p:cNvGrpSpPr/>
+        <p:nvPr/>
+      </p:nvGrpSpPr>
+      <p:grpSpPr>
+        <a:xfrm>
+          <a:off x="0" y="0"/>
+          <a:ext cx="0" cy="0"/>
+          <a:chOff x="0" y="0"/>
+          <a:chExt cx="0" cy="0"/>
+        </a:xfrm>
+      </p:grpSpPr>
+      <p:sp>
+        <p:nvSpPr>
+          <p:cNvPr id="3" name="矩形 2"/>
+          <p:cNvSpPr/>
+          <p:nvPr/>
+        </p:nvSpPr>
+        <p:spPr>
+          <a:xfrm>
+            <a:off x="407987" y="1052513"/>
+            <a:ext cx="11376025" cy="4377417"/>
+          </a:xfrm>
+          <a:prstGeom prst="rect">
+            <a:avLst/>
+          </a:prstGeom>
+        </p:spPr>
+        <p:txBody>
+          <a:bodyPr wrap="square">
+            <a:spAutoFit/>
+          </a:bodyPr>
+          <a:lstStyle/>
+          <a:p>
+            <a:pPr marL="342900" indent="-342900" fontAlgn="auto">
+              <a:lnSpc>
+                <a:spcPct val="150000"/>
+              </a:lnSpc>
+              <a:spcAft>
+                <a:spcPts val="0"/>
+              </a:spcAft>
+              <a:buFont typeface="Arial" panose="020B0604020202020204" pitchFamily="34" charset="0"/>
+              <a:buChar char="•"/>
+            </a:pPr>
+            <a:r>
+              <a:rPr lang="zh-CN" altLang="en-US" sz="2800" b="1" dirty="0">
+                <a:solidFill>
+                  <a:schemeClr val="tx1"/>
+                </a:solidFill>
+                <a:latin typeface="Times New Roman" panose="02020603050405020304" pitchFamily="18" charset="0"/>
+                <a:ea typeface="微软雅黑" panose="020B0503020204020204" pitchFamily="34" charset="-122"/>
+                <a:cs typeface="Times New Roman" panose="02020603050405020304" pitchFamily="18" charset="0"/>
+                <a:sym typeface="+mn-ea"/>
+              </a:rPr>
+              <a:t>轨道预报（总成绩比例：</a:t>
+            </a:r>
+            <a:r>
+              <a:rPr lang="en-US" altLang="zh-CN" sz="2800" b="1" dirty="0">
+                <a:solidFill>
+                  <a:schemeClr val="tx1"/>
+                </a:solidFill>
+                <a:latin typeface="Times New Roman" panose="02020603050405020304" pitchFamily="18" charset="0"/>
+                <a:ea typeface="微软雅黑" panose="020B0503020204020204" pitchFamily="34" charset="-122"/>
+                <a:cs typeface="Times New Roman" panose="02020603050405020304" pitchFamily="18" charset="0"/>
+                <a:sym typeface="+mn-ea"/>
+              </a:rPr>
+              <a:t>25%</a:t>
+            </a:r>
+            <a:r>
+              <a:rPr lang="zh-CN" altLang="en-US" sz="2800" b="1" dirty="0">
+                <a:solidFill>
+                  <a:schemeClr val="tx1"/>
+                </a:solidFill>
+                <a:latin typeface="Times New Roman" panose="02020603050405020304" pitchFamily="18" charset="0"/>
+                <a:ea typeface="微软雅黑" panose="020B0503020204020204" pitchFamily="34" charset="-122"/>
+                <a:cs typeface="Times New Roman" panose="02020603050405020304" pitchFamily="18" charset="0"/>
+                <a:sym typeface="+mn-ea"/>
+              </a:rPr>
+              <a:t>）</a:t>
+            </a:r>
+            <a:endParaRPr lang="en-US" altLang="zh-CN" sz="2800" b="1" dirty="0">
+              <a:solidFill>
+                <a:schemeClr val="tx1"/>
+              </a:solidFill>
+              <a:latin typeface="Times New Roman" panose="02020603050405020304" pitchFamily="18" charset="0"/>
+              <a:ea typeface="微软雅黑" panose="020B0503020204020204" pitchFamily="34" charset="-122"/>
+              <a:cs typeface="Times New Roman" panose="02020603050405020304" pitchFamily="18" charset="0"/>
+              <a:sym typeface="+mn-ea"/>
+            </a:endParaRPr>
+          </a:p>
+          <a:p>
+            <a:pPr fontAlgn="auto">
+              <a:lnSpc>
+                <a:spcPct val="150000"/>
+              </a:lnSpc>
+              <a:spcAft>
+                <a:spcPts val="0"/>
+              </a:spcAft>
+            </a:pPr>
+            <a:r>
+              <a:rPr lang="zh-CN" altLang="en-US" sz="2000" b="1" dirty="0">
+                <a:solidFill>
+                  <a:schemeClr val="tx1"/>
+                </a:solidFill>
+                <a:latin typeface="Times New Roman" panose="02020603050405020304" pitchFamily="18" charset="0"/>
+                <a:ea typeface="微软雅黑" panose="020B0503020204020204" pitchFamily="34" charset="-122"/>
+                <a:cs typeface="Times New Roman" panose="02020603050405020304" pitchFamily="18" charset="0"/>
+                <a:sym typeface="+mn-ea"/>
+              </a:rPr>
+              <a:t>初始历元</a:t>
+            </a:r>
+            <a:r>
+              <a:rPr lang="en-US" altLang="zh-CN" sz="2000" b="1" i="1" dirty="0">
+                <a:solidFill>
+                  <a:schemeClr val="tx1"/>
+                </a:solidFill>
+                <a:latin typeface="Times New Roman" panose="02020603050405020304" pitchFamily="18" charset="0"/>
+                <a:ea typeface="微软雅黑" panose="020B0503020204020204" pitchFamily="34" charset="-122"/>
+                <a:cs typeface="Times New Roman" panose="02020603050405020304" pitchFamily="18" charset="0"/>
+                <a:sym typeface="+mn-ea"/>
+              </a:rPr>
+              <a:t>T</a:t>
+            </a:r>
+            <a:r>
+              <a:rPr lang="en-US" altLang="zh-CN" sz="2000" b="1" baseline="-25000" dirty="0">
+                <a:solidFill>
+                  <a:schemeClr val="tx1"/>
+                </a:solidFill>
+                <a:latin typeface="Times New Roman" panose="02020603050405020304" pitchFamily="18" charset="0"/>
+                <a:ea typeface="微软雅黑" panose="020B0503020204020204" pitchFamily="34" charset="-122"/>
+                <a:cs typeface="Times New Roman" panose="02020603050405020304" pitchFamily="18" charset="0"/>
+                <a:sym typeface="+mn-ea"/>
+              </a:rPr>
+              <a:t>0</a:t>
+            </a:r>
+            <a:r>
+              <a:rPr lang="zh-CN" altLang="en-US" sz="2000" b="1" dirty="0">
+                <a:solidFill>
+                  <a:schemeClr val="tx1"/>
+                </a:solidFill>
+                <a:latin typeface="Times New Roman" panose="02020603050405020304" pitchFamily="18" charset="0"/>
+                <a:ea typeface="微软雅黑" panose="020B0503020204020204" pitchFamily="34" charset="-122"/>
+                <a:cs typeface="Times New Roman" panose="02020603050405020304" pitchFamily="18" charset="0"/>
+                <a:sym typeface="+mn-ea"/>
+              </a:rPr>
+              <a:t>＝</a:t>
+            </a:r>
+            <a:r>
+              <a:rPr lang="en-US" altLang="zh-CN" sz="2000" b="1" dirty="0">
+                <a:solidFill>
+                  <a:schemeClr val="tx1"/>
+                </a:solidFill>
+                <a:latin typeface="Times New Roman" panose="02020603050405020304" pitchFamily="18" charset="0"/>
+                <a:ea typeface="微软雅黑" panose="020B0503020204020204" pitchFamily="34" charset="-122"/>
+                <a:cs typeface="Times New Roman" panose="02020603050405020304" pitchFamily="18" charset="0"/>
+                <a:sym typeface="+mn-ea"/>
+              </a:rPr>
+              <a:t>2013</a:t>
+            </a:r>
+            <a:r>
+              <a:rPr lang="zh-CN" altLang="en-US" sz="2000" b="1" dirty="0">
+                <a:solidFill>
+                  <a:schemeClr val="tx1"/>
+                </a:solidFill>
+                <a:latin typeface="Times New Roman" panose="02020603050405020304" pitchFamily="18" charset="0"/>
+                <a:ea typeface="微软雅黑" panose="020B0503020204020204" pitchFamily="34" charset="-122"/>
+                <a:cs typeface="Times New Roman" panose="02020603050405020304" pitchFamily="18" charset="0"/>
+                <a:sym typeface="+mn-ea"/>
+              </a:rPr>
+              <a:t>年</a:t>
+            </a:r>
+            <a:r>
+              <a:rPr lang="en-US" altLang="zh-CN" sz="2000" b="1" dirty="0">
+                <a:solidFill>
+                  <a:schemeClr val="tx1"/>
+                </a:solidFill>
+                <a:latin typeface="Times New Roman" panose="02020603050405020304" pitchFamily="18" charset="0"/>
+                <a:ea typeface="微软雅黑" panose="020B0503020204020204" pitchFamily="34" charset="-122"/>
+                <a:cs typeface="Times New Roman" panose="02020603050405020304" pitchFamily="18" charset="0"/>
+                <a:sym typeface="+mn-ea"/>
+              </a:rPr>
+              <a:t>9</a:t>
+            </a:r>
+            <a:r>
+              <a:rPr lang="zh-CN" altLang="en-US" sz="2000" b="1" dirty="0">
+                <a:solidFill>
+                  <a:schemeClr val="tx1"/>
+                </a:solidFill>
+                <a:latin typeface="Times New Roman" panose="02020603050405020304" pitchFamily="18" charset="0"/>
+                <a:ea typeface="微软雅黑" panose="020B0503020204020204" pitchFamily="34" charset="-122"/>
+                <a:cs typeface="Times New Roman" panose="02020603050405020304" pitchFamily="18" charset="0"/>
+                <a:sym typeface="+mn-ea"/>
+              </a:rPr>
+              <a:t>月</a:t>
+            </a:r>
+            <a:r>
+              <a:rPr lang="en-US" altLang="zh-CN" sz="2000" b="1" dirty="0">
+                <a:solidFill>
+                  <a:schemeClr val="tx1"/>
+                </a:solidFill>
+                <a:latin typeface="Times New Roman" panose="02020603050405020304" pitchFamily="18" charset="0"/>
+                <a:ea typeface="微软雅黑" panose="020B0503020204020204" pitchFamily="34" charset="-122"/>
+                <a:cs typeface="Times New Roman" panose="02020603050405020304" pitchFamily="18" charset="0"/>
+                <a:sym typeface="+mn-ea"/>
+              </a:rPr>
+              <a:t>1</a:t>
+            </a:r>
+            <a:r>
+              <a:rPr lang="zh-CN" altLang="en-US" sz="2000" b="1" dirty="0">
+                <a:solidFill>
+                  <a:schemeClr val="tx1"/>
+                </a:solidFill>
+                <a:latin typeface="Times New Roman" panose="02020603050405020304" pitchFamily="18" charset="0"/>
+                <a:ea typeface="微软雅黑" panose="020B0503020204020204" pitchFamily="34" charset="-122"/>
+                <a:cs typeface="Times New Roman" panose="02020603050405020304" pitchFamily="18" charset="0"/>
+                <a:sym typeface="+mn-ea"/>
+              </a:rPr>
+              <a:t>日</a:t>
+            </a:r>
+            <a:r>
+              <a:rPr lang="en-US" altLang="zh-CN" sz="2000" b="1" dirty="0">
+                <a:solidFill>
+                  <a:schemeClr val="tx1"/>
+                </a:solidFill>
+                <a:latin typeface="Times New Roman" panose="02020603050405020304" pitchFamily="18" charset="0"/>
+                <a:ea typeface="微软雅黑" panose="020B0503020204020204" pitchFamily="34" charset="-122"/>
+                <a:cs typeface="Times New Roman" panose="02020603050405020304" pitchFamily="18" charset="0"/>
+                <a:sym typeface="+mn-ea"/>
+              </a:rPr>
+              <a:t>12</a:t>
+            </a:r>
+            <a:r>
+              <a:rPr lang="zh-CN" altLang="en-US" sz="2000" b="1" dirty="0">
+                <a:solidFill>
+                  <a:schemeClr val="tx1"/>
+                </a:solidFill>
+                <a:latin typeface="Times New Roman" panose="02020603050405020304" pitchFamily="18" charset="0"/>
+                <a:ea typeface="微软雅黑" panose="020B0503020204020204" pitchFamily="34" charset="-122"/>
+                <a:cs typeface="Times New Roman" panose="02020603050405020304" pitchFamily="18" charset="0"/>
+                <a:sym typeface="+mn-ea"/>
+              </a:rPr>
+              <a:t>时（</a:t>
+            </a:r>
+            <a:r>
+              <a:rPr lang="en-US" altLang="zh-CN" sz="2000" b="1" dirty="0">
+                <a:solidFill>
+                  <a:schemeClr val="tx1"/>
+                </a:solidFill>
+                <a:latin typeface="Times New Roman" panose="02020603050405020304" pitchFamily="18" charset="0"/>
+                <a:ea typeface="微软雅黑" panose="020B0503020204020204" pitchFamily="34" charset="-122"/>
+                <a:cs typeface="Times New Roman" panose="02020603050405020304" pitchFamily="18" charset="0"/>
+                <a:sym typeface="+mn-ea"/>
+              </a:rPr>
+              <a:t>UTC</a:t>
+            </a:r>
+            <a:r>
+              <a:rPr lang="zh-CN" altLang="en-US" sz="2000" b="1" dirty="0">
+                <a:solidFill>
+                  <a:schemeClr val="tx1"/>
+                </a:solidFill>
+                <a:latin typeface="Times New Roman" panose="02020603050405020304" pitchFamily="18" charset="0"/>
+                <a:ea typeface="微软雅黑" panose="020B0503020204020204" pitchFamily="34" charset="-122"/>
+                <a:cs typeface="Times New Roman" panose="02020603050405020304" pitchFamily="18" charset="0"/>
+                <a:sym typeface="+mn-ea"/>
+              </a:rPr>
+              <a:t>），卫星</a:t>
+            </a:r>
+            <a:r>
+              <a:rPr lang="en-US" altLang="zh-CN" sz="2000" b="1" dirty="0">
+                <a:solidFill>
+                  <a:schemeClr val="tx1"/>
+                </a:solidFill>
+                <a:latin typeface="Times New Roman" panose="02020603050405020304" pitchFamily="18" charset="0"/>
+                <a:ea typeface="微软雅黑" panose="020B0503020204020204" pitchFamily="34" charset="-122"/>
+                <a:cs typeface="Times New Roman" panose="02020603050405020304" pitchFamily="18" charset="0"/>
+                <a:sym typeface="+mn-ea"/>
+              </a:rPr>
+              <a:t>S</a:t>
+            </a:r>
+            <a:r>
+              <a:rPr lang="zh-CN" altLang="en-US" sz="2000" b="1" dirty="0">
+                <a:solidFill>
+                  <a:schemeClr val="tx1"/>
+                </a:solidFill>
+                <a:latin typeface="Times New Roman" panose="02020603050405020304" pitchFamily="18" charset="0"/>
+                <a:ea typeface="微软雅黑" panose="020B0503020204020204" pitchFamily="34" charset="-122"/>
+                <a:cs typeface="Times New Roman" panose="02020603050405020304" pitchFamily="18" charset="0"/>
+                <a:sym typeface="+mn-ea"/>
+              </a:rPr>
+              <a:t>的初始轨道根数为 </a:t>
+            </a:r>
+            <a:r>
+              <a:rPr lang="en-US" altLang="zh-CN" sz="2000" b="1" i="1" dirty="0">
+                <a:solidFill>
+                  <a:schemeClr val="tx1"/>
+                </a:solidFill>
+                <a:latin typeface="Times New Roman" panose="02020603050405020304" pitchFamily="18" charset="0"/>
+                <a:ea typeface="微软雅黑" panose="020B0503020204020204" pitchFamily="34" charset="-122"/>
+                <a:cs typeface="Times New Roman" panose="02020603050405020304" pitchFamily="18" charset="0"/>
+                <a:sym typeface="+mn-ea"/>
+              </a:rPr>
+              <a:t>a </a:t>
+            </a:r>
+            <a:r>
+              <a:rPr lang="en-US" altLang="zh-CN" sz="2000" b="1" dirty="0">
+                <a:solidFill>
+                  <a:schemeClr val="tx1"/>
+                </a:solidFill>
+                <a:latin typeface="Times New Roman" panose="02020603050405020304" pitchFamily="18" charset="0"/>
+                <a:ea typeface="微软雅黑" panose="020B0503020204020204" pitchFamily="34" charset="-122"/>
+                <a:cs typeface="Times New Roman" panose="02020603050405020304" pitchFamily="18" charset="0"/>
+                <a:sym typeface="+mn-ea"/>
+              </a:rPr>
+              <a:t>= 6800 km, </a:t>
+            </a:r>
+            <a:r>
+              <a:rPr lang="en-US" altLang="zh-CN" sz="2000" b="1" i="1" dirty="0">
+                <a:solidFill>
+                  <a:schemeClr val="tx1"/>
+                </a:solidFill>
+                <a:latin typeface="Times New Roman" panose="02020603050405020304" pitchFamily="18" charset="0"/>
+                <a:ea typeface="微软雅黑" panose="020B0503020204020204" pitchFamily="34" charset="-122"/>
+                <a:cs typeface="Times New Roman" panose="02020603050405020304" pitchFamily="18" charset="0"/>
+                <a:sym typeface="+mn-ea"/>
+              </a:rPr>
+              <a:t>e </a:t>
+            </a:r>
+            <a:r>
+              <a:rPr lang="en-US" altLang="zh-CN" sz="2000" b="1" dirty="0">
+                <a:solidFill>
+                  <a:schemeClr val="tx1"/>
+                </a:solidFill>
+                <a:latin typeface="Times New Roman" panose="02020603050405020304" pitchFamily="18" charset="0"/>
+                <a:ea typeface="微软雅黑" panose="020B0503020204020204" pitchFamily="34" charset="-122"/>
+                <a:cs typeface="Times New Roman" panose="02020603050405020304" pitchFamily="18" charset="0"/>
+                <a:sym typeface="+mn-ea"/>
+              </a:rPr>
+              <a:t>= 0.01, </a:t>
+            </a:r>
+            <a:r>
+              <a:rPr lang="en-US" altLang="zh-CN" sz="2000" b="1" i="1" dirty="0" err="1">
+                <a:solidFill>
+                  <a:schemeClr val="tx1"/>
+                </a:solidFill>
+                <a:latin typeface="Times New Roman" panose="02020603050405020304" pitchFamily="18" charset="0"/>
+                <a:ea typeface="微软雅黑" panose="020B0503020204020204" pitchFamily="34" charset="-122"/>
+                <a:cs typeface="Times New Roman" panose="02020603050405020304" pitchFamily="18" charset="0"/>
+                <a:sym typeface="+mn-ea"/>
+              </a:rPr>
+              <a:t>i</a:t>
+            </a:r>
+            <a:r>
+              <a:rPr lang="en-US" altLang="zh-CN" sz="2000" b="1" i="1" dirty="0">
+                <a:solidFill>
+                  <a:schemeClr val="tx1"/>
+                </a:solidFill>
+                <a:latin typeface="Times New Roman" panose="02020603050405020304" pitchFamily="18" charset="0"/>
+                <a:ea typeface="微软雅黑" panose="020B0503020204020204" pitchFamily="34" charset="-122"/>
+                <a:cs typeface="Times New Roman" panose="02020603050405020304" pitchFamily="18" charset="0"/>
+                <a:sym typeface="+mn-ea"/>
+              </a:rPr>
+              <a:t> </a:t>
+            </a:r>
+            <a:r>
+              <a:rPr lang="en-US" altLang="zh-CN" sz="2000" b="1" dirty="0">
+                <a:solidFill>
+                  <a:schemeClr val="tx1"/>
+                </a:solidFill>
+                <a:latin typeface="Times New Roman" panose="02020603050405020304" pitchFamily="18" charset="0"/>
+                <a:ea typeface="微软雅黑" panose="020B0503020204020204" pitchFamily="34" charset="-122"/>
+                <a:cs typeface="Times New Roman" panose="02020603050405020304" pitchFamily="18" charset="0"/>
+                <a:sym typeface="+mn-ea"/>
+              </a:rPr>
+              <a:t>= 45°,     </a:t>
+            </a:r>
+            <a:r>
+              <a:rPr lang="en-US" altLang="zh-CN" sz="2000" b="1" i="1" dirty="0">
+                <a:solidFill>
+                  <a:schemeClr val="tx1"/>
+                </a:solidFill>
+                <a:latin typeface="Times New Roman" panose="02020603050405020304" pitchFamily="18" charset="0"/>
+                <a:ea typeface="微软雅黑" panose="020B0503020204020204" pitchFamily="34" charset="-122"/>
+                <a:cs typeface="Times New Roman" panose="02020603050405020304" pitchFamily="18" charset="0"/>
+                <a:sym typeface="+mn-ea"/>
+              </a:rPr>
+              <a:t>Ω </a:t>
+            </a:r>
+            <a:r>
+              <a:rPr lang="en-US" altLang="zh-CN" sz="2000" b="1" dirty="0">
+                <a:solidFill>
+                  <a:schemeClr val="tx1"/>
+                </a:solidFill>
+                <a:latin typeface="Times New Roman" panose="02020603050405020304" pitchFamily="18" charset="0"/>
+                <a:ea typeface="微软雅黑" panose="020B0503020204020204" pitchFamily="34" charset="-122"/>
+                <a:cs typeface="Times New Roman" panose="02020603050405020304" pitchFamily="18" charset="0"/>
+                <a:sym typeface="+mn-ea"/>
+              </a:rPr>
+              <a:t>= </a:t>
+            </a:r>
+            <a:r>
+              <a:rPr lang="en-US" altLang="zh-CN" sz="2000" b="1" i="1" dirty="0">
+                <a:solidFill>
+                  <a:schemeClr val="tx1"/>
+                </a:solidFill>
+                <a:latin typeface="Times New Roman" panose="02020603050405020304" pitchFamily="18" charset="0"/>
+                <a:ea typeface="微软雅黑" panose="020B0503020204020204" pitchFamily="34" charset="-122"/>
+                <a:cs typeface="Times New Roman" panose="02020603050405020304" pitchFamily="18" charset="0"/>
+                <a:sym typeface="+mn-ea"/>
+              </a:rPr>
+              <a:t>ω </a:t>
+            </a:r>
+            <a:r>
+              <a:rPr lang="en-US" altLang="zh-CN" sz="2000" b="1" dirty="0">
+                <a:solidFill>
+                  <a:schemeClr val="tx1"/>
+                </a:solidFill>
+                <a:latin typeface="Times New Roman" panose="02020603050405020304" pitchFamily="18" charset="0"/>
+                <a:ea typeface="微软雅黑" panose="020B0503020204020204" pitchFamily="34" charset="-122"/>
+                <a:cs typeface="Times New Roman" panose="02020603050405020304" pitchFamily="18" charset="0"/>
+                <a:sym typeface="+mn-ea"/>
+              </a:rPr>
+              <a:t>= </a:t>
+            </a:r>
+            <a:r>
+              <a:rPr lang="en-US" altLang="zh-CN" sz="2000" b="1" i="1" dirty="0">
+                <a:solidFill>
+                  <a:schemeClr val="tx1"/>
+                </a:solidFill>
+                <a:latin typeface="Times New Roman" panose="02020603050405020304" pitchFamily="18" charset="0"/>
+                <a:ea typeface="微软雅黑" panose="020B0503020204020204" pitchFamily="34" charset="-122"/>
+                <a:cs typeface="Times New Roman" panose="02020603050405020304" pitchFamily="18" charset="0"/>
+                <a:sym typeface="+mn-ea"/>
+              </a:rPr>
+              <a:t>M </a:t>
+            </a:r>
+            <a:r>
+              <a:rPr lang="en-US" altLang="zh-CN" sz="2000" b="1" dirty="0">
+                <a:solidFill>
+                  <a:schemeClr val="tx1"/>
+                </a:solidFill>
+                <a:latin typeface="Times New Roman" panose="02020603050405020304" pitchFamily="18" charset="0"/>
+                <a:ea typeface="微软雅黑" panose="020B0503020204020204" pitchFamily="34" charset="-122"/>
+                <a:cs typeface="Times New Roman" panose="02020603050405020304" pitchFamily="18" charset="0"/>
+                <a:sym typeface="+mn-ea"/>
+              </a:rPr>
+              <a:t>= 0°, </a:t>
+            </a:r>
+            <a:r>
+              <a:rPr lang="zh-CN" altLang="en-US" sz="2000" b="1" dirty="0">
+                <a:solidFill>
+                  <a:schemeClr val="tx1"/>
+                </a:solidFill>
+                <a:latin typeface="Times New Roman" panose="02020603050405020304" pitchFamily="18" charset="0"/>
+                <a:ea typeface="微软雅黑" panose="020B0503020204020204" pitchFamily="34" charset="-122"/>
+                <a:cs typeface="Times New Roman" panose="02020603050405020304" pitchFamily="18" charset="0"/>
+                <a:sym typeface="+mn-ea"/>
+              </a:rPr>
+              <a:t>仅考虑地球的动力学扁率摄动（</a:t>
+            </a:r>
+            <a:r>
+              <a:rPr lang="en-US" altLang="zh-CN" sz="2000" b="1" i="1" dirty="0">
+                <a:solidFill>
+                  <a:schemeClr val="tx1"/>
+                </a:solidFill>
+                <a:latin typeface="Times New Roman" panose="02020603050405020304" pitchFamily="18" charset="0"/>
+                <a:ea typeface="微软雅黑" panose="020B0503020204020204" pitchFamily="34" charset="-122"/>
+                <a:cs typeface="Times New Roman" panose="02020603050405020304" pitchFamily="18" charset="0"/>
+                <a:sym typeface="+mn-ea"/>
+              </a:rPr>
+              <a:t>J</a:t>
+            </a:r>
+            <a:r>
+              <a:rPr lang="en-US" altLang="zh-CN" sz="2000" b="1" baseline="-25000" dirty="0">
+                <a:solidFill>
+                  <a:schemeClr val="tx1"/>
+                </a:solidFill>
+                <a:latin typeface="Times New Roman" panose="02020603050405020304" pitchFamily="18" charset="0"/>
+                <a:ea typeface="微软雅黑" panose="020B0503020204020204" pitchFamily="34" charset="-122"/>
+                <a:cs typeface="Times New Roman" panose="02020603050405020304" pitchFamily="18" charset="0"/>
+                <a:sym typeface="+mn-ea"/>
+              </a:rPr>
+              <a:t>2</a:t>
+            </a:r>
+            <a:r>
+              <a:rPr lang="zh-CN" altLang="en-US" sz="2000" b="1" dirty="0">
+                <a:solidFill>
+                  <a:schemeClr val="tx1"/>
+                </a:solidFill>
+                <a:latin typeface="Times New Roman" panose="02020603050405020304" pitchFamily="18" charset="0"/>
+                <a:ea typeface="微软雅黑" panose="020B0503020204020204" pitchFamily="34" charset="-122"/>
+                <a:cs typeface="Times New Roman" panose="02020603050405020304" pitchFamily="18" charset="0"/>
+                <a:sym typeface="+mn-ea"/>
+              </a:rPr>
+              <a:t>），完成下面的轨道预报：</a:t>
+            </a:r>
+          </a:p>
+          <a:p>
+            <a:pPr>
+              <a:lnSpc>
+                <a:spcPct val="150000"/>
+              </a:lnSpc>
+            </a:pPr>
+            <a:r>
+              <a:rPr lang="zh-CN" altLang="en-US" sz="2000" b="1" dirty="0">
+                <a:solidFill>
+                  <a:schemeClr val="tx1"/>
+                </a:solidFill>
+                <a:latin typeface="Times New Roman" panose="02020603050405020304" pitchFamily="18" charset="0"/>
+                <a:ea typeface="微软雅黑" panose="020B0503020204020204" pitchFamily="34" charset="-122"/>
+                <a:cs typeface="Times New Roman" panose="02020603050405020304" pitchFamily="18" charset="0"/>
+                <a:sym typeface="+mn-ea"/>
+              </a:rPr>
+              <a:t>（</a:t>
+            </a:r>
+            <a:r>
+              <a:rPr lang="en-US" altLang="zh-CN" sz="2000" b="1" dirty="0">
+                <a:solidFill>
+                  <a:schemeClr val="tx1"/>
+                </a:solidFill>
+                <a:latin typeface="Times New Roman" panose="02020603050405020304" pitchFamily="18" charset="0"/>
+                <a:ea typeface="微软雅黑" panose="020B0503020204020204" pitchFamily="34" charset="-122"/>
+                <a:cs typeface="Times New Roman" panose="02020603050405020304" pitchFamily="18" charset="0"/>
+                <a:sym typeface="+mn-ea"/>
+              </a:rPr>
+              <a:t>a</a:t>
+            </a:r>
+            <a:r>
+              <a:rPr lang="zh-CN" altLang="en-US" sz="2000" b="1" dirty="0">
+                <a:solidFill>
+                  <a:schemeClr val="tx1"/>
+                </a:solidFill>
+                <a:latin typeface="Times New Roman" panose="02020603050405020304" pitchFamily="18" charset="0"/>
+                <a:ea typeface="微软雅黑" panose="020B0503020204020204" pitchFamily="34" charset="-122"/>
+                <a:cs typeface="Times New Roman" panose="02020603050405020304" pitchFamily="18" charset="0"/>
+                <a:sym typeface="+mn-ea"/>
+              </a:rPr>
+              <a:t>）对摄动运动方程进行数值积分（</a:t>
+            </a:r>
+            <a:r>
+              <a:rPr lang="en-US" altLang="zh-CN" sz="2000" b="1" dirty="0">
+                <a:solidFill>
+                  <a:schemeClr val="tx1"/>
+                </a:solidFill>
+                <a:latin typeface="Times New Roman" panose="02020603050405020304" pitchFamily="18" charset="0"/>
+                <a:ea typeface="微软雅黑" panose="020B0503020204020204" pitchFamily="34" charset="-122"/>
+                <a:cs typeface="Times New Roman" panose="02020603050405020304" pitchFamily="18" charset="0"/>
+                <a:sym typeface="+mn-ea"/>
+              </a:rPr>
+              <a:t>RKF7(8)</a:t>
+            </a:r>
+            <a:r>
+              <a:rPr lang="zh-CN" altLang="en-US" sz="2000" b="1" dirty="0">
+                <a:solidFill>
+                  <a:schemeClr val="tx1"/>
+                </a:solidFill>
+                <a:latin typeface="Times New Roman" panose="02020603050405020304" pitchFamily="18" charset="0"/>
+                <a:ea typeface="微软雅黑" panose="020B0503020204020204" pitchFamily="34" charset="-122"/>
+                <a:cs typeface="Times New Roman" panose="02020603050405020304" pitchFamily="18" charset="0"/>
+                <a:sym typeface="+mn-ea"/>
+              </a:rPr>
+              <a:t>或</a:t>
+            </a:r>
+            <a:r>
+              <a:rPr lang="en-US" altLang="zh-CN" sz="2000" b="1" dirty="0">
+                <a:solidFill>
+                  <a:schemeClr val="tx1"/>
+                </a:solidFill>
+                <a:latin typeface="Times New Roman" panose="02020603050405020304" pitchFamily="18" charset="0"/>
+                <a:ea typeface="微软雅黑" panose="020B0503020204020204" pitchFamily="34" charset="-122"/>
+                <a:cs typeface="Times New Roman" panose="02020603050405020304" pitchFamily="18" charset="0"/>
+                <a:sym typeface="+mn-ea"/>
+              </a:rPr>
+              <a:t>RK4</a:t>
+            </a:r>
+            <a:r>
+              <a:rPr lang="zh-CN" altLang="en-US" sz="2000" b="1" dirty="0">
+                <a:solidFill>
+                  <a:schemeClr val="tx1"/>
+                </a:solidFill>
+                <a:latin typeface="Times New Roman" panose="02020603050405020304" pitchFamily="18" charset="0"/>
+                <a:ea typeface="微软雅黑" panose="020B0503020204020204" pitchFamily="34" charset="-122"/>
+                <a:cs typeface="Times New Roman" panose="02020603050405020304" pitchFamily="18" charset="0"/>
+                <a:sym typeface="+mn-ea"/>
+              </a:rPr>
+              <a:t>），预报卫星</a:t>
+            </a:r>
+            <a:r>
+              <a:rPr lang="en-US" altLang="zh-CN" sz="2000" b="1" dirty="0">
+                <a:solidFill>
+                  <a:schemeClr val="tx1"/>
+                </a:solidFill>
+                <a:latin typeface="Times New Roman" panose="02020603050405020304" pitchFamily="18" charset="0"/>
+                <a:ea typeface="微软雅黑" panose="020B0503020204020204" pitchFamily="34" charset="-122"/>
+                <a:cs typeface="Times New Roman" panose="02020603050405020304" pitchFamily="18" charset="0"/>
+                <a:sym typeface="+mn-ea"/>
+              </a:rPr>
+              <a:t>S</a:t>
+            </a:r>
+            <a:r>
+              <a:rPr lang="zh-CN" altLang="en-US" sz="2000" b="1" dirty="0">
+                <a:solidFill>
+                  <a:schemeClr val="tx1"/>
+                </a:solidFill>
+                <a:latin typeface="Times New Roman" panose="02020603050405020304" pitchFamily="18" charset="0"/>
+                <a:ea typeface="微软雅黑" panose="020B0503020204020204" pitchFamily="34" charset="-122"/>
+                <a:cs typeface="Times New Roman" panose="02020603050405020304" pitchFamily="18" charset="0"/>
+                <a:sym typeface="+mn-ea"/>
+              </a:rPr>
+              <a:t>在</a:t>
+            </a:r>
+            <a:r>
+              <a:rPr lang="en-US" altLang="zh-CN" sz="2000" b="1" dirty="0">
+                <a:solidFill>
+                  <a:schemeClr val="tx1"/>
+                </a:solidFill>
+                <a:latin typeface="Times New Roman" panose="02020603050405020304" pitchFamily="18" charset="0"/>
+                <a:ea typeface="微软雅黑" panose="020B0503020204020204" pitchFamily="34" charset="-122"/>
+                <a:cs typeface="Times New Roman" panose="02020603050405020304" pitchFamily="18" charset="0"/>
+                <a:sym typeface="+mn-ea"/>
+              </a:rPr>
+              <a:t>24</a:t>
+            </a:r>
+            <a:r>
+              <a:rPr lang="zh-CN" altLang="en-US" sz="2000" b="1" dirty="0">
+                <a:solidFill>
+                  <a:schemeClr val="tx1"/>
+                </a:solidFill>
+                <a:latin typeface="Times New Roman" panose="02020603050405020304" pitchFamily="18" charset="0"/>
+                <a:ea typeface="微软雅黑" panose="020B0503020204020204" pitchFamily="34" charset="-122"/>
+                <a:cs typeface="Times New Roman" panose="02020603050405020304" pitchFamily="18" charset="0"/>
+                <a:sym typeface="+mn-ea"/>
+              </a:rPr>
+              <a:t>小时后的轨道；</a:t>
+            </a:r>
+          </a:p>
+          <a:p>
+            <a:pPr fontAlgn="auto">
+              <a:lnSpc>
+                <a:spcPct val="150000"/>
+              </a:lnSpc>
+              <a:spcAft>
+                <a:spcPts val="0"/>
+              </a:spcAft>
+            </a:pPr>
+            <a:r>
+              <a:rPr lang="zh-CN" altLang="en-US" sz="2000" b="1" dirty="0">
+                <a:solidFill>
+                  <a:schemeClr val="tx1"/>
+                </a:solidFill>
+                <a:latin typeface="Times New Roman" panose="02020603050405020304" pitchFamily="18" charset="0"/>
+                <a:ea typeface="微软雅黑" panose="020B0503020204020204" pitchFamily="34" charset="-122"/>
+                <a:cs typeface="Times New Roman" panose="02020603050405020304" pitchFamily="18" charset="0"/>
+                <a:sym typeface="+mn-ea"/>
+              </a:rPr>
+              <a:t>（</a:t>
+            </a:r>
+            <a:r>
+              <a:rPr lang="en-US" altLang="zh-CN" sz="2000" b="1" dirty="0">
+                <a:solidFill>
+                  <a:schemeClr val="tx1"/>
+                </a:solidFill>
+                <a:latin typeface="Times New Roman" panose="02020603050405020304" pitchFamily="18" charset="0"/>
+                <a:ea typeface="微软雅黑" panose="020B0503020204020204" pitchFamily="34" charset="-122"/>
+                <a:cs typeface="Times New Roman" panose="02020603050405020304" pitchFamily="18" charset="0"/>
+                <a:sym typeface="+mn-ea"/>
+              </a:rPr>
+              <a:t>b</a:t>
+            </a:r>
+            <a:r>
+              <a:rPr lang="zh-CN" altLang="en-US" sz="2000" b="1" dirty="0">
+                <a:solidFill>
+                  <a:schemeClr val="tx1"/>
+                </a:solidFill>
+                <a:latin typeface="Times New Roman" panose="02020603050405020304" pitchFamily="18" charset="0"/>
+                <a:ea typeface="微软雅黑" panose="020B0503020204020204" pitchFamily="34" charset="-122"/>
+                <a:cs typeface="Times New Roman" panose="02020603050405020304" pitchFamily="18" charset="0"/>
+                <a:sym typeface="+mn-ea"/>
+              </a:rPr>
+              <a:t>）利用书中的 </a:t>
+            </a:r>
+            <a:r>
+              <a:rPr lang="en-US" altLang="zh-CN" sz="2000" b="1" i="1" dirty="0">
+                <a:solidFill>
+                  <a:schemeClr val="tx1"/>
+                </a:solidFill>
+                <a:latin typeface="Times New Roman" panose="02020603050405020304" pitchFamily="18" charset="0"/>
+                <a:ea typeface="微软雅黑" panose="020B0503020204020204" pitchFamily="34" charset="-122"/>
+                <a:cs typeface="Times New Roman" panose="02020603050405020304" pitchFamily="18" charset="0"/>
+                <a:sym typeface="+mn-ea"/>
+              </a:rPr>
+              <a:t>J</a:t>
+            </a:r>
+            <a:r>
+              <a:rPr lang="en-US" altLang="zh-CN" sz="2000" b="1" baseline="-25000" dirty="0">
+                <a:solidFill>
+                  <a:schemeClr val="tx1"/>
+                </a:solidFill>
+                <a:latin typeface="Times New Roman" panose="02020603050405020304" pitchFamily="18" charset="0"/>
+                <a:ea typeface="微软雅黑" panose="020B0503020204020204" pitchFamily="34" charset="-122"/>
+                <a:cs typeface="Times New Roman" panose="02020603050405020304" pitchFamily="18" charset="0"/>
+                <a:sym typeface="+mn-ea"/>
+              </a:rPr>
+              <a:t>2 </a:t>
+            </a:r>
+            <a:r>
+              <a:rPr lang="zh-CN" altLang="en-US" sz="2000" b="1" dirty="0">
+                <a:solidFill>
+                  <a:schemeClr val="tx1"/>
+                </a:solidFill>
+                <a:latin typeface="Times New Roman" panose="02020603050405020304" pitchFamily="18" charset="0"/>
+                <a:ea typeface="微软雅黑" panose="020B0503020204020204" pitchFamily="34" charset="-122"/>
+                <a:cs typeface="Times New Roman" panose="02020603050405020304" pitchFamily="18" charset="0"/>
+                <a:sym typeface="+mn-ea"/>
+              </a:rPr>
+              <a:t>项摄动分析公式，使用平均根数法预报</a:t>
+            </a:r>
+            <a:r>
+              <a:rPr lang="en-US" altLang="zh-CN" sz="2000" b="1" dirty="0">
+                <a:solidFill>
+                  <a:schemeClr val="tx1"/>
+                </a:solidFill>
+                <a:latin typeface="Times New Roman" panose="02020603050405020304" pitchFamily="18" charset="0"/>
+                <a:ea typeface="微软雅黑" panose="020B0503020204020204" pitchFamily="34" charset="-122"/>
+                <a:cs typeface="Times New Roman" panose="02020603050405020304" pitchFamily="18" charset="0"/>
+                <a:sym typeface="+mn-ea"/>
+              </a:rPr>
+              <a:t>24</a:t>
+            </a:r>
+            <a:r>
+              <a:rPr lang="zh-CN" altLang="en-US" sz="2000" b="1" dirty="0">
+                <a:solidFill>
+                  <a:schemeClr val="tx1"/>
+                </a:solidFill>
+                <a:latin typeface="Times New Roman" panose="02020603050405020304" pitchFamily="18" charset="0"/>
+                <a:ea typeface="微软雅黑" panose="020B0503020204020204" pitchFamily="34" charset="-122"/>
+                <a:cs typeface="Times New Roman" panose="02020603050405020304" pitchFamily="18" charset="0"/>
+                <a:sym typeface="+mn-ea"/>
+              </a:rPr>
+              <a:t>小时后卫星</a:t>
+            </a:r>
+            <a:r>
+              <a:rPr lang="en-US" altLang="zh-CN" sz="2000" b="1" dirty="0">
+                <a:solidFill>
+                  <a:schemeClr val="tx1"/>
+                </a:solidFill>
+                <a:latin typeface="Times New Roman" panose="02020603050405020304" pitchFamily="18" charset="0"/>
+                <a:ea typeface="微软雅黑" panose="020B0503020204020204" pitchFamily="34" charset="-122"/>
+                <a:cs typeface="Times New Roman" panose="02020603050405020304" pitchFamily="18" charset="0"/>
+                <a:sym typeface="+mn-ea"/>
+              </a:rPr>
+              <a:t>S</a:t>
+            </a:r>
+            <a:r>
+              <a:rPr lang="zh-CN" altLang="en-US" sz="2000" b="1" dirty="0">
+                <a:solidFill>
+                  <a:schemeClr val="tx1"/>
+                </a:solidFill>
+                <a:latin typeface="Times New Roman" panose="02020603050405020304" pitchFamily="18" charset="0"/>
+                <a:ea typeface="微软雅黑" panose="020B0503020204020204" pitchFamily="34" charset="-122"/>
+                <a:cs typeface="Times New Roman" panose="02020603050405020304" pitchFamily="18" charset="0"/>
+                <a:sym typeface="+mn-ea"/>
+              </a:rPr>
+              <a:t>的轨道；</a:t>
+            </a:r>
+            <a:endParaRPr lang="en-US" altLang="zh-CN" sz="2000" b="1" dirty="0">
+              <a:solidFill>
+                <a:schemeClr val="tx1"/>
+              </a:solidFill>
+              <a:latin typeface="Times New Roman" panose="02020603050405020304" pitchFamily="18" charset="0"/>
+              <a:ea typeface="微软雅黑" panose="020B0503020204020204" pitchFamily="34" charset="-122"/>
+              <a:cs typeface="Times New Roman" panose="02020603050405020304" pitchFamily="18" charset="0"/>
+              <a:sym typeface="+mn-ea"/>
+            </a:endParaRPr>
+          </a:p>
+          <a:p>
+            <a:pPr fontAlgn="auto">
+              <a:lnSpc>
+                <a:spcPct val="150000"/>
+              </a:lnSpc>
+              <a:spcAft>
+                <a:spcPts val="0"/>
+              </a:spcAft>
+            </a:pPr>
+            <a:r>
+              <a:rPr lang="zh-CN" altLang="en-US" sz="2000" b="1" dirty="0">
+                <a:solidFill>
+                  <a:schemeClr val="tx1"/>
+                </a:solidFill>
+                <a:latin typeface="Times New Roman" panose="02020603050405020304" pitchFamily="18" charset="0"/>
+                <a:ea typeface="微软雅黑" panose="020B0503020204020204" pitchFamily="34" charset="-122"/>
+                <a:cs typeface="Times New Roman" panose="02020603050405020304" pitchFamily="18" charset="0"/>
+                <a:sym typeface="+mn-ea"/>
+              </a:rPr>
+              <a:t>（</a:t>
+            </a:r>
+            <a:r>
+              <a:rPr lang="en-US" altLang="zh-CN" sz="2000" b="1" dirty="0">
+                <a:solidFill>
+                  <a:schemeClr val="tx1"/>
+                </a:solidFill>
+                <a:latin typeface="Times New Roman" panose="02020603050405020304" pitchFamily="18" charset="0"/>
+                <a:ea typeface="微软雅黑" panose="020B0503020204020204" pitchFamily="34" charset="-122"/>
+                <a:cs typeface="Times New Roman" panose="02020603050405020304" pitchFamily="18" charset="0"/>
+                <a:sym typeface="+mn-ea"/>
+              </a:rPr>
+              <a:t>c</a:t>
+            </a:r>
+            <a:r>
+              <a:rPr lang="zh-CN" altLang="en-US" sz="2000" b="1" dirty="0">
+                <a:solidFill>
+                  <a:schemeClr val="tx1"/>
+                </a:solidFill>
+                <a:latin typeface="Times New Roman" panose="02020603050405020304" pitchFamily="18" charset="0"/>
+                <a:ea typeface="微软雅黑" panose="020B0503020204020204" pitchFamily="34" charset="-122"/>
+                <a:cs typeface="Times New Roman" panose="02020603050405020304" pitchFamily="18" charset="0"/>
+                <a:sym typeface="+mn-ea"/>
+              </a:rPr>
+              <a:t>）从量级分析角度考虑，你觉得</a:t>
+            </a:r>
+            <a:r>
+              <a:rPr lang="zh-CN" altLang="en-US" sz="2000" b="1" dirty="0">
+                <a:latin typeface="Times New Roman" panose="02020603050405020304" pitchFamily="18" charset="0"/>
+                <a:ea typeface="微软雅黑" panose="020B0503020204020204" pitchFamily="34" charset="-122"/>
+                <a:cs typeface="Times New Roman" panose="02020603050405020304" pitchFamily="18" charset="0"/>
+                <a:sym typeface="+mn-ea"/>
+              </a:rPr>
+              <a:t>数值法（</a:t>
+            </a:r>
+            <a:r>
+              <a:rPr lang="en-US" altLang="zh-CN" sz="2000" b="1" dirty="0">
+                <a:latin typeface="Times New Roman" panose="02020603050405020304" pitchFamily="18" charset="0"/>
+                <a:ea typeface="微软雅黑" panose="020B0503020204020204" pitchFamily="34" charset="-122"/>
+                <a:cs typeface="Times New Roman" panose="02020603050405020304" pitchFamily="18" charset="0"/>
+                <a:sym typeface="+mn-ea"/>
+              </a:rPr>
+              <a:t>a</a:t>
+            </a:r>
+            <a:r>
+              <a:rPr lang="zh-CN" altLang="en-US" sz="2000" b="1" dirty="0">
+                <a:latin typeface="Times New Roman" panose="02020603050405020304" pitchFamily="18" charset="0"/>
+                <a:ea typeface="微软雅黑" panose="020B0503020204020204" pitchFamily="34" charset="-122"/>
+                <a:cs typeface="Times New Roman" panose="02020603050405020304" pitchFamily="18" charset="0"/>
+                <a:sym typeface="+mn-ea"/>
+              </a:rPr>
+              <a:t>）</a:t>
+            </a:r>
+            <a:r>
+              <a:rPr lang="zh-CN" altLang="en-US" sz="2000" b="1" dirty="0">
+                <a:solidFill>
+                  <a:schemeClr val="tx1"/>
+                </a:solidFill>
+                <a:latin typeface="Times New Roman" panose="02020603050405020304" pitchFamily="18" charset="0"/>
+                <a:ea typeface="微软雅黑" panose="020B0503020204020204" pitchFamily="34" charset="-122"/>
+                <a:cs typeface="Times New Roman" panose="02020603050405020304" pitchFamily="18" charset="0"/>
+                <a:sym typeface="+mn-ea"/>
+              </a:rPr>
+              <a:t>和分析法（</a:t>
+            </a:r>
+            <a:r>
+              <a:rPr lang="en-US" altLang="zh-CN" sz="2000" b="1" dirty="0">
+                <a:solidFill>
+                  <a:schemeClr val="tx1"/>
+                </a:solidFill>
+                <a:latin typeface="Times New Roman" panose="02020603050405020304" pitchFamily="18" charset="0"/>
+                <a:ea typeface="微软雅黑" panose="020B0503020204020204" pitchFamily="34" charset="-122"/>
+                <a:cs typeface="Times New Roman" panose="02020603050405020304" pitchFamily="18" charset="0"/>
+                <a:sym typeface="+mn-ea"/>
+              </a:rPr>
+              <a:t>b</a:t>
+            </a:r>
+            <a:r>
+              <a:rPr lang="zh-CN" altLang="en-US" sz="2000" b="1" dirty="0">
+                <a:solidFill>
+                  <a:schemeClr val="tx1"/>
+                </a:solidFill>
+                <a:latin typeface="Times New Roman" panose="02020603050405020304" pitchFamily="18" charset="0"/>
+                <a:ea typeface="微软雅黑" panose="020B0503020204020204" pitchFamily="34" charset="-122"/>
+                <a:cs typeface="Times New Roman" panose="02020603050405020304" pitchFamily="18" charset="0"/>
+                <a:sym typeface="+mn-ea"/>
+              </a:rPr>
+              <a:t>）得到</a:t>
+            </a:r>
+            <a:r>
+              <a:rPr lang="en-US" altLang="zh-CN" sz="2000" b="1" dirty="0">
+                <a:solidFill>
+                  <a:schemeClr val="tx1"/>
+                </a:solidFill>
+                <a:latin typeface="Times New Roman" panose="02020603050405020304" pitchFamily="18" charset="0"/>
+                <a:ea typeface="微软雅黑" panose="020B0503020204020204" pitchFamily="34" charset="-122"/>
+                <a:cs typeface="Times New Roman" panose="02020603050405020304" pitchFamily="18" charset="0"/>
+                <a:sym typeface="+mn-ea"/>
+              </a:rPr>
+              <a:t>24</a:t>
+            </a:r>
+            <a:r>
+              <a:rPr lang="zh-CN" altLang="en-US" sz="2000" b="1" dirty="0">
+                <a:solidFill>
+                  <a:schemeClr val="tx1"/>
+                </a:solidFill>
+                <a:latin typeface="Times New Roman" panose="02020603050405020304" pitchFamily="18" charset="0"/>
+                <a:ea typeface="微软雅黑" panose="020B0503020204020204" pitchFamily="34" charset="-122"/>
+                <a:cs typeface="Times New Roman" panose="02020603050405020304" pitchFamily="18" charset="0"/>
+                <a:sym typeface="+mn-ea"/>
+              </a:rPr>
+              <a:t>小时预报星历之差应该在什么量级？在上面的轨道预报中，改为每隔</a:t>
+            </a:r>
+            <a:r>
+              <a:rPr lang="en-US" altLang="zh-CN" sz="2000" b="1" dirty="0">
+                <a:solidFill>
+                  <a:schemeClr val="tx1"/>
+                </a:solidFill>
+                <a:latin typeface="Times New Roman" panose="02020603050405020304" pitchFamily="18" charset="0"/>
+                <a:ea typeface="微软雅黑" panose="020B0503020204020204" pitchFamily="34" charset="-122"/>
+                <a:cs typeface="Times New Roman" panose="02020603050405020304" pitchFamily="18" charset="0"/>
+                <a:sym typeface="+mn-ea"/>
+              </a:rPr>
+              <a:t>1</a:t>
+            </a:r>
+            <a:r>
+              <a:rPr lang="zh-CN" altLang="en-US" sz="2000" b="1" dirty="0">
+                <a:solidFill>
+                  <a:schemeClr val="tx1"/>
+                </a:solidFill>
+                <a:latin typeface="Times New Roman" panose="02020603050405020304" pitchFamily="18" charset="0"/>
+                <a:ea typeface="微软雅黑" panose="020B0503020204020204" pitchFamily="34" charset="-122"/>
+                <a:cs typeface="Times New Roman" panose="02020603050405020304" pitchFamily="18" charset="0"/>
+                <a:sym typeface="+mn-ea"/>
+              </a:rPr>
+              <a:t>分钟输出一次卫星轨道即可得到卫星</a:t>
+            </a:r>
+            <a:r>
+              <a:rPr lang="en-US" altLang="zh-CN" sz="2000" b="1" dirty="0">
+                <a:solidFill>
+                  <a:schemeClr val="tx1"/>
+                </a:solidFill>
+                <a:latin typeface="Times New Roman" panose="02020603050405020304" pitchFamily="18" charset="0"/>
+                <a:ea typeface="微软雅黑" panose="020B0503020204020204" pitchFamily="34" charset="-122"/>
+                <a:cs typeface="Times New Roman" panose="02020603050405020304" pitchFamily="18" charset="0"/>
+                <a:sym typeface="+mn-ea"/>
+              </a:rPr>
+              <a:t>S</a:t>
+            </a:r>
+            <a:r>
+              <a:rPr lang="zh-CN" altLang="en-US" sz="2000" b="1" dirty="0">
+                <a:solidFill>
+                  <a:schemeClr val="tx1"/>
+                </a:solidFill>
+                <a:latin typeface="Times New Roman" panose="02020603050405020304" pitchFamily="18" charset="0"/>
+                <a:ea typeface="微软雅黑" panose="020B0503020204020204" pitchFamily="34" charset="-122"/>
+                <a:cs typeface="Times New Roman" panose="02020603050405020304" pitchFamily="18" charset="0"/>
+                <a:sym typeface="+mn-ea"/>
+              </a:rPr>
+              <a:t>在</a:t>
+            </a:r>
+            <a:r>
+              <a:rPr lang="en-US" altLang="zh-CN" sz="2000" b="1" dirty="0">
+                <a:solidFill>
+                  <a:schemeClr val="tx1"/>
+                </a:solidFill>
+                <a:latin typeface="Times New Roman" panose="02020603050405020304" pitchFamily="18" charset="0"/>
+                <a:ea typeface="微软雅黑" panose="020B0503020204020204" pitchFamily="34" charset="-122"/>
+                <a:cs typeface="Times New Roman" panose="02020603050405020304" pitchFamily="18" charset="0"/>
+                <a:sym typeface="+mn-ea"/>
+              </a:rPr>
+              <a:t>24</a:t>
+            </a:r>
+            <a:r>
+              <a:rPr lang="zh-CN" altLang="en-US" sz="2000" b="1" dirty="0">
+                <a:solidFill>
+                  <a:schemeClr val="tx1"/>
+                </a:solidFill>
+                <a:latin typeface="Times New Roman" panose="02020603050405020304" pitchFamily="18" charset="0"/>
+                <a:ea typeface="微软雅黑" panose="020B0503020204020204" pitchFamily="34" charset="-122"/>
+                <a:cs typeface="Times New Roman" panose="02020603050405020304" pitchFamily="18" charset="0"/>
+                <a:sym typeface="+mn-ea"/>
+              </a:rPr>
+              <a:t>小时内的受摄星历，试比较你实际获得的受摄星历整体差异与你的量级分析结果是否一致；</a:t>
+            </a:r>
+          </a:p>
+          <a:p>
+            <a:pPr fontAlgn="auto">
+              <a:lnSpc>
+                <a:spcPct val="150000"/>
+              </a:lnSpc>
+              <a:spcAft>
+                <a:spcPts val="0"/>
+              </a:spcAft>
+            </a:pPr>
+            <a:r>
+              <a:rPr lang="zh-CN" altLang="en-US" sz="2000" b="1" dirty="0">
+                <a:solidFill>
+                  <a:schemeClr val="tx1"/>
+                </a:solidFill>
+                <a:latin typeface="Times New Roman" panose="02020603050405020304" pitchFamily="18" charset="0"/>
+                <a:ea typeface="微软雅黑" panose="020B0503020204020204" pitchFamily="34" charset="-122"/>
+                <a:cs typeface="Times New Roman" panose="02020603050405020304" pitchFamily="18" charset="0"/>
+                <a:sym typeface="+mn-ea"/>
+              </a:rPr>
+              <a:t>（</a:t>
+            </a:r>
+            <a:r>
+              <a:rPr lang="en-US" altLang="zh-CN" sz="2000" b="1" dirty="0">
+                <a:solidFill>
+                  <a:schemeClr val="tx1"/>
+                </a:solidFill>
+                <a:latin typeface="Times New Roman" panose="02020603050405020304" pitchFamily="18" charset="0"/>
+                <a:ea typeface="微软雅黑" panose="020B0503020204020204" pitchFamily="34" charset="-122"/>
+                <a:cs typeface="Times New Roman" panose="02020603050405020304" pitchFamily="18" charset="0"/>
+                <a:sym typeface="+mn-ea"/>
+              </a:rPr>
+              <a:t>d</a:t>
+            </a:r>
+            <a:r>
+              <a:rPr lang="zh-CN" altLang="en-US" sz="2000" b="1" dirty="0">
+                <a:solidFill>
+                  <a:schemeClr val="tx1"/>
+                </a:solidFill>
+                <a:latin typeface="Times New Roman" panose="02020603050405020304" pitchFamily="18" charset="0"/>
+                <a:ea typeface="微软雅黑" panose="020B0503020204020204" pitchFamily="34" charset="-122"/>
+                <a:cs typeface="Times New Roman" panose="02020603050405020304" pitchFamily="18" charset="0"/>
+                <a:sym typeface="+mn-ea"/>
+              </a:rPr>
+              <a:t>）试试将题中的偏心率 </a:t>
+            </a:r>
+            <a:r>
+              <a:rPr lang="en-US" altLang="zh-CN" sz="2000" b="1" i="1" dirty="0">
+                <a:solidFill>
+                  <a:schemeClr val="tx1"/>
+                </a:solidFill>
+                <a:latin typeface="Times New Roman" panose="02020603050405020304" pitchFamily="18" charset="0"/>
+                <a:ea typeface="微软雅黑" panose="020B0503020204020204" pitchFamily="34" charset="-122"/>
+                <a:cs typeface="Times New Roman" panose="02020603050405020304" pitchFamily="18" charset="0"/>
+                <a:sym typeface="+mn-ea"/>
+              </a:rPr>
+              <a:t>e </a:t>
+            </a:r>
+            <a:r>
+              <a:rPr lang="zh-CN" altLang="en-US" sz="2000" b="1" dirty="0">
+                <a:solidFill>
+                  <a:schemeClr val="tx1"/>
+                </a:solidFill>
+                <a:latin typeface="Times New Roman" panose="02020603050405020304" pitchFamily="18" charset="0"/>
+                <a:ea typeface="微软雅黑" panose="020B0503020204020204" pitchFamily="34" charset="-122"/>
+                <a:cs typeface="Times New Roman" panose="02020603050405020304" pitchFamily="18" charset="0"/>
+                <a:sym typeface="+mn-ea"/>
+              </a:rPr>
+              <a:t>改为</a:t>
+            </a:r>
+            <a:r>
+              <a:rPr lang="en-US" altLang="zh-CN" sz="2000" b="1" dirty="0">
+                <a:solidFill>
+                  <a:schemeClr val="tx1"/>
+                </a:solidFill>
+                <a:latin typeface="Times New Roman" panose="02020603050405020304" pitchFamily="18" charset="0"/>
+                <a:ea typeface="微软雅黑" panose="020B0503020204020204" pitchFamily="34" charset="-122"/>
+                <a:cs typeface="Times New Roman" panose="02020603050405020304" pitchFamily="18" charset="0"/>
+                <a:sym typeface="+mn-ea"/>
+              </a:rPr>
+              <a:t>0</a:t>
+            </a:r>
+            <a:r>
+              <a:rPr lang="zh-CN" altLang="en-US" sz="2000" b="1" dirty="0">
+                <a:solidFill>
+                  <a:schemeClr val="tx1"/>
+                </a:solidFill>
+                <a:latin typeface="Times New Roman" panose="02020603050405020304" pitchFamily="18" charset="0"/>
+                <a:ea typeface="微软雅黑" panose="020B0503020204020204" pitchFamily="34" charset="-122"/>
+                <a:cs typeface="Times New Roman" panose="02020603050405020304" pitchFamily="18" charset="0"/>
+                <a:sym typeface="+mn-ea"/>
+              </a:rPr>
+              <a:t>，重新比较数值方法和分析方法的计算结果。</a:t>
+            </a:r>
+            <a:endParaRPr lang="en-US" altLang="zh-CN" sz="2000" b="1" dirty="0">
+              <a:solidFill>
+                <a:schemeClr val="tx1"/>
+              </a:solidFill>
+              <a:latin typeface="Times New Roman" panose="02020603050405020304" pitchFamily="18" charset="0"/>
+              <a:ea typeface="微软雅黑" panose="020B0503020204020204" pitchFamily="34" charset="-122"/>
+              <a:cs typeface="Times New Roman" panose="02020603050405020304" pitchFamily="18" charset="0"/>
+              <a:sym typeface="+mn-ea"/>
+            </a:endParaRPr>
+          </a:p>
+        </p:txBody>
+      </p:sp>
+      <p:sp>
+        <p:nvSpPr>
+          <p:cNvPr id="5" name="灯片编号占位符 4"/>
+          <p:cNvSpPr>
+            <a:spLocks noGrp="1"/>
+          </p:cNvSpPr>
+          <p:nvPr>
+            <p:ph type="sldNum" sz="quarter" idx="4"/>
+          </p:nvPr>
+        </p:nvSpPr>
+        <p:spPr/>
+        <p:txBody>
+          <a:bodyPr/>
+          <a:lstStyle/>
+          <a:p>
+            <a:fld id="{5F1D8F20-F945-584B-B149-8CCFBEFE168A}" type="slidenum">
+              <a:rPr kumimoji="1" lang="zh-CN" altLang="en-US" smtClean="0"/>
+              <a:t>24</a:t>
+            </a:fld>
+            <a:endParaRPr kumimoji="1" lang="zh-CN" altLang="en-US"/>
+          </a:p>
+        </p:txBody>
+      </p:sp>
+      <p:sp>
+        <p:nvSpPr>
+          <p:cNvPr id="26" name="标题 1"/>
+          <p:cNvSpPr txBox="1"/>
+          <p:nvPr/>
+        </p:nvSpPr>
+        <p:spPr>
+          <a:xfrm>
+            <a:off x="0" y="0"/>
+            <a:ext cx="12187555" cy="711200"/>
+          </a:xfrm>
+          <a:prstGeom prst="rect">
+            <a:avLst/>
+          </a:prstGeom>
+          <a:noFill/>
+        </p:spPr>
+        <p:txBody>
+          <a:bodyPr vert="horz" lIns="91440" tIns="45720" rIns="91440" bIns="45720" rtlCol="0" anchor="ctr"/>
+          <a:lstStyle/>
+          <a:p>
+            <a:pPr marL="0" marR="0" lvl="0" indent="0" algn="ctr" defTabSz="914400" rtl="0" eaLnBrk="1" fontAlgn="base" latinLnBrk="0" hangingPunct="1">
+              <a:lnSpc>
+                <a:spcPct val="100000"/>
+              </a:lnSpc>
+              <a:spcBef>
+                <a:spcPct val="0"/>
+              </a:spcBef>
+              <a:spcAft>
+                <a:spcPct val="0"/>
+              </a:spcAft>
+              <a:buClrTx/>
+              <a:buSzTx/>
+              <a:buFontTx/>
+              <a:buNone/>
+              <a:defRPr/>
+            </a:pPr>
+            <a:r>
+              <a:rPr kumimoji="0" lang="zh-CN" altLang="en-US" sz="3200" b="1" i="0" u="none" strike="noStrike" kern="1200" cap="none" spc="0" normalizeH="0" baseline="0" noProof="0">
+                <a:ln>
+                  <a:noFill/>
+                </a:ln>
+                <a:solidFill>
+                  <a:schemeClr val="bg1"/>
+                </a:solidFill>
+                <a:effectLst/>
+                <a:uLnTx/>
+                <a:uFillTx/>
+                <a:latin typeface="微软雅黑" panose="020B0503020204020204" pitchFamily="34" charset="-122"/>
+                <a:ea typeface="微软雅黑" panose="020B0503020204020204" pitchFamily="34" charset="-122"/>
+                <a:cs typeface="+mj-cs"/>
+              </a:rPr>
+              <a:t>实习作业五</a:t>
+            </a:r>
+            <a:endParaRPr kumimoji="0" lang="zh-CN" altLang="en-US" sz="3200" b="1" i="0" u="none" strike="noStrike" kern="1200" cap="none" spc="0" normalizeH="0" baseline="0" noProof="0" dirty="0">
+              <a:ln>
+                <a:noFill/>
+              </a:ln>
+              <a:solidFill>
+                <a:schemeClr val="bg1"/>
+              </a:solidFill>
+              <a:effectLst/>
+              <a:uLnTx/>
+              <a:uFillTx/>
+              <a:latin typeface="微软雅黑" panose="020B0503020204020204" pitchFamily="34" charset="-122"/>
+              <a:ea typeface="微软雅黑" panose="020B0503020204020204" pitchFamily="34" charset="-122"/>
+              <a:cs typeface="+mj-cs"/>
+            </a:endParaRPr>
+          </a:p>
+        </p:txBody>
+      </p:sp>
+      <p:sp>
+        <p:nvSpPr>
+          <p:cNvPr id="2" name="矩形 1">
+            <a:extLst>
+              <a:ext uri="{FF2B5EF4-FFF2-40B4-BE49-F238E27FC236}">
+                <a16:creationId xmlns:a16="http://schemas.microsoft.com/office/drawing/2014/main" id="{EB5AE7FE-CD56-3CA3-945E-8CCB423D4C45}"/>
+              </a:ext>
+            </a:extLst>
+          </p:cNvPr>
+          <p:cNvSpPr/>
+          <p:nvPr/>
+        </p:nvSpPr>
+        <p:spPr>
+          <a:xfrm>
+            <a:off x="9078168" y="3114746"/>
+            <a:ext cx="2430745" cy="418191"/>
+          </a:xfrm>
+          <a:prstGeom prst="rect">
+            <a:avLst/>
+          </a:prstGeom>
+        </p:spPr>
+        <p:txBody>
+          <a:bodyPr wrap="square">
+            <a:spAutoFit/>
+          </a:bodyPr>
+          <a:lstStyle/>
+          <a:p>
+            <a:pPr algn="ctr" fontAlgn="auto">
+              <a:lnSpc>
+                <a:spcPct val="150000"/>
+              </a:lnSpc>
+              <a:spcAft>
+                <a:spcPts val="0"/>
+              </a:spcAft>
+            </a:pPr>
+            <a:r>
+              <a:rPr lang="en-US" altLang="zh-CN" sz="1600" b="1" dirty="0">
+                <a:solidFill>
+                  <a:srgbClr val="0000FF"/>
+                </a:solidFill>
+                <a:latin typeface="微软雅黑" panose="020B0503020204020204" pitchFamily="34" charset="-122"/>
+                <a:ea typeface="微软雅黑" panose="020B0503020204020204" pitchFamily="34" charset="-122"/>
+              </a:rPr>
+              <a:t>(</a:t>
+            </a:r>
+            <a:r>
+              <a:rPr lang="zh-CN" altLang="en-US" sz="1600" b="1" dirty="0">
+                <a:solidFill>
+                  <a:srgbClr val="0000FF"/>
+                </a:solidFill>
+                <a:latin typeface="微软雅黑" panose="020B0503020204020204" pitchFamily="34" charset="-122"/>
+                <a:ea typeface="微软雅黑" panose="020B0503020204020204" pitchFamily="34" charset="-122"/>
+              </a:rPr>
+              <a:t>第</a:t>
+            </a:r>
+            <a:r>
+              <a:rPr lang="en-US" altLang="zh-CN" sz="1600" b="1" dirty="0">
+                <a:solidFill>
+                  <a:srgbClr val="0000FF"/>
+                </a:solidFill>
+                <a:latin typeface="微软雅黑" panose="020B0503020204020204" pitchFamily="34" charset="-122"/>
+                <a:ea typeface="微软雅黑" panose="020B0503020204020204" pitchFamily="34" charset="-122"/>
+              </a:rPr>
+              <a:t>9</a:t>
+            </a:r>
+            <a:r>
+              <a:rPr lang="zh-CN" altLang="en-US" sz="1600" b="1" dirty="0">
+                <a:solidFill>
+                  <a:srgbClr val="0000FF"/>
+                </a:solidFill>
+                <a:latin typeface="微软雅黑" panose="020B0503020204020204" pitchFamily="34" charset="-122"/>
+                <a:ea typeface="微软雅黑" panose="020B0503020204020204" pitchFamily="34" charset="-122"/>
+              </a:rPr>
+              <a:t>节课后</a:t>
+            </a:r>
+            <a:r>
+              <a:rPr lang="en-US" altLang="zh-CN" sz="1600" b="1" dirty="0">
+                <a:solidFill>
+                  <a:srgbClr val="0000FF"/>
+                </a:solidFill>
+                <a:latin typeface="微软雅黑" panose="020B0503020204020204" pitchFamily="34" charset="-122"/>
+                <a:ea typeface="微软雅黑" panose="020B0503020204020204" pitchFamily="34" charset="-122"/>
+              </a:rPr>
+              <a:t>)</a:t>
+            </a:r>
+            <a:endParaRPr lang="zh-CN" sz="1600" b="1" dirty="0">
+              <a:solidFill>
+                <a:srgbClr val="0000FF"/>
+              </a:solidFill>
+              <a:latin typeface="微软雅黑" panose="020B0503020204020204" pitchFamily="34" charset="-122"/>
+              <a:ea typeface="微软雅黑" panose="020B0503020204020204" pitchFamily="34" charset="-122"/>
+            </a:endParaRPr>
+          </a:p>
+        </p:txBody>
+      </p:sp>
+    </p:spTree>
+    <p:extLst>
+      <p:ext uri="{BB962C8B-B14F-4D97-AF65-F5344CB8AC3E}">
+        <p14:creationId xmlns:p14="http://schemas.microsoft.com/office/powerpoint/2010/main" val="510359283"/>
+      </p:ext>
+    </p:extLst>
+  </p:cSld>
+  <p:clrMapOvr>
+    <a:masterClrMapping/>
+  </p:clrMapOvr>
+  <mc:AlternateContent xmlns:mc="http://schemas.openxmlformats.org/markup-compatibility/2006" xmlns:p159="http://schemas.microsoft.com/office/powerpoint/2015/09/main">
+    <mc:Choice Requires="p159">
+      <p:transition spd="slow">
+        <p159:morph option="byObject"/>
+      </p:transition>
+    </mc:Choice>
+    <mc:Fallback xmlns="">
+      <p:transition spd="slow">
+        <p:fade/>
+      </p:transition>
+    </mc:Fallback>
+  </mc:AlternateContent>
+</p:sld>
+</file>
+
 <file path=ppt/slides/slide3.xml><?xml version="1.0" encoding="utf-8"?>
 <p:sld xmlns:a="http://schemas.openxmlformats.org/drawingml/2006/main" xmlns:r="http://schemas.openxmlformats.org/officeDocument/2006/relationships" xmlns:p="http://schemas.openxmlformats.org/presentationml/2006/main">
   <p:cSld>
@@ -21491,7 +22710,7 @@
         <p:spPr>
           <a:xfrm>
             <a:off x="407987" y="1052513"/>
-            <a:ext cx="11376025" cy="4579202"/>
+            <a:ext cx="11376025" cy="5186869"/>
           </a:xfrm>
           <a:prstGeom prst="rect">
             <a:avLst/>
@@ -21503,14 +22722,28 @@
           </a:bodyPr>
           <a:lstStyle/>
           <a:p>
-            <a:pPr marL="342900" indent="-342900">
+            <a:pPr marL="342900" indent="-342900" fontAlgn="auto">
               <a:lnSpc>
                 <a:spcPct val="150000"/>
               </a:lnSpc>
+              <a:spcAft>
+                <a:spcPts val="0"/>
+              </a:spcAft>
               <a:buFont typeface="Arial" panose="020B0604020202020204" pitchFamily="34" charset="0"/>
               <a:buChar char="•"/>
             </a:pPr>
             <a:r>
+              <a:rPr lang="zh-CN" altLang="en-US" sz="2800" b="1" dirty="0">
+                <a:solidFill>
+                  <a:schemeClr val="tx1"/>
+                </a:solidFill>
+                <a:latin typeface="微软雅黑" panose="020B0503020204020204" pitchFamily="34" charset="-122"/>
+                <a:ea typeface="微软雅黑" panose="020B0503020204020204" pitchFamily="34" charset="-122"/>
+                <a:sym typeface="+mn-ea"/>
+              </a:rPr>
+              <a:t>回顾第</a:t>
+            </a:r>
+            <a:r>
               <a:rPr lang="en-US" altLang="zh-CN" sz="2800" b="1" dirty="0">
                 <a:solidFill>
                   <a:schemeClr val="tx1"/>
@@ -21519,7 +22752,7 @@
                 <a:ea typeface="微软雅黑" panose="020B0503020204020204" pitchFamily="34" charset="-122"/>
                 <a:sym typeface="+mn-ea"/>
               </a:rPr>
-              <a:t>Gauss</a:t>
+              <a:t>5~6</a:t>
             </a:r>
             <a:r>
               <a:rPr lang="zh-CN" altLang="en-US" sz="2800" b="1" dirty="0">
@@ -21530,8 +22763,16 @@
                 <a:ea typeface="微软雅黑" panose="020B0503020204020204" pitchFamily="34" charset="-122"/>
                 <a:sym typeface="+mn-ea"/>
               </a:rPr>
-              <a:t>型</a:t>
-            </a:r>
+              <a:t>节课关于数值积分：</a:t>
+            </a:r>
+            <a:endParaRPr lang="en-US" altLang="zh-CN" sz="2800" b="1" dirty="0">
+              <a:solidFill>
+                <a:schemeClr val="tx1"/>
+              </a:solidFill>
+              <a:latin typeface="微软雅黑" panose="020B0503020204020204" pitchFamily="34" charset="-122"/>
+              <a:ea typeface="微软雅黑" panose="020B0503020204020204" pitchFamily="34" charset="-122"/>
+              <a:sym typeface="+mn-ea"/>
+            </a:endParaRPr>
           </a:p>
           <a:p>
             <a:pPr marL="800100" lvl="1" indent="-342900">
@@ -21541,6 +22782,17 @@
               <a:buFont typeface="Arial" panose="020B0604020202020204" pitchFamily="34" charset="0"/>
               <a:buChar char="•"/>
             </a:pPr>
+            <a:r>
+              <a:rPr lang="zh-CN" altLang="en-US" sz="2400" b="1" dirty="0">
+                <a:solidFill>
+                  <a:schemeClr val="tx1"/>
+                </a:solidFill>
+                <a:latin typeface="微软雅黑" panose="020B0503020204020204" pitchFamily="34" charset="-122"/>
+                <a:ea typeface="微软雅黑" panose="020B0503020204020204" pitchFamily="34" charset="-122"/>
+                <a:sym typeface="+mn-ea"/>
+              </a:rPr>
+              <a:t>位置速度</a:t>
+            </a:r>
             <a:endParaRPr lang="en-US" altLang="zh-CN" sz="2400" b="1" dirty="0">
               <a:latin typeface="微软雅黑" panose="020B0503020204020204" pitchFamily="34" charset="-122"/>
               <a:ea typeface="微软雅黑" panose="020B0503020204020204" pitchFamily="34" charset="-122"/>
@@ -21573,6 +22825,9 @@
               <a:buChar char="•"/>
             </a:pPr>
             <a:endParaRPr lang="en-US" altLang="zh-CN" sz="2400" b="1" dirty="0">
+              <a:solidFill>
+                <a:schemeClr val="tx1"/>
+              </a:solidFill>
               <a:latin typeface="微软雅黑" panose="020B0503020204020204" pitchFamily="34" charset="-122"/>
               <a:ea typeface="微软雅黑" panose="020B0503020204020204" pitchFamily="34" charset="-122"/>
               <a:sym typeface="+mn-ea"/>
@@ -21595,7 +22850,7 @@
                 <a:ea typeface="微软雅黑" panose="020B0503020204020204" pitchFamily="34" charset="-122"/>
                 <a:sym typeface="+mn-ea"/>
               </a:rPr>
-              <a:t>：</a:t>
+              <a:t>相对位置速度</a:t>
             </a:r>
             <a:endParaRPr lang="en-US" altLang="zh-CN" sz="2400" b="1" dirty="0">
               <a:solidFill>
@@ -21607,164 +22862,75 @@
             </a:endParaRPr>
           </a:p>
           <a:p>
-            <a:pPr marL="1257300" lvl="2" indent="-342900">
+            <a:pPr marL="800100" lvl="1" indent="-342900">
               <a:lnSpc>
-                <a:spcPct val="130000"/>
+                <a:spcPct val="150000"/>
               </a:lnSpc>
               <a:buFont typeface="Arial" panose="020B0604020202020204" pitchFamily="34" charset="0"/>
               <a:buChar char="•"/>
             </a:pPr>
-            <a:r>
-              <a:rPr lang="en-US" altLang="zh-CN" sz="2800" b="1" i="1" dirty="0">
-                <a:latin typeface="Times New Roman" panose="02020603050405020304" pitchFamily="18" charset="0"/>
-                <a:ea typeface="微软雅黑" panose="020B0503020204020204" pitchFamily="34" charset="-122"/>
-                <a:cs typeface="Times New Roman" panose="02020603050405020304" pitchFamily="18" charset="0"/>
-                <a:sym typeface="+mn-ea"/>
-              </a:rPr>
-              <a:t>S</a:t>
-            </a:r>
-            <a:r>
-              <a:rPr lang="en-US" altLang="zh-CN" sz="2800" b="1" dirty="0">
-                <a:latin typeface="Times New Roman" panose="02020603050405020304" pitchFamily="18" charset="0"/>
-                <a:ea typeface="微软雅黑" panose="020B0503020204020204" pitchFamily="34" charset="-122"/>
-                <a:cs typeface="Times New Roman" panose="02020603050405020304" pitchFamily="18" charset="0"/>
-                <a:sym typeface="+mn-ea"/>
-              </a:rPr>
-              <a:t> </a:t>
-            </a:r>
-            <a:r>
-              <a:rPr lang="zh-CN" altLang="en-US" sz="2400" b="1" dirty="0">
-                <a:latin typeface="Times New Roman" panose="02020603050405020304" pitchFamily="18" charset="0"/>
-                <a:ea typeface="微软雅黑" panose="020B0503020204020204" pitchFamily="34" charset="-122"/>
-                <a:cs typeface="Times New Roman" panose="02020603050405020304" pitchFamily="18" charset="0"/>
-                <a:sym typeface="+mn-ea"/>
-              </a:rPr>
-              <a:t>径向</a:t>
-            </a:r>
-            <a:endParaRPr lang="en-US" altLang="zh-CN" sz="2800" b="1" dirty="0">
-              <a:latin typeface="Times New Roman" panose="02020603050405020304" pitchFamily="18" charset="0"/>
+            <a:endParaRPr lang="en-US" altLang="zh-CN" sz="2400" b="1" dirty="0">
+              <a:latin typeface="微软雅黑" panose="020B0503020204020204" pitchFamily="34" charset="-122"/>
               <a:ea typeface="微软雅黑" panose="020B0503020204020204" pitchFamily="34" charset="-122"/>
-              <a:cs typeface="Times New Roman" panose="02020603050405020304" pitchFamily="18" charset="0"/>
               <a:sym typeface="+mn-ea"/>
             </a:endParaRPr>
           </a:p>
           <a:p>
-            <a:pPr marL="1257300" lvl="2" indent="-342900">
+            <a:pPr marL="800100" lvl="1" indent="-342900">
               <a:lnSpc>
-                <a:spcPct val="130000"/>
+                <a:spcPct val="150000"/>
               </a:lnSpc>
               <a:buFont typeface="Arial" panose="020B0604020202020204" pitchFamily="34" charset="0"/>
               <a:buChar char="•"/>
             </a:pPr>
-            <a:r>
-              <a:rPr lang="en-US" altLang="zh-CN" sz="2800" b="1" i="1" dirty="0">
-                <a:solidFill>
-                  <a:schemeClr val="tx1"/>
-                </a:solidFill>
-                <a:latin typeface="Times New Roman" panose="02020603050405020304" pitchFamily="18" charset="0"/>
-                <a:ea typeface="微软雅黑" panose="020B0503020204020204" pitchFamily="34" charset="-122"/>
-                <a:cs typeface="Times New Roman" panose="02020603050405020304" pitchFamily="18" charset="0"/>
-                <a:sym typeface="+mn-ea"/>
-              </a:rPr>
-              <a:t>T</a:t>
-            </a:r>
-            <a:r>
-              <a:rPr lang="en-US" altLang="zh-CN" sz="2800" b="1" dirty="0">
-                <a:solidFill>
-                  <a:schemeClr val="tx1"/>
-                </a:solidFill>
-                <a:latin typeface="Times New Roman" panose="02020603050405020304" pitchFamily="18" charset="0"/>
-                <a:ea typeface="微软雅黑" panose="020B0503020204020204" pitchFamily="34" charset="-122"/>
-                <a:cs typeface="Times New Roman" panose="02020603050405020304" pitchFamily="18" charset="0"/>
-                <a:sym typeface="+mn-ea"/>
-              </a:rPr>
-              <a:t> </a:t>
-            </a:r>
-            <a:r>
-              <a:rPr lang="zh-CN" altLang="en-US" sz="2400" b="1" dirty="0">
-                <a:solidFill>
-                  <a:schemeClr val="tx1"/>
-                </a:solidFill>
-                <a:latin typeface="Times New Roman" panose="02020603050405020304" pitchFamily="18" charset="0"/>
-                <a:ea typeface="微软雅黑" panose="020B0503020204020204" pitchFamily="34" charset="-122"/>
-                <a:cs typeface="Times New Roman" panose="02020603050405020304" pitchFamily="18" charset="0"/>
-                <a:sym typeface="+mn-ea"/>
-              </a:rPr>
-              <a:t>横向 </a:t>
-            </a:r>
-            <a:r>
-              <a:rPr lang="en-GB" altLang="zh-CN" sz="2400" b="1" dirty="0">
-                <a:solidFill>
-                  <a:schemeClr val="tx1"/>
-                </a:solidFill>
-                <a:latin typeface="Times New Roman" panose="02020603050405020304" pitchFamily="18" charset="0"/>
-                <a:ea typeface="微软雅黑" panose="020B0503020204020204" pitchFamily="34" charset="-122"/>
-                <a:cs typeface="Times New Roman" panose="02020603050405020304" pitchFamily="18" charset="0"/>
-                <a:sym typeface="+mn-ea"/>
-              </a:rPr>
-              <a:t>Transverse</a:t>
-            </a:r>
-            <a:endParaRPr lang="zh-CN" altLang="en-US" sz="2800" b="1" dirty="0">
-              <a:solidFill>
-                <a:schemeClr val="tx1"/>
-              </a:solidFill>
-              <a:latin typeface="Times New Roman" panose="02020603050405020304" pitchFamily="18" charset="0"/>
+            <a:endParaRPr lang="en-US" altLang="zh-CN" sz="2400" b="1" dirty="0">
+              <a:latin typeface="微软雅黑" panose="020B0503020204020204" pitchFamily="34" charset="-122"/>
               <a:ea typeface="微软雅黑" panose="020B0503020204020204" pitchFamily="34" charset="-122"/>
-              <a:cs typeface="Times New Roman" panose="02020603050405020304" pitchFamily="18" charset="0"/>
               <a:sym typeface="+mn-ea"/>
             </a:endParaRPr>
           </a:p>
           <a:p>
-            <a:pPr marL="1257300" lvl="2" indent="-342900">
+            <a:pPr marL="800100" lvl="1" indent="-342900">
               <a:lnSpc>
-                <a:spcPct val="130000"/>
+                <a:spcPct val="150000"/>
               </a:lnSpc>
               <a:buFont typeface="Arial" panose="020B0604020202020204" pitchFamily="34" charset="0"/>
               <a:buChar char="•"/>
             </a:pPr>
             <a:r>
-              <a:rPr lang="en-US" altLang="zh-CN" sz="2800" b="1" i="1" dirty="0">
+              <a:rPr lang="zh-CN" altLang="en-US" sz="2400" b="1" dirty="0">
                 <a:solidFill>
                   <a:schemeClr val="tx1"/>
                 </a:solidFill>
-                <a:latin typeface="Times New Roman" panose="02020603050405020304" pitchFamily="18" charset="0"/>
-                <a:ea typeface="微软雅黑" panose="020B0503020204020204" pitchFamily="34" charset="-122"/>
-                <a:cs typeface="Times New Roman" panose="02020603050405020304" pitchFamily="18" charset="0"/>
-                <a:sym typeface="+mn-ea"/>
-              </a:rPr>
-              <a:t>W</a:t>
-            </a:r>
-            <a:r>
-              <a:rPr lang="en-US" altLang="zh-CN" sz="2800" b="1" dirty="0">
-                <a:solidFill>
-                  <a:schemeClr val="tx1"/>
-                </a:solidFill>
-                <a:latin typeface="Times New Roman" panose="02020603050405020304" pitchFamily="18" charset="0"/>
-                <a:ea typeface="微软雅黑" panose="020B0503020204020204" pitchFamily="34" charset="-122"/>
-                <a:cs typeface="Times New Roman" panose="02020603050405020304" pitchFamily="18" charset="0"/>
-                <a:sym typeface="+mn-ea"/>
-              </a:rPr>
-              <a:t> </a:t>
-            </a:r>
-            <a:r>
-              <a:rPr lang="zh-CN" altLang="en-US" sz="2400" b="1" dirty="0">
-                <a:solidFill>
-                  <a:schemeClr val="tx1"/>
-                </a:solidFill>
-                <a:latin typeface="Times New Roman" panose="02020603050405020304" pitchFamily="18" charset="0"/>
-                <a:ea typeface="微软雅黑" panose="020B0503020204020204" pitchFamily="34" charset="-122"/>
-                <a:cs typeface="Times New Roman" panose="02020603050405020304" pitchFamily="18" charset="0"/>
-                <a:sym typeface="+mn-ea"/>
-              </a:rPr>
-              <a:t>轨道面法向（次）</a:t>
-            </a:r>
+                <a:latin typeface="微软雅黑" panose="020B0503020204020204" pitchFamily="34" charset="-122"/>
+                <a:ea typeface="微软雅黑" panose="020B0503020204020204" pitchFamily="34" charset="-122"/>
+                <a:sym typeface="+mn-ea"/>
+              </a:rPr>
+              <a:t>轨道根数（摄动运动方程）</a:t>
+            </a:r>
+            <a:endParaRPr lang="en-US" altLang="zh-CN" sz="2400" b="1" dirty="0">
+              <a:solidFill>
+                <a:schemeClr val="tx1"/>
+              </a:solidFill>
+              <a:latin typeface="微软雅黑" panose="020B0503020204020204" pitchFamily="34" charset="-122"/>
+              <a:ea typeface="微软雅黑" panose="020B0503020204020204" pitchFamily="34" charset="-122"/>
+              <a:sym typeface="+mn-ea"/>
+            </a:endParaRPr>
+          </a:p>
+          <a:p>
+            <a:pPr marL="800100" lvl="1" indent="-342900">
+              <a:lnSpc>
+                <a:spcPct val="150000"/>
+              </a:lnSpc>
+              <a:buFont typeface="Arial" panose="020B0604020202020204" pitchFamily="34" charset="0"/>
+              <a:buChar char="•"/>
+            </a:pPr>
             <a:endParaRPr lang="en-US" altLang="zh-CN" sz="2800" b="1" dirty="0">
               <a:solidFill>
                 <a:schemeClr val="tx1"/>
               </a:solidFill>
-              <a:latin typeface="Times New Roman" panose="02020603050405020304" pitchFamily="18" charset="0"/>
+              <a:latin typeface="微软雅黑" panose="020B0503020204020204" pitchFamily="34" charset="-122"/>
               <a:ea typeface="微软雅黑" panose="020B0503020204020204" pitchFamily="34" charset="-122"/>
-              <a:cs typeface="Times New Roman" panose="02020603050405020304" pitchFamily="18" charset="0"/>
               <a:sym typeface="+mn-ea"/>
             </a:endParaRPr>
           </a:p>
@@ -21849,12 +23015,75 @@
           </a:p>
         </p:txBody>
       </p:sp>
+      <p:graphicFrame>
+        <p:nvGraphicFramePr>
+          <p:cNvPr id="2" name="对象 1">
+            <a:extLst>
+              <a:ext uri="{FF2B5EF4-FFF2-40B4-BE49-F238E27FC236}">
+                <a16:creationId xmlns:a16="http://schemas.microsoft.com/office/drawing/2014/main" id="{F64AD84B-E702-3879-14A5-B660D4774756}"/>
+              </a:ext>
+            </a:extLst>
+          </p:cNvPr>
+          <p:cNvGraphicFramePr>
+            <a:graphicFrameLocks noChangeAspect="1"/>
+          </p:cNvGraphicFramePr>
+          <p:nvPr/>
+        </p:nvGraphicFramePr>
+        <p:xfrm>
+          <a:off x="3061433" y="1877140"/>
+          <a:ext cx="2203450" cy="1385887"/>
+        </p:xfrm>
+        <a:graphic>
+          <a:graphicData uri="http://schemas.openxmlformats.org/presentationml/2006/ole">
+            <mc:AlternateContent xmlns:mc="http://schemas.openxmlformats.org/markup-compatibility/2006">
+              <mc:Choice xmlns:v="urn:schemas-microsoft-com:vml" Requires="v">
+                <p:oleObj name="AxMath" r:id="rId2" imgW="1101240" imgH="692640" progId="Equation.AxMath">
+                  <p:embed/>
+                </p:oleObj>
+              </mc:Choice>
+              <mc:Fallback>
+                <p:oleObj name="AxMath" r:id="rId2" imgW="1101240" imgH="692640" progId="Equation.AxMath">
+                  <p:embed/>
+                  <p:pic>
+                    <p:nvPicPr>
+                      <p:cNvPr id="2" name="对象 1">
+                        <a:extLst>
+                          <a:ext uri="{FF2B5EF4-FFF2-40B4-BE49-F238E27FC236}">
+                            <a16:creationId xmlns:a16="http://schemas.microsoft.com/office/drawing/2014/main" id="{F64AD84B-E702-3879-14A5-B660D4774756}"/>
+                          </a:ext>
+                        </a:extLst>
+                      </p:cNvPr>
+                      <p:cNvPicPr/>
+                      <p:nvPr/>
+                    </p:nvPicPr>
+                    <p:blipFill>
+                      <a:blip r:embed="rId3"/>
+                      <a:stretch>
+                        <a:fillRect/>
+                      </a:stretch>
+                    </p:blipFill>
+                    <p:spPr>
+                      <a:xfrm>
+                        <a:off x="3061433" y="1877140"/>
+                        <a:ext cx="2203450" cy="1385887"/>
+                      </a:xfrm>
+                      <a:prstGeom prst="rect">
+                        <a:avLst/>
+                      </a:prstGeom>
+                    </p:spPr>
+                  </p:pic>
+                </p:oleObj>
+              </mc:Fallback>
+            </mc:AlternateContent>
+          </a:graphicData>
+        </a:graphic>
+      </p:graphicFrame>
       <p:sp>
         <p:nvSpPr>
-          <p:cNvPr id="13" name="矩形 12">
+          <p:cNvPr id="4" name="矩形 3">
             <a:extLst>
               <a:ext uri="{FF2B5EF4-FFF2-40B4-BE49-F238E27FC236}">
-                <a16:creationId xmlns:a16="http://schemas.microsoft.com/office/drawing/2014/main" id="{B7A4D907-1176-5348-5AB5-648F77421D08}"/>
+                <a16:creationId xmlns:a16="http://schemas.microsoft.com/office/drawing/2014/main" id="{B376DD10-BBD1-DECD-8963-38EC1B3855AF}"/>
               </a:ext>
             </a:extLst>
           </p:cNvPr>
@@ -21863,8 +23092,8 @@
         </p:nvSpPr>
         <p:spPr>
           <a:xfrm>
-            <a:off x="5739014" y="4546413"/>
-            <a:ext cx="4485209" cy="1718227"/>
+            <a:off x="6493954" y="2106993"/>
+            <a:ext cx="5438513" cy="799514"/>
           </a:xfrm>
           <a:prstGeom prst="rect">
             <a:avLst/>
@@ -21876,163 +23105,160 @@
           </a:bodyPr>
           <a:lstStyle/>
           <a:p>
-            <a:pPr marL="342900" indent="-342900">
-              <a:lnSpc>
-                <a:spcPct val="130000"/>
-              </a:lnSpc>
-              <a:buFont typeface="Arial" panose="020B0604020202020204" pitchFamily="34" charset="0"/>
-              <a:buChar char="•"/>
-            </a:pPr>
-            <a:r>
-              <a:rPr lang="en-US" altLang="zh-CN" sz="2800" b="1" i="1" dirty="0">
-                <a:latin typeface="Times New Roman" panose="02020603050405020304" pitchFamily="18" charset="0"/>
-                <a:ea typeface="微软雅黑" panose="020B0503020204020204" pitchFamily="34" charset="-122"/>
-                <a:cs typeface="Times New Roman" panose="02020603050405020304" pitchFamily="18" charset="0"/>
-                <a:sym typeface="+mn-ea"/>
-              </a:rPr>
-              <a:t>U</a:t>
-            </a:r>
-            <a:r>
-              <a:rPr lang="en-US" altLang="zh-CN" sz="2800" b="1" dirty="0">
-                <a:latin typeface="Times New Roman" panose="02020603050405020304" pitchFamily="18" charset="0"/>
-                <a:ea typeface="微软雅黑" panose="020B0503020204020204" pitchFamily="34" charset="-122"/>
-                <a:cs typeface="Times New Roman" panose="02020603050405020304" pitchFamily="18" charset="0"/>
-                <a:sym typeface="+mn-ea"/>
-              </a:rPr>
-              <a:t> </a:t>
-            </a:r>
-            <a:r>
-              <a:rPr lang="zh-CN" altLang="en-US" sz="2400" b="1" dirty="0">
-                <a:latin typeface="Times New Roman" panose="02020603050405020304" pitchFamily="18" charset="0"/>
-                <a:ea typeface="微软雅黑" panose="020B0503020204020204" pitchFamily="34" charset="-122"/>
-                <a:cs typeface="Times New Roman" panose="02020603050405020304" pitchFamily="18" charset="0"/>
-                <a:sym typeface="+mn-ea"/>
-              </a:rPr>
-              <a:t>切</a:t>
-            </a:r>
-            <a:r>
-              <a:rPr lang="zh-CN" altLang="en-US" sz="2400" b="1" dirty="0">
-                <a:solidFill>
-                  <a:schemeClr val="tx1"/>
-                </a:solidFill>
-                <a:latin typeface="Times New Roman" panose="02020603050405020304" pitchFamily="18" charset="0"/>
-                <a:ea typeface="微软雅黑" panose="020B0503020204020204" pitchFamily="34" charset="-122"/>
-                <a:cs typeface="Times New Roman" panose="02020603050405020304" pitchFamily="18" charset="0"/>
-                <a:sym typeface="+mn-ea"/>
-              </a:rPr>
-              <a:t>向（速度方向）</a:t>
-            </a:r>
-          </a:p>
-          <a:p>
             <a:pPr marL="342900" indent="-342900" fontAlgn="auto">
               <a:lnSpc>
-                <a:spcPct val="130000"/>
+                <a:spcPct val="120000"/>
               </a:lnSpc>
               <a:spcAft>
                 <a:spcPts val="0"/>
               </a:spcAft>
-              <a:buFont typeface="Arial" panose="020B0604020202020204" pitchFamily="34" charset="0"/>
-              <a:buChar char="•"/>
+              <a:buFont typeface="Wingdings" panose="05000000000000000000" pitchFamily="2" charset="2"/>
+              <a:buChar char="Ø"/>
             </a:pPr>
             <a:r>
-              <a:rPr lang="en-US" altLang="zh-CN" sz="2800" b="1" i="1" dirty="0">
+              <a:rPr lang="zh-CN" altLang="en-US" sz="2000" b="1" dirty="0">
+                <a:solidFill>
+                  <a:srgbClr val="0000FF"/>
+                </a:solidFill>
                 <a:latin typeface="Times New Roman" panose="02020603050405020304" pitchFamily="18" charset="0"/>
                 <a:ea typeface="微软雅黑" panose="020B0503020204020204" pitchFamily="34" charset="-122"/>
                 <a:cs typeface="Times New Roman" panose="02020603050405020304" pitchFamily="18" charset="0"/>
-                <a:sym typeface="+mn-ea"/>
-              </a:rPr>
-              <a:t>N</a:t>
-            </a:r>
-            <a:r>
-              <a:rPr lang="en-US" altLang="zh-CN" sz="2800" b="1" dirty="0">
+              </a:rPr>
+              <a:t>右函数形式简单</a:t>
+            </a:r>
+            <a:r>
+              <a:rPr lang="zh-CN" altLang="en-US" sz="2000" b="1" dirty="0">
+                <a:solidFill>
+                  <a:srgbClr val="FF0000"/>
+                </a:solidFill>
                 <a:latin typeface="Times New Roman" panose="02020603050405020304" pitchFamily="18" charset="0"/>
                 <a:ea typeface="微软雅黑" panose="020B0503020204020204" pitchFamily="34" charset="-122"/>
                 <a:cs typeface="Times New Roman" panose="02020603050405020304" pitchFamily="18" charset="0"/>
-                <a:sym typeface="+mn-ea"/>
-              </a:rPr>
-              <a:t> </a:t>
-            </a:r>
-            <a:r>
-              <a:rPr lang="zh-CN" altLang="en-US" sz="2400" b="1" dirty="0">
-                <a:latin typeface="Times New Roman" panose="02020603050405020304" pitchFamily="18" charset="0"/>
-                <a:ea typeface="微软雅黑" panose="020B0503020204020204" pitchFamily="34" charset="-122"/>
-                <a:cs typeface="Times New Roman" panose="02020603050405020304" pitchFamily="18" charset="0"/>
-                <a:sym typeface="+mn-ea"/>
-              </a:rPr>
-              <a:t>轨道面内法向（主）</a:t>
-            </a:r>
-            <a:endParaRPr lang="en-US" altLang="zh-CN" sz="2400" b="1" dirty="0">
+              </a:rPr>
+              <a:t>（计算效率高，程序简单）</a:t>
+            </a:r>
+            <a:endParaRPr lang="en-US" altLang="zh-CN" sz="2000" b="1" dirty="0">
+              <a:solidFill>
+                <a:srgbClr val="0000FF"/>
+              </a:solidFill>
               <a:latin typeface="Times New Roman" panose="02020603050405020304" pitchFamily="18" charset="0"/>
               <a:ea typeface="微软雅黑" panose="020B0503020204020204" pitchFamily="34" charset="-122"/>
               <a:cs typeface="Times New Roman" panose="02020603050405020304" pitchFamily="18" charset="0"/>
-              <a:sym typeface="+mn-ea"/>
             </a:endParaRPr>
           </a:p>
           <a:p>
             <a:pPr marL="342900" indent="-342900" fontAlgn="auto">
               <a:lnSpc>
-                <a:spcPct val="130000"/>
+                <a:spcPct val="120000"/>
               </a:lnSpc>
               <a:spcAft>
                 <a:spcPts val="0"/>
               </a:spcAft>
-              <a:buFont typeface="Arial" panose="020B0604020202020204" pitchFamily="34" charset="0"/>
-              <a:buChar char="•"/>
+              <a:buFont typeface="Wingdings" panose="05000000000000000000" pitchFamily="2" charset="2"/>
+              <a:buChar char="Ø"/>
             </a:pPr>
             <a:r>
-              <a:rPr lang="en-US" altLang="zh-CN" sz="2800" b="1" i="1" dirty="0">
-                <a:solidFill>
-                  <a:schemeClr val="tx1"/>
+              <a:rPr lang="zh-CN" altLang="en-US" sz="2000" b="1" dirty="0">
+                <a:solidFill>
+                  <a:srgbClr val="0000FF"/>
                 </a:solidFill>
                 <a:latin typeface="Times New Roman" panose="02020603050405020304" pitchFamily="18" charset="0"/>
                 <a:ea typeface="微软雅黑" panose="020B0503020204020204" pitchFamily="34" charset="-122"/>
                 <a:cs typeface="Times New Roman" panose="02020603050405020304" pitchFamily="18" charset="0"/>
-                <a:sym typeface="+mn-ea"/>
-              </a:rPr>
-              <a:t>W</a:t>
-            </a:r>
-            <a:r>
-              <a:rPr lang="en-US" altLang="zh-CN" sz="2800" b="1" dirty="0">
-                <a:solidFill>
-                  <a:schemeClr val="tx1"/>
+              </a:rPr>
+              <a:t>包含无摄运动，变化快，</a:t>
+            </a:r>
+            <a:r>
+              <a:rPr lang="zh-CN" altLang="en-US" sz="2000" b="1" dirty="0">
+                <a:solidFill>
+                  <a:srgbClr val="FF0000"/>
                 </a:solidFill>
                 <a:latin typeface="Times New Roman" panose="02020603050405020304" pitchFamily="18" charset="0"/>
                 <a:ea typeface="微软雅黑" panose="020B0503020204020204" pitchFamily="34" charset="-122"/>
                 <a:cs typeface="Times New Roman" panose="02020603050405020304" pitchFamily="18" charset="0"/>
-                <a:sym typeface="+mn-ea"/>
-              </a:rPr>
-              <a:t> </a:t>
-            </a:r>
-            <a:r>
-              <a:rPr lang="zh-CN" altLang="en-US" sz="2400" b="1" dirty="0">
-                <a:solidFill>
-                  <a:schemeClr val="tx1"/>
-                </a:solidFill>
-                <a:latin typeface="Times New Roman" panose="02020603050405020304" pitchFamily="18" charset="0"/>
-                <a:ea typeface="微软雅黑" panose="020B0503020204020204" pitchFamily="34" charset="-122"/>
-                <a:cs typeface="Times New Roman" panose="02020603050405020304" pitchFamily="18" charset="0"/>
-                <a:sym typeface="+mn-ea"/>
-              </a:rPr>
-              <a:t>轨道面法向（次）</a:t>
-            </a:r>
-            <a:endParaRPr lang="en-US" altLang="zh-CN" sz="2800" b="1" dirty="0">
+              </a:rPr>
+              <a:t>步长小</a:t>
+            </a:r>
+            <a:endParaRPr lang="zh-CN" sz="2000" b="1" dirty="0">
               <a:solidFill>
-                <a:schemeClr val="tx1"/>
+                <a:srgbClr val="FF0000"/>
               </a:solidFill>
               <a:latin typeface="Times New Roman" panose="02020603050405020304" pitchFamily="18" charset="0"/>
               <a:ea typeface="微软雅黑" panose="020B0503020204020204" pitchFamily="34" charset="-122"/>
               <a:cs typeface="Times New Roman" panose="02020603050405020304" pitchFamily="18" charset="0"/>
-              <a:sym typeface="+mn-ea"/>
             </a:endParaRPr>
           </a:p>
         </p:txBody>
       </p:sp>
+      <p:graphicFrame>
+        <p:nvGraphicFramePr>
+          <p:cNvPr id="6" name="对象 5">
+            <a:extLst>
+              <a:ext uri="{FF2B5EF4-FFF2-40B4-BE49-F238E27FC236}">
+                <a16:creationId xmlns:a16="http://schemas.microsoft.com/office/drawing/2014/main" id="{EF80AB39-4515-1EE0-AB9F-0C660CC19A3A}"/>
+              </a:ext>
+            </a:extLst>
+          </p:cNvPr>
+          <p:cNvGraphicFramePr>
+            <a:graphicFrameLocks noChangeAspect="1"/>
+          </p:cNvGraphicFramePr>
+          <p:nvPr/>
+        </p:nvGraphicFramePr>
+        <p:xfrm>
+          <a:off x="3331918" y="3604340"/>
+          <a:ext cx="2857500" cy="1481137"/>
+        </p:xfrm>
+        <a:graphic>
+          <a:graphicData uri="http://schemas.openxmlformats.org/presentationml/2006/ole">
+            <mc:AlternateContent xmlns:mc="http://schemas.openxmlformats.org/markup-compatibility/2006">
+              <mc:Choice xmlns:v="urn:schemas-microsoft-com:vml" Requires="v">
+                <p:oleObj name="AxMath" r:id="rId4" imgW="1428840" imgH="739800" progId="Equation.AxMath">
+                  <p:embed/>
+                </p:oleObj>
+              </mc:Choice>
+              <mc:Fallback>
+                <p:oleObj name="AxMath" r:id="rId4" imgW="1428840" imgH="739800" progId="Equation.AxMath">
+                  <p:embed/>
+                  <p:pic>
+                    <p:nvPicPr>
+                      <p:cNvPr id="6" name="对象 5">
+                        <a:extLst>
+                          <a:ext uri="{FF2B5EF4-FFF2-40B4-BE49-F238E27FC236}">
+                            <a16:creationId xmlns:a16="http://schemas.microsoft.com/office/drawing/2014/main" id="{EF80AB39-4515-1EE0-AB9F-0C660CC19A3A}"/>
+                          </a:ext>
+                        </a:extLst>
+                      </p:cNvPr>
+                      <p:cNvPicPr/>
+                      <p:nvPr/>
+                    </p:nvPicPr>
+                    <p:blipFill>
+                      <a:blip r:embed="rId5"/>
+                      <a:stretch>
+                        <a:fillRect/>
+                      </a:stretch>
+                    </p:blipFill>
+                    <p:spPr>
+                      <a:xfrm>
+                        <a:off x="3331918" y="3604340"/>
+                        <a:ext cx="2857500" cy="1481137"/>
+                      </a:xfrm>
+                      <a:prstGeom prst="rect">
+                        <a:avLst/>
+                      </a:prstGeom>
+                    </p:spPr>
+                  </p:pic>
+                </p:oleObj>
+              </mc:Fallback>
+            </mc:AlternateContent>
+          </a:graphicData>
+        </a:graphic>
+      </p:graphicFrame>
       <p:sp>
         <p:nvSpPr>
-          <p:cNvPr id="15" name="矩形 14">
+          <p:cNvPr id="7" name="矩形 6">
             <a:extLst>
               <a:ext uri="{FF2B5EF4-FFF2-40B4-BE49-F238E27FC236}">
-                <a16:creationId xmlns:a16="http://schemas.microsoft.com/office/drawing/2014/main" id="{F746CD63-6E15-F013-E048-8A2A99D9C7D0}"/>
+                <a16:creationId xmlns:a16="http://schemas.microsoft.com/office/drawing/2014/main" id="{288FAFDA-C9CB-38A9-2963-39DF6ABE5F10}"/>
               </a:ext>
             </a:extLst>
           </p:cNvPr>
@@ -22041,17 +23267,12 @@
         </p:nvSpPr>
         <p:spPr>
           <a:xfrm>
-            <a:off x="274920" y="4739257"/>
-            <a:ext cx="667641" cy="1485920"/>
+            <a:off x="6489437" y="3645947"/>
+            <a:ext cx="5619110" cy="1168846"/>
           </a:xfrm>
           <a:prstGeom prst="rect">
             <a:avLst/>
           </a:prstGeom>
-          <a:ln w="28575">
-            <a:solidFill>
-              <a:srgbClr val="0000FF"/>
-            </a:solidFill>
-          </a:ln>
         </p:spPr>
         <p:txBody>
           <a:bodyPr wrap="square">
@@ -22059,16 +23280,18 @@
           </a:bodyPr>
           <a:lstStyle/>
           <a:p>
-            <a:pPr algn="ctr" fontAlgn="auto">
+            <a:pPr marL="342900" indent="-342900" fontAlgn="auto">
               <a:lnSpc>
-                <a:spcPct val="130000"/>
+                <a:spcPct val="120000"/>
               </a:lnSpc>
               <a:spcAft>
                 <a:spcPts val="0"/>
               </a:spcAft>
+              <a:buFont typeface="Wingdings" panose="05000000000000000000" pitchFamily="2" charset="2"/>
+              <a:buChar char="Ø"/>
             </a:pPr>
             <a:r>
-              <a:rPr lang="en-US" altLang="zh-CN" sz="2400" b="1" i="1" dirty="0">
+              <a:rPr lang="en-US" altLang="zh-CN" sz="2000" b="1" i="1" dirty="0">
                 <a:solidFill>
                   <a:srgbClr val="0000FF"/>
                 </a:solidFill>
@@ -22076,20 +23299,10 @@
                 <a:ea typeface="微软雅黑" panose="020B0503020204020204" pitchFamily="34" charset="-122"/>
                 <a:cs typeface="Times New Roman" panose="02020603050405020304" pitchFamily="18" charset="0"/>
               </a:rPr>
-              <a:t>R</a:t>
-            </a:r>
-          </a:p>
-          <a:p>
-            <a:pPr algn="ctr" fontAlgn="auto">
-              <a:lnSpc>
-                <a:spcPct val="130000"/>
-              </a:lnSpc>
-              <a:spcAft>
-                <a:spcPts val="0"/>
-              </a:spcAft>
-            </a:pPr>
-            <a:r>
-              <a:rPr lang="en-US" altLang="zh-CN" sz="2400" b="1" i="1" dirty="0">
+              <a:t>r</a:t>
+            </a:r>
+            <a:r>
+              <a:rPr lang="en-US" altLang="zh-CN" sz="2000" b="1" dirty="0">
                 <a:solidFill>
                   <a:srgbClr val="0000FF"/>
                 </a:solidFill>
@@ -22097,20 +23310,10 @@
                 <a:ea typeface="微软雅黑" panose="020B0503020204020204" pitchFamily="34" charset="-122"/>
                 <a:cs typeface="Times New Roman" panose="02020603050405020304" pitchFamily="18" charset="0"/>
               </a:rPr>
-              <a:t>T</a:t>
-            </a:r>
-          </a:p>
-          <a:p>
-            <a:pPr algn="ctr" fontAlgn="auto">
-              <a:lnSpc>
-                <a:spcPct val="130000"/>
-              </a:lnSpc>
-              <a:spcAft>
-                <a:spcPts val="0"/>
-              </a:spcAft>
-            </a:pPr>
-            <a:r>
-              <a:rPr lang="en-US" altLang="zh-CN" sz="2400" b="1" i="1" dirty="0">
+              <a:t>, </a:t>
+            </a:r>
+            <a:r>
+              <a:rPr lang="en-US" altLang="zh-CN" sz="2000" b="1" i="1" dirty="0" err="1">
                 <a:solidFill>
                   <a:srgbClr val="0000FF"/>
                 </a:solidFill>
@@ -22118,9 +23321,42 @@
                 <a:ea typeface="微软雅黑" panose="020B0503020204020204" pitchFamily="34" charset="-122"/>
                 <a:cs typeface="Times New Roman" panose="02020603050405020304" pitchFamily="18" charset="0"/>
               </a:rPr>
-              <a:t>N</a:t>
-            </a:r>
-            <a:endParaRPr lang="zh-CN" sz="2400" b="1" i="1" dirty="0">
+              <a:t>r</a:t>
+            </a:r>
+            <a:r>
+              <a:rPr lang="en-US" altLang="zh-CN" sz="2000" b="1" i="1" baseline="-25000" dirty="0" err="1">
+                <a:solidFill>
+                  <a:srgbClr val="0000FF"/>
+                </a:solidFill>
+                <a:latin typeface="Times New Roman" panose="02020603050405020304" pitchFamily="18" charset="0"/>
+                <a:ea typeface="微软雅黑" panose="020B0503020204020204" pitchFamily="34" charset="-122"/>
+                <a:cs typeface="Times New Roman" panose="02020603050405020304" pitchFamily="18" charset="0"/>
+              </a:rPr>
+              <a:t>c</a:t>
+            </a:r>
+            <a:r>
+              <a:rPr lang="en-US" altLang="zh-CN" sz="2000" b="1" i="1" baseline="-25000" dirty="0">
+                <a:solidFill>
+                  <a:srgbClr val="0000FF"/>
+                </a:solidFill>
+                <a:latin typeface="Times New Roman" panose="02020603050405020304" pitchFamily="18" charset="0"/>
+                <a:ea typeface="微软雅黑" panose="020B0503020204020204" pitchFamily="34" charset="-122"/>
+                <a:cs typeface="Times New Roman" panose="02020603050405020304" pitchFamily="18" charset="0"/>
+              </a:rPr>
+              <a:t> </a:t>
+            </a:r>
+            <a:r>
+              <a:rPr lang="zh-CN" altLang="en-US" sz="2000" b="1" dirty="0">
+                <a:solidFill>
+                  <a:srgbClr val="0000FF"/>
+                </a:solidFill>
+                <a:latin typeface="Times New Roman" panose="02020603050405020304" pitchFamily="18" charset="0"/>
+                <a:ea typeface="微软雅黑" panose="020B0503020204020204" pitchFamily="34" charset="-122"/>
+                <a:cs typeface="Times New Roman" panose="02020603050405020304" pitchFamily="18" charset="0"/>
+              </a:rPr>
+              <a:t>参考轨道</a:t>
+            </a:r>
+            <a:endParaRPr lang="en-US" altLang="zh-CN" sz="2000" b="1" dirty="0">
               <a:solidFill>
                 <a:srgbClr val="0000FF"/>
               </a:solidFill>
@@ -22129,14 +23365,315 @@
               <a:cs typeface="Times New Roman" panose="02020603050405020304" pitchFamily="18" charset="0"/>
             </a:endParaRPr>
           </a:p>
+          <a:p>
+            <a:pPr marL="342900" indent="-342900" fontAlgn="auto">
+              <a:lnSpc>
+                <a:spcPct val="120000"/>
+              </a:lnSpc>
+              <a:spcAft>
+                <a:spcPts val="0"/>
+              </a:spcAft>
+              <a:buFont typeface="Wingdings" panose="05000000000000000000" pitchFamily="2" charset="2"/>
+              <a:buChar char="Ø"/>
+            </a:pPr>
+            <a:r>
+              <a:rPr lang="zh-CN" altLang="en-US" sz="2000" b="1" dirty="0">
+                <a:solidFill>
+                  <a:srgbClr val="0000FF"/>
+                </a:solidFill>
+                <a:latin typeface="Times New Roman" panose="02020603050405020304" pitchFamily="18" charset="0"/>
+                <a:ea typeface="微软雅黑" panose="020B0503020204020204" pitchFamily="34" charset="-122"/>
+                <a:cs typeface="Times New Roman" panose="02020603050405020304" pitchFamily="18" charset="0"/>
+              </a:rPr>
+              <a:t>变化慢，步长大</a:t>
+            </a:r>
+            <a:endParaRPr lang="en-US" altLang="zh-CN" sz="2000" b="1" dirty="0">
+              <a:solidFill>
+                <a:srgbClr val="0000FF"/>
+              </a:solidFill>
+              <a:latin typeface="Times New Roman" panose="02020603050405020304" pitchFamily="18" charset="0"/>
+              <a:ea typeface="微软雅黑" panose="020B0503020204020204" pitchFamily="34" charset="-122"/>
+              <a:cs typeface="Times New Roman" panose="02020603050405020304" pitchFamily="18" charset="0"/>
+            </a:endParaRPr>
+          </a:p>
+          <a:p>
+            <a:pPr marL="342900" indent="-342900" fontAlgn="auto">
+              <a:lnSpc>
+                <a:spcPct val="120000"/>
+              </a:lnSpc>
+              <a:spcAft>
+                <a:spcPts val="0"/>
+              </a:spcAft>
+              <a:buFont typeface="Wingdings" panose="05000000000000000000" pitchFamily="2" charset="2"/>
+              <a:buChar char="Ø"/>
+            </a:pPr>
+            <a:r>
+              <a:rPr lang="zh-CN" altLang="en-US" sz="2000" b="1" dirty="0">
+                <a:solidFill>
+                  <a:srgbClr val="0000FF"/>
+                </a:solidFill>
+                <a:latin typeface="Times New Roman" panose="02020603050405020304" pitchFamily="18" charset="0"/>
+                <a:ea typeface="微软雅黑" panose="020B0503020204020204" pitchFamily="34" charset="-122"/>
+                <a:cs typeface="Times New Roman" panose="02020603050405020304" pitchFamily="18" charset="0"/>
+              </a:rPr>
+              <a:t>需要不断初始化参考轨道（效率低 </a:t>
+            </a:r>
+            <a:r>
+              <a:rPr lang="en-US" altLang="zh-CN" sz="2000" b="1" dirty="0">
+                <a:solidFill>
+                  <a:srgbClr val="0000FF"/>
+                </a:solidFill>
+                <a:latin typeface="Times New Roman" panose="02020603050405020304" pitchFamily="18" charset="0"/>
+                <a:ea typeface="微软雅黑" panose="020B0503020204020204" pitchFamily="34" charset="-122"/>
+                <a:cs typeface="Times New Roman" panose="02020603050405020304" pitchFamily="18" charset="0"/>
+              </a:rPr>
+              <a:t>/ </a:t>
+            </a:r>
+            <a:r>
+              <a:rPr lang="zh-CN" altLang="en-US" sz="2000" b="1" dirty="0">
+                <a:solidFill>
+                  <a:srgbClr val="0000FF"/>
+                </a:solidFill>
+                <a:latin typeface="Times New Roman" panose="02020603050405020304" pitchFamily="18" charset="0"/>
+                <a:ea typeface="微软雅黑" panose="020B0503020204020204" pitchFamily="34" charset="-122"/>
+                <a:cs typeface="Times New Roman" panose="02020603050405020304" pitchFamily="18" charset="0"/>
+              </a:rPr>
+              <a:t>精度差）</a:t>
+            </a:r>
+            <a:endParaRPr lang="zh-CN" sz="2000" b="1" dirty="0">
+              <a:solidFill>
+                <a:srgbClr val="0000FF"/>
+              </a:solidFill>
+              <a:latin typeface="Times New Roman" panose="02020603050405020304" pitchFamily="18" charset="0"/>
+              <a:ea typeface="微软雅黑" panose="020B0503020204020204" pitchFamily="34" charset="-122"/>
+              <a:cs typeface="Times New Roman" panose="02020603050405020304" pitchFamily="18" charset="0"/>
+            </a:endParaRPr>
+          </a:p>
         </p:txBody>
       </p:sp>
+      <p:sp>
+        <p:nvSpPr>
+          <p:cNvPr id="8" name="矩形 7">
+            <a:extLst>
+              <a:ext uri="{FF2B5EF4-FFF2-40B4-BE49-F238E27FC236}">
+                <a16:creationId xmlns:a16="http://schemas.microsoft.com/office/drawing/2014/main" id="{FCCE3BE8-C5CF-8FDD-9205-7277A04A9A4C}"/>
+              </a:ext>
+            </a:extLst>
+          </p:cNvPr>
+          <p:cNvSpPr/>
+          <p:nvPr/>
+        </p:nvSpPr>
+        <p:spPr>
+          <a:xfrm>
+            <a:off x="6493954" y="5256831"/>
+            <a:ext cx="5614593" cy="1168846"/>
+          </a:xfrm>
+          <a:prstGeom prst="rect">
+            <a:avLst/>
+          </a:prstGeom>
+        </p:spPr>
+        <p:txBody>
+          <a:bodyPr wrap="square">
+            <a:spAutoFit/>
+          </a:bodyPr>
+          <a:lstStyle/>
+          <a:p>
+            <a:pPr marL="342900" indent="-342900" fontAlgn="auto">
+              <a:lnSpc>
+                <a:spcPct val="120000"/>
+              </a:lnSpc>
+              <a:spcAft>
+                <a:spcPts val="0"/>
+              </a:spcAft>
+              <a:buFont typeface="Wingdings" panose="05000000000000000000" pitchFamily="2" charset="2"/>
+              <a:buChar char="Ø"/>
+            </a:pPr>
+            <a:r>
+              <a:rPr lang="zh-CN" altLang="en-US" sz="2000" b="1" dirty="0">
+                <a:solidFill>
+                  <a:srgbClr val="0000FF"/>
+                </a:solidFill>
+                <a:latin typeface="Times New Roman" panose="02020603050405020304" pitchFamily="18" charset="0"/>
+                <a:ea typeface="微软雅黑" panose="020B0503020204020204" pitchFamily="34" charset="-122"/>
+                <a:cs typeface="Times New Roman" panose="02020603050405020304" pitchFamily="18" charset="0"/>
+              </a:rPr>
+              <a:t>无摄运动极简单</a:t>
+            </a:r>
+            <a:endParaRPr lang="en-US" altLang="zh-CN" sz="2000" b="1" dirty="0">
+              <a:solidFill>
+                <a:srgbClr val="0000FF"/>
+              </a:solidFill>
+              <a:latin typeface="Times New Roman" panose="02020603050405020304" pitchFamily="18" charset="0"/>
+              <a:ea typeface="微软雅黑" panose="020B0503020204020204" pitchFamily="34" charset="-122"/>
+              <a:cs typeface="Times New Roman" panose="02020603050405020304" pitchFamily="18" charset="0"/>
+            </a:endParaRPr>
+          </a:p>
+          <a:p>
+            <a:pPr marL="342900" indent="-342900" fontAlgn="auto">
+              <a:lnSpc>
+                <a:spcPct val="120000"/>
+              </a:lnSpc>
+              <a:spcAft>
+                <a:spcPts val="0"/>
+              </a:spcAft>
+              <a:buFont typeface="Wingdings" panose="05000000000000000000" pitchFamily="2" charset="2"/>
+              <a:buChar char="Ø"/>
+            </a:pPr>
+            <a:r>
+              <a:rPr lang="zh-CN" altLang="en-US" sz="2000" b="1" dirty="0">
+                <a:solidFill>
+                  <a:srgbClr val="0000FF"/>
+                </a:solidFill>
+                <a:latin typeface="Times New Roman" panose="02020603050405020304" pitchFamily="18" charset="0"/>
+                <a:ea typeface="微软雅黑" panose="020B0503020204020204" pitchFamily="34" charset="-122"/>
+                <a:cs typeface="Times New Roman" panose="02020603050405020304" pitchFamily="18" charset="0"/>
+              </a:rPr>
+              <a:t>变化慢，</a:t>
+            </a:r>
+            <a:r>
+              <a:rPr lang="zh-CN" altLang="en-US" sz="2000" b="1" dirty="0">
+                <a:solidFill>
+                  <a:srgbClr val="FF0000"/>
+                </a:solidFill>
+                <a:latin typeface="Times New Roman" panose="02020603050405020304" pitchFamily="18" charset="0"/>
+                <a:ea typeface="微软雅黑" panose="020B0503020204020204" pitchFamily="34" charset="-122"/>
+                <a:cs typeface="Times New Roman" panose="02020603050405020304" pitchFamily="18" charset="0"/>
+              </a:rPr>
+              <a:t>步长大</a:t>
+            </a:r>
+            <a:endParaRPr lang="zh-CN" altLang="zh-CN" sz="2000" b="1" dirty="0">
+              <a:solidFill>
+                <a:srgbClr val="FF0000"/>
+              </a:solidFill>
+              <a:latin typeface="Times New Roman" panose="02020603050405020304" pitchFamily="18" charset="0"/>
+              <a:ea typeface="微软雅黑" panose="020B0503020204020204" pitchFamily="34" charset="-122"/>
+              <a:cs typeface="Times New Roman" panose="02020603050405020304" pitchFamily="18" charset="0"/>
+            </a:endParaRPr>
+          </a:p>
+          <a:p>
+            <a:pPr marL="342900" indent="-342900" fontAlgn="auto">
+              <a:lnSpc>
+                <a:spcPct val="120000"/>
+              </a:lnSpc>
+              <a:spcAft>
+                <a:spcPts val="0"/>
+              </a:spcAft>
+              <a:buFont typeface="Wingdings" panose="05000000000000000000" pitchFamily="2" charset="2"/>
+              <a:buChar char="Ø"/>
+            </a:pPr>
+            <a:r>
+              <a:rPr lang="zh-CN" altLang="en-US" sz="2000" b="1" dirty="0">
+                <a:solidFill>
+                  <a:srgbClr val="0000FF"/>
+                </a:solidFill>
+                <a:latin typeface="Times New Roman" panose="02020603050405020304" pitchFamily="18" charset="0"/>
+                <a:ea typeface="微软雅黑" panose="020B0503020204020204" pitchFamily="34" charset="-122"/>
+                <a:cs typeface="Times New Roman" panose="02020603050405020304" pitchFamily="18" charset="0"/>
+              </a:rPr>
+              <a:t>右函数</a:t>
+            </a:r>
+            <a:r>
+              <a:rPr lang="zh-CN" altLang="en-US" sz="2000" b="1" dirty="0">
+                <a:solidFill>
+                  <a:srgbClr val="0000FF"/>
+                </a:solidFill>
+                <a:latin typeface="微软雅黑" panose="020B0503020204020204" pitchFamily="34" charset="-122"/>
+                <a:ea typeface="微软雅黑" panose="020B0503020204020204" pitchFamily="34" charset="-122"/>
+                <a:sym typeface="+mn-ea"/>
+              </a:rPr>
+              <a:t>形式复杂，推导繁琐</a:t>
+            </a:r>
+            <a:r>
+              <a:rPr lang="zh-CN" altLang="en-US" sz="2000" b="1" dirty="0">
+                <a:solidFill>
+                  <a:srgbClr val="FF0000"/>
+                </a:solidFill>
+                <a:latin typeface="Times New Roman" panose="02020603050405020304" pitchFamily="18" charset="0"/>
+                <a:ea typeface="微软雅黑" panose="020B0503020204020204" pitchFamily="34" charset="-122"/>
+                <a:cs typeface="Times New Roman" panose="02020603050405020304" pitchFamily="18" charset="0"/>
+              </a:rPr>
+              <a:t>（计算效率较低）</a:t>
+            </a:r>
+            <a:endParaRPr lang="en-US" altLang="zh-CN" sz="2000" b="1" dirty="0">
+              <a:solidFill>
+                <a:srgbClr val="FF0000"/>
+              </a:solidFill>
+              <a:latin typeface="Times New Roman" panose="02020603050405020304" pitchFamily="18" charset="0"/>
+              <a:ea typeface="微软雅黑" panose="020B0503020204020204" pitchFamily="34" charset="-122"/>
+              <a:cs typeface="Times New Roman" panose="02020603050405020304" pitchFamily="18" charset="0"/>
+            </a:endParaRPr>
+          </a:p>
+        </p:txBody>
+      </p:sp>
+      <p:graphicFrame>
+        <p:nvGraphicFramePr>
+          <p:cNvPr id="9" name="对象 8">
+            <a:extLst>
+              <a:ext uri="{FF2B5EF4-FFF2-40B4-BE49-F238E27FC236}">
+                <a16:creationId xmlns:a16="http://schemas.microsoft.com/office/drawing/2014/main" id="{ECC5C06C-DBED-7750-4827-5D0D55BF0CFE}"/>
+              </a:ext>
+            </a:extLst>
+          </p:cNvPr>
+          <p:cNvGraphicFramePr>
+            <a:graphicFrameLocks noChangeAspect="1"/>
+          </p:cNvGraphicFramePr>
+          <p:nvPr/>
+        </p:nvGraphicFramePr>
+        <p:xfrm>
+          <a:off x="2826483" y="5609339"/>
+          <a:ext cx="2673350" cy="779463"/>
+        </p:xfrm>
+        <a:graphic>
+          <a:graphicData uri="http://schemas.openxmlformats.org/presentationml/2006/ole">
+            <mc:AlternateContent xmlns:mc="http://schemas.openxmlformats.org/markup-compatibility/2006">
+              <mc:Choice xmlns:v="urn:schemas-microsoft-com:vml" Requires="v">
+                <p:oleObj name="AxMath" r:id="rId6" imgW="1335960" imgH="388440" progId="Equation.AxMath">
+                  <p:embed/>
+                </p:oleObj>
+              </mc:Choice>
+              <mc:Fallback>
+                <p:oleObj name="AxMath" r:id="rId6" imgW="1335960" imgH="388440" progId="Equation.AxMath">
+                  <p:embed/>
+                  <p:pic>
+                    <p:nvPicPr>
+                      <p:cNvPr id="9" name="对象 8">
+                        <a:extLst>
+                          <a:ext uri="{FF2B5EF4-FFF2-40B4-BE49-F238E27FC236}">
+                            <a16:creationId xmlns:a16="http://schemas.microsoft.com/office/drawing/2014/main" id="{ECC5C06C-DBED-7750-4827-5D0D55BF0CFE}"/>
+                          </a:ext>
+                        </a:extLst>
+                      </p:cNvPr>
+                      <p:cNvPicPr/>
+                      <p:nvPr/>
+                    </p:nvPicPr>
+                    <p:blipFill>
+                      <a:blip r:embed="rId7"/>
+                      <a:stretch>
+                        <a:fillRect/>
+                      </a:stretch>
+                    </p:blipFill>
+                    <p:spPr>
+                      <a:xfrm>
+                        <a:off x="2826483" y="5609339"/>
+                        <a:ext cx="2673350" cy="779463"/>
+                      </a:xfrm>
+                      <a:prstGeom prst="rect">
+                        <a:avLst/>
+                      </a:prstGeom>
+                    </p:spPr>
+                  </p:pic>
+                </p:oleObj>
+              </mc:Fallback>
+            </mc:AlternateContent>
+          </a:graphicData>
+        </a:graphic>
+      </p:graphicFrame>
       <p:pic>
         <p:nvPicPr>
-          <p:cNvPr id="7" name="图片 6">
+          <p:cNvPr id="11" name="图形 10" descr="困惑的脸轮廓 纯色填充">
             <a:extLst>
               <a:ext uri="{FF2B5EF4-FFF2-40B4-BE49-F238E27FC236}">
-                <a16:creationId xmlns:a16="http://schemas.microsoft.com/office/drawing/2014/main" id="{231B6EDF-6BD1-0DB8-9A6D-665E8DB32EB9}"/>
+                <a16:creationId xmlns:a16="http://schemas.microsoft.com/office/drawing/2014/main" id="{42EE819D-E347-4BC1-76BA-722E6D71E3B4}"/>
               </a:ext>
             </a:extLst>
           </p:cNvPr>
@@ -22146,40 +23683,10 @@
           <p:nvPr/>
         </p:nvPicPr>
         <p:blipFill>
-          <a:blip r:embed="rId2"/>
-          <a:stretch>
-            <a:fillRect/>
-          </a:stretch>
-        </p:blipFill>
-        <p:spPr>
-          <a:xfrm>
-            <a:off x="10565476" y="1375721"/>
-            <a:ext cx="1640494" cy="867159"/>
-          </a:xfrm>
-          <a:prstGeom prst="rect">
-            <a:avLst/>
-          </a:prstGeom>
-        </p:spPr>
-      </p:pic>
-      <p:pic>
-        <p:nvPicPr>
-          <p:cNvPr id="6" name="图形 5" descr="困惑的脸轮廓 纯色填充">
-            <a:extLst>
-              <a:ext uri="{FF2B5EF4-FFF2-40B4-BE49-F238E27FC236}">
-                <a16:creationId xmlns:a16="http://schemas.microsoft.com/office/drawing/2014/main" id="{E006690E-6C35-0ECC-2451-064A90F785EB}"/>
-              </a:ext>
-            </a:extLst>
-          </p:cNvPr>
-          <p:cNvPicPr>
-            <a:picLocks noChangeAspect="1"/>
-          </p:cNvPicPr>
-          <p:nvPr/>
-        </p:nvPicPr>
-        <p:blipFill>
-          <a:blip r:embed="rId3">
+          <a:blip r:embed="rId8">
             <a:extLst>
               <a:ext uri="{96DAC541-7B7A-43D3-8B79-37D633B846F1}">
-                <asvg:svgBlip xmlns:asvg="http://schemas.microsoft.com/office/drawing/2016/SVG/main" r:embed="rId4"/>
+                <asvg:svgBlip xmlns:asvg="http://schemas.microsoft.com/office/drawing/2016/SVG/main" r:embed="rId9"/>
               </a:ext>
             </a:extLst>
           </a:blip>
@@ -22189,7 +23696,7 @@
         </p:blipFill>
         <p:spPr>
           <a:xfrm>
-            <a:off x="3974" y="711621"/>
+            <a:off x="0" y="711200"/>
             <a:ext cx="571360" cy="571360"/>
           </a:xfrm>
           <a:prstGeom prst="rect">
@@ -22197,60 +23704,10 @@
           </a:prstGeom>
         </p:spPr>
       </p:pic>
-      <p:sp>
-        <p:nvSpPr>
-          <p:cNvPr id="2" name="椭圆 1">
-            <a:extLst>
-              <a:ext uri="{FF2B5EF4-FFF2-40B4-BE49-F238E27FC236}">
-                <a16:creationId xmlns:a16="http://schemas.microsoft.com/office/drawing/2014/main" id="{4D37D630-8F7B-BFAB-421E-150F88E46D20}"/>
-              </a:ext>
-            </a:extLst>
-          </p:cNvPr>
-          <p:cNvSpPr/>
-          <p:nvPr/>
-        </p:nvSpPr>
-        <p:spPr>
-          <a:xfrm>
-            <a:off x="5536276" y="1720735"/>
-            <a:ext cx="3981797" cy="2286000"/>
-          </a:xfrm>
-          <a:prstGeom prst="ellipse">
-            <a:avLst/>
-          </a:prstGeom>
-        </p:spPr>
-        <p:style>
-          <a:lnRef idx="2">
-            <a:schemeClr val="accent1">
-              <a:shade val="15000"/>
-            </a:schemeClr>
-          </a:lnRef>
-          <a:fillRef idx="1">
-            <a:schemeClr val="accent1"/>
-          </a:fillRef>
-          <a:effectRef idx="0">
-            <a:schemeClr val="accent1"/>
-          </a:effectRef>
-          <a:fontRef idx="minor">
-            <a:schemeClr val="lt1"/>
-          </a:fontRef>
-        </p:style>
-        <p:txBody>
-          <a:bodyPr rtlCol="0" anchor="ctr"/>
-          <a:lstStyle/>
-          <a:p>
-            <a:pPr algn="ctr"/>
-            <a:r>
-              <a:rPr lang="en-US" altLang="zh-CN" sz="9600" dirty="0"/>
-              <a:t>NEW</a:t>
-            </a:r>
-            <a:endParaRPr lang="zh-CN" altLang="en-US" sz="9600" dirty="0"/>
-          </a:p>
-        </p:txBody>
-      </p:sp>
     </p:spTree>
     <p:extLst>
       <p:ext uri="{BB962C8B-B14F-4D97-AF65-F5344CB8AC3E}">
-        <p14:creationId xmlns:p14="http://schemas.microsoft.com/office/powerpoint/2010/main" val="3376670715"/>
+        <p14:creationId xmlns:p14="http://schemas.microsoft.com/office/powerpoint/2010/main" val="1628944219"/>
       </p:ext>
     </p:extLst>
   </p:cSld>

--- a/08 受摄二体问题.pptx
+++ b/08 受摄二体问题.pptx
@@ -241,7 +241,7 @@
           <a:p>
             <a:fld id="{26DDD1A4-63E9-4C41-BD0C-A6576214358F}" type="datetimeFigureOut">
               <a:rPr kumimoji="1" lang="zh-CN" altLang="en-US" smtClean="0"/>
-              <a:t>2024/3/11</a:t>
+              <a:t>2024/5/20</a:t>
             </a:fld>
             <a:endParaRPr kumimoji="1" lang="zh-CN" altLang="en-US"/>
           </a:p>
@@ -835,7 +835,7 @@
           <a:p>
             <a:fld id="{8664C608-40B1-4030-A28D-5B74BC98ADCE}" type="datetimeFigureOut">
               <a:rPr lang="en-US" smtClean="0"/>
-              <a:t>3/11/2024</a:t>
+              <a:t>5/20/2024</a:t>
             </a:fld>
             <a:endParaRPr lang="en-US" dirty="0"/>
           </a:p>
@@ -16081,13 +16081,10 @@
             </a:r>
           </a:p>
           <a:p>
-            <a:pPr fontAlgn="auto">
+            <a:pPr>
               <a:lnSpc>
                 <a:spcPct val="150000"/>
               </a:lnSpc>
-              <a:spcAft>
-                <a:spcPts val="0"/>
-              </a:spcAft>
             </a:pPr>
             <a:r>
               <a:rPr lang="zh-CN" altLang="en-US" sz="2000" b="1" dirty="0">
@@ -16123,7 +16120,7 @@
                 <a:cs typeface="Times New Roman" panose="02020603050405020304" pitchFamily="18" charset="0"/>
                 <a:sym typeface="+mn-ea"/>
               </a:rPr>
-              <a:t>）利用书中的 </a:t>
+              <a:t>）利用 </a:t>
             </a:r>
             <a:r>
               <a:rPr lang="en-US" altLang="zh-CN" sz="2000" b="1" i="1" dirty="0">
@@ -16159,7 +16156,69 @@
                 <a:cs typeface="Times New Roman" panose="02020603050405020304" pitchFamily="18" charset="0"/>
                 <a:sym typeface="+mn-ea"/>
               </a:rPr>
-              <a:t>项摄动分析公式，使用平均根数法预报</a:t>
+              <a:t>项摄动分析公式 </a:t>
+            </a:r>
+            <a:r>
+              <a:rPr lang="en-US" altLang="zh-CN" sz="1600" b="1" dirty="0">
+                <a:solidFill>
+                  <a:srgbClr val="0000FF"/>
+                </a:solidFill>
+                <a:latin typeface="微软雅黑" panose="020B0503020204020204" pitchFamily="34" charset="-122"/>
+                <a:ea typeface="微软雅黑" panose="020B0503020204020204" pitchFamily="34" charset="-122"/>
+              </a:rPr>
+              <a:t>(</a:t>
+            </a:r>
+            <a:r>
+              <a:rPr lang="zh-CN" altLang="en-US" sz="1600" b="1" dirty="0">
+                <a:solidFill>
+                  <a:srgbClr val="0000FF"/>
+                </a:solidFill>
+                <a:latin typeface="微软雅黑" panose="020B0503020204020204" pitchFamily="34" charset="-122"/>
+                <a:ea typeface="微软雅黑" panose="020B0503020204020204" pitchFamily="34" charset="-122"/>
+              </a:rPr>
+              <a:t>第</a:t>
+            </a:r>
+            <a:r>
+              <a:rPr lang="en-US" altLang="zh-CN" sz="1600" b="1" dirty="0">
+                <a:solidFill>
+                  <a:srgbClr val="0000FF"/>
+                </a:solidFill>
+                <a:latin typeface="微软雅黑" panose="020B0503020204020204" pitchFamily="34" charset="-122"/>
+                <a:ea typeface="微软雅黑" panose="020B0503020204020204" pitchFamily="34" charset="-122"/>
+              </a:rPr>
+              <a:t>9</a:t>
+            </a:r>
+            <a:r>
+              <a:rPr lang="zh-CN" altLang="en-US" sz="1600" b="1" dirty="0">
+                <a:solidFill>
+                  <a:srgbClr val="0000FF"/>
+                </a:solidFill>
+                <a:latin typeface="微软雅黑" panose="020B0503020204020204" pitchFamily="34" charset="-122"/>
+                <a:ea typeface="微软雅黑" panose="020B0503020204020204" pitchFamily="34" charset="-122"/>
+              </a:rPr>
+              <a:t>节课</a:t>
+            </a:r>
+            <a:r>
+              <a:rPr lang="en-US" altLang="zh-CN" sz="1600" b="1" dirty="0">
+                <a:solidFill>
+                  <a:srgbClr val="0000FF"/>
+                </a:solidFill>
+                <a:latin typeface="微软雅黑" panose="020B0503020204020204" pitchFamily="34" charset="-122"/>
+                <a:ea typeface="微软雅黑" panose="020B0503020204020204" pitchFamily="34" charset="-122"/>
+              </a:rPr>
+              <a:t>)</a:t>
+            </a:r>
+            <a:r>
+              <a:rPr lang="zh-CN" altLang="en-US" sz="2000" b="1" dirty="0">
+                <a:solidFill>
+                  <a:schemeClr val="tx1"/>
+                </a:solidFill>
+                <a:latin typeface="Times New Roman" panose="02020603050405020304" pitchFamily="18" charset="0"/>
+                <a:ea typeface="微软雅黑" panose="020B0503020204020204" pitchFamily="34" charset="-122"/>
+                <a:cs typeface="Times New Roman" panose="02020603050405020304" pitchFamily="18" charset="0"/>
+                <a:sym typeface="+mn-ea"/>
+              </a:rPr>
+              <a:t>，使用平均根数法预报</a:t>
             </a:r>
             <a:r>
               <a:rPr lang="en-US" altLang="zh-CN" sz="2000" b="1" dirty="0">
@@ -16618,101 +16677,6 @@
               <a:latin typeface="微软雅黑" panose="020B0503020204020204" pitchFamily="34" charset="-122"/>
               <a:ea typeface="微软雅黑" panose="020B0503020204020204" pitchFamily="34" charset="-122"/>
               <a:cs typeface="+mj-cs"/>
-            </a:endParaRPr>
-          </a:p>
-        </p:txBody>
-      </p:sp>
-      <p:sp>
-        <p:nvSpPr>
-          <p:cNvPr id="2" name="矩形 1">
-            <a:extLst>
-              <a:ext uri="{FF2B5EF4-FFF2-40B4-BE49-F238E27FC236}">
-                <a16:creationId xmlns:a16="http://schemas.microsoft.com/office/drawing/2014/main" id="{EB5AE7FE-CD56-3CA3-945E-8CCB423D4C45}"/>
-              </a:ext>
-            </a:extLst>
-          </p:cNvPr>
-          <p:cNvSpPr/>
-          <p:nvPr/>
-        </p:nvSpPr>
-        <p:spPr>
-          <a:xfrm>
-            <a:off x="9078168" y="3114746"/>
-            <a:ext cx="2430745" cy="418191"/>
-          </a:xfrm>
-          <a:prstGeom prst="rect">
-            <a:avLst/>
-          </a:prstGeom>
-        </p:spPr>
-        <p:txBody>
-          <a:bodyPr wrap="square">
-            <a:spAutoFit/>
-          </a:bodyPr>
-          <a:lstStyle/>
-          <a:p>
-            <a:pPr algn="ctr" fontAlgn="auto">
-              <a:lnSpc>
-                <a:spcPct val="150000"/>
-              </a:lnSpc>
-              <a:spcAft>
-                <a:spcPts val="0"/>
-              </a:spcAft>
-            </a:pPr>
-            <a:r>
-              <a:rPr lang="en-US" altLang="zh-CN" sz="1600" b="1" dirty="0">
-                <a:solidFill>
-                  <a:srgbClr val="0000FF"/>
-                </a:solidFill>
-                <a:latin typeface="微软雅黑" panose="020B0503020204020204" pitchFamily="34" charset="-122"/>
-                <a:ea typeface="微软雅黑" panose="020B0503020204020204" pitchFamily="34" charset="-122"/>
-              </a:rPr>
-              <a:t>(</a:t>
-            </a:r>
-            <a:r>
-              <a:rPr lang="zh-CN" altLang="en-US" sz="1600" b="1" dirty="0">
-                <a:solidFill>
-                  <a:srgbClr val="0000FF"/>
-                </a:solidFill>
-                <a:latin typeface="微软雅黑" panose="020B0503020204020204" pitchFamily="34" charset="-122"/>
-                <a:ea typeface="微软雅黑" panose="020B0503020204020204" pitchFamily="34" charset="-122"/>
-              </a:rPr>
-              <a:t>第</a:t>
-            </a:r>
-            <a:r>
-              <a:rPr lang="en-US" altLang="zh-CN" sz="1600" b="1" dirty="0">
-                <a:solidFill>
-                  <a:srgbClr val="0000FF"/>
-                </a:solidFill>
-                <a:latin typeface="微软雅黑" panose="020B0503020204020204" pitchFamily="34" charset="-122"/>
-                <a:ea typeface="微软雅黑" panose="020B0503020204020204" pitchFamily="34" charset="-122"/>
-              </a:rPr>
-              <a:t>9</a:t>
-            </a:r>
-            <a:r>
-              <a:rPr lang="zh-CN" altLang="en-US" sz="1600" b="1" dirty="0">
-                <a:solidFill>
-                  <a:srgbClr val="0000FF"/>
-                </a:solidFill>
-                <a:latin typeface="微软雅黑" panose="020B0503020204020204" pitchFamily="34" charset="-122"/>
-                <a:ea typeface="微软雅黑" panose="020B0503020204020204" pitchFamily="34" charset="-122"/>
-              </a:rPr>
-              <a:t>节课后</a:t>
-            </a:r>
-            <a:r>
-              <a:rPr lang="en-US" altLang="zh-CN" sz="1600" b="1" dirty="0">
-                <a:solidFill>
-                  <a:srgbClr val="0000FF"/>
-                </a:solidFill>
-                <a:latin typeface="微软雅黑" panose="020B0503020204020204" pitchFamily="34" charset="-122"/>
-                <a:ea typeface="微软雅黑" panose="020B0503020204020204" pitchFamily="34" charset="-122"/>
-              </a:rPr>
-              <a:t>)</a:t>
-            </a:r>
-            <a:endParaRPr lang="zh-CN" sz="1600" b="1" dirty="0">
-              <a:solidFill>
-                <a:srgbClr val="0000FF"/>
-              </a:solidFill>
-              <a:latin typeface="微软雅黑" panose="020B0503020204020204" pitchFamily="34" charset="-122"/>
-              <a:ea typeface="微软雅黑" panose="020B0503020204020204" pitchFamily="34" charset="-122"/>
             </a:endParaRPr>
           </a:p>
         </p:txBody>
@@ -17481,7 +17445,7 @@
         <p:spPr>
           <a:xfrm>
             <a:off x="407987" y="1052513"/>
-            <a:ext cx="11376025" cy="3247877"/>
+            <a:ext cx="11376025" cy="3894208"/>
           </a:xfrm>
           <a:prstGeom prst="rect">
             <a:avLst/>
@@ -17572,6 +17536,26 @@
               <a:buChar char="•"/>
             </a:pPr>
             <a:endParaRPr lang="en-US" altLang="zh-CN" sz="2800" b="1" dirty="0">
+              <a:latin typeface="微软雅黑" panose="020B0503020204020204" pitchFamily="34" charset="-122"/>
+              <a:ea typeface="微软雅黑" panose="020B0503020204020204" pitchFamily="34" charset="-122"/>
+              <a:sym typeface="+mn-ea"/>
+            </a:endParaRPr>
+          </a:p>
+          <a:p>
+            <a:pPr marL="342900" indent="-342900" fontAlgn="auto">
+              <a:lnSpc>
+                <a:spcPct val="150000"/>
+              </a:lnSpc>
+              <a:spcAft>
+                <a:spcPts val="0"/>
+              </a:spcAft>
+              <a:buFont typeface="Arial" panose="020B0604020202020204" pitchFamily="34" charset="0"/>
+              <a:buChar char="•"/>
+            </a:pPr>
+            <a:endParaRPr lang="en-US" altLang="zh-CN" sz="2800" b="1" dirty="0">
+              <a:solidFill>
+                <a:schemeClr val="tx1"/>
+              </a:solidFill>
               <a:latin typeface="微软雅黑" panose="020B0503020204020204" pitchFamily="34" charset="-122"/>
               <a:ea typeface="微软雅黑" panose="020B0503020204020204" pitchFamily="34" charset="-122"/>
               <a:sym typeface="+mn-ea"/>
@@ -17703,7 +17687,7 @@
         </p:nvSpPr>
         <p:spPr>
           <a:xfrm>
-            <a:off x="3463288" y="4682296"/>
+            <a:off x="2985505" y="5230549"/>
             <a:ext cx="3205434" cy="369332"/>
           </a:xfrm>
           <a:prstGeom prst="rect">
@@ -17826,25 +17810,25 @@
           <p:nvPr>
             <p:extLst>
               <p:ext uri="{D42A27DB-BD31-4B8C-83A1-F6EECF244321}">
-                <p14:modId xmlns:p14="http://schemas.microsoft.com/office/powerpoint/2010/main" val="1363373586"/>
+                <p14:modId xmlns:p14="http://schemas.microsoft.com/office/powerpoint/2010/main" val="347261897"/>
               </p:ext>
             </p:extLst>
           </p:nvPr>
         </p:nvGraphicFramePr>
         <p:xfrm>
-          <a:off x="1527175" y="2000250"/>
-          <a:ext cx="3032125" cy="1609725"/>
+          <a:off x="1831975" y="2644775"/>
+          <a:ext cx="4645025" cy="1603375"/>
         </p:xfrm>
         <a:graphic>
           <a:graphicData uri="http://schemas.openxmlformats.org/presentationml/2006/ole">
             <mc:AlternateContent xmlns:mc="http://schemas.openxmlformats.org/markup-compatibility/2006">
               <mc:Choice xmlns:v="urn:schemas-microsoft-com:vml" Requires="v">
-                <p:oleObj name="AxMath" r:id="rId4" imgW="1516320" imgH="804600" progId="Equation.AxMath">
+                <p:oleObj name="AxMath" r:id="rId4" imgW="2322720" imgH="801360" progId="Equation.AxMath">
                   <p:embed/>
                 </p:oleObj>
               </mc:Choice>
               <mc:Fallback>
-                <p:oleObj name="AxMath" r:id="rId4" imgW="1516320" imgH="804600" progId="Equation.AxMath">
+                <p:oleObj name="AxMath" r:id="rId4" imgW="2322720" imgH="801360" progId="Equation.AxMath">
                   <p:embed/>
                   <p:pic>
                     <p:nvPicPr>
@@ -17866,8 +17850,8 @@
                     </p:blipFill>
                     <p:spPr>
                       <a:xfrm>
-                        <a:off x="1527175" y="2000250"/>
-                        <a:ext cx="3032125" cy="1609725"/>
+                        <a:off x="1831975" y="2644775"/>
+                        <a:ext cx="4645025" cy="1603375"/>
                       </a:xfrm>
                       <a:prstGeom prst="rect">
                         <a:avLst/>
@@ -17889,13 +17873,15 @@
               </a:ext>
             </a:extLst>
           </p:cNvPr>
-          <p:cNvCxnSpPr/>
+          <p:cNvCxnSpPr>
+            <a:cxnSpLocks/>
+          </p:cNvCxnSpPr>
           <p:nvPr/>
         </p:nvCxnSpPr>
         <p:spPr>
           <a:xfrm>
-            <a:off x="6196042" y="1947601"/>
-            <a:ext cx="4852491" cy="0"/>
+            <a:off x="1930417" y="2521933"/>
+            <a:ext cx="8574032" cy="0"/>
           </a:xfrm>
           <a:prstGeom prst="line">
             <a:avLst/>
@@ -17937,7 +17923,7 @@
         </p:nvCxnSpPr>
         <p:spPr>
           <a:xfrm>
-            <a:off x="8622288" y="1259234"/>
+            <a:off x="6826599" y="1907744"/>
             <a:ext cx="0" cy="2342971"/>
           </a:xfrm>
           <a:prstGeom prst="line">
@@ -17978,7 +17964,7 @@
         </p:nvSpPr>
         <p:spPr>
           <a:xfrm>
-            <a:off x="6378592" y="1330917"/>
+            <a:off x="7969392" y="1900609"/>
             <a:ext cx="2061146" cy="461665"/>
           </a:xfrm>
           <a:prstGeom prst="rect">
@@ -18033,7 +18019,7 @@
         </p:nvSpPr>
         <p:spPr>
           <a:xfrm>
-            <a:off x="8927639" y="1330916"/>
+            <a:off x="3095548" y="1900608"/>
             <a:ext cx="2061146" cy="461665"/>
           </a:xfrm>
           <a:prstGeom prst="rect">
@@ -18089,13 +18075,13 @@
           <p:nvPr>
             <p:extLst>
               <p:ext uri="{D42A27DB-BD31-4B8C-83A1-F6EECF244321}">
-                <p14:modId xmlns:p14="http://schemas.microsoft.com/office/powerpoint/2010/main" val="2509328241"/>
+                <p14:modId xmlns:p14="http://schemas.microsoft.com/office/powerpoint/2010/main" val="4005381213"/>
               </p:ext>
             </p:extLst>
           </p:nvPr>
         </p:nvGraphicFramePr>
         <p:xfrm>
-          <a:off x="6228065" y="2187759"/>
+          <a:off x="7899383" y="2717887"/>
           <a:ext cx="2362200" cy="1390650"/>
         </p:xfrm>
         <a:graphic>
@@ -18129,77 +18115,8 @@
                     </p:blipFill>
                     <p:spPr>
                       <a:xfrm>
-                        <a:off x="6228065" y="2187759"/>
+                        <a:off x="7899383" y="2717887"/>
                         <a:ext cx="2362200" cy="1390650"/>
-                      </a:xfrm>
-                      <a:prstGeom prst="rect">
-                        <a:avLst/>
-                      </a:prstGeom>
-                    </p:spPr>
-                  </p:pic>
-                </p:oleObj>
-              </mc:Fallback>
-            </mc:AlternateContent>
-          </a:graphicData>
-        </a:graphic>
-      </p:graphicFrame>
-      <p:graphicFrame>
-        <p:nvGraphicFramePr>
-          <p:cNvPr id="22" name="对象 21">
-            <a:extLst>
-              <a:ext uri="{FF2B5EF4-FFF2-40B4-BE49-F238E27FC236}">
-                <a16:creationId xmlns:a16="http://schemas.microsoft.com/office/drawing/2014/main" id="{938E6284-A2B0-E090-AEE5-90313C0DB071}"/>
-              </a:ext>
-            </a:extLst>
-          </p:cNvPr>
-          <p:cNvGraphicFramePr>
-            <a:graphicFrameLocks noChangeAspect="1"/>
-          </p:cNvGraphicFramePr>
-          <p:nvPr>
-            <p:extLst>
-              <p:ext uri="{D42A27DB-BD31-4B8C-83A1-F6EECF244321}">
-                <p14:modId xmlns:p14="http://schemas.microsoft.com/office/powerpoint/2010/main" val="2194593229"/>
-              </p:ext>
-            </p:extLst>
-          </p:nvPr>
-        </p:nvGraphicFramePr>
-        <p:xfrm>
-          <a:off x="8856487" y="2183694"/>
-          <a:ext cx="2203450" cy="1390650"/>
-        </p:xfrm>
-        <a:graphic>
-          <a:graphicData uri="http://schemas.openxmlformats.org/presentationml/2006/ole">
-            <mc:AlternateContent xmlns:mc="http://schemas.openxmlformats.org/markup-compatibility/2006">
-              <mc:Choice xmlns:v="urn:schemas-microsoft-com:vml" Requires="v">
-                <p:oleObj name="AxMath" r:id="rId8" imgW="1101240" imgH="695160" progId="Equation.AxMath">
-                  <p:embed/>
-                </p:oleObj>
-              </mc:Choice>
-              <mc:Fallback>
-                <p:oleObj name="AxMath" r:id="rId8" imgW="1101240" imgH="695160" progId="Equation.AxMath">
-                  <p:embed/>
-                  <p:pic>
-                    <p:nvPicPr>
-                      <p:cNvPr id="21" name="对象 20">
-                        <a:extLst>
-                          <a:ext uri="{FF2B5EF4-FFF2-40B4-BE49-F238E27FC236}">
-                            <a16:creationId xmlns:a16="http://schemas.microsoft.com/office/drawing/2014/main" id="{10313C4A-79E2-CF65-2347-23BE2C05CC1A}"/>
-                          </a:ext>
-                        </a:extLst>
-                      </p:cNvPr>
-                      <p:cNvPicPr/>
-                      <p:nvPr/>
-                    </p:nvPicPr>
-                    <p:blipFill>
-                      <a:blip r:embed="rId9"/>
-                      <a:stretch>
-                        <a:fillRect/>
-                      </a:stretch>
-                    </p:blipFill>
-                    <p:spPr>
-                      <a:xfrm>
-                        <a:off x="8856487" y="2183694"/>
-                        <a:ext cx="2203450" cy="1390650"/>
                       </a:xfrm>
                       <a:prstGeom prst="rect">
                         <a:avLst/>
@@ -18227,25 +18144,25 @@
           <p:nvPr>
             <p:extLst>
               <p:ext uri="{D42A27DB-BD31-4B8C-83A1-F6EECF244321}">
-                <p14:modId xmlns:p14="http://schemas.microsoft.com/office/powerpoint/2010/main" val="1262209480"/>
+                <p14:modId xmlns:p14="http://schemas.microsoft.com/office/powerpoint/2010/main" val="2114630856"/>
               </p:ext>
             </p:extLst>
           </p:nvPr>
         </p:nvGraphicFramePr>
         <p:xfrm>
-          <a:off x="1811747" y="4490394"/>
+          <a:off x="1333964" y="5038647"/>
           <a:ext cx="2219325" cy="1609725"/>
         </p:xfrm>
         <a:graphic>
           <a:graphicData uri="http://schemas.openxmlformats.org/presentationml/2006/ole">
             <mc:AlternateContent xmlns:mc="http://schemas.openxmlformats.org/markup-compatibility/2006">
               <mc:Choice xmlns:v="urn:schemas-microsoft-com:vml" Requires="v">
-                <p:oleObj name="AxMath" r:id="rId10" imgW="1109520" imgH="804600" progId="Equation.AxMath">
+                <p:oleObj name="AxMath" r:id="rId8" imgW="1109520" imgH="804600" progId="Equation.AxMath">
                   <p:embed/>
                 </p:oleObj>
               </mc:Choice>
               <mc:Fallback>
-                <p:oleObj name="AxMath" r:id="rId10" imgW="1109520" imgH="804600" progId="Equation.AxMath">
+                <p:oleObj name="AxMath" r:id="rId8" imgW="1109520" imgH="804600" progId="Equation.AxMath">
                   <p:embed/>
                   <p:pic>
                     <p:nvPicPr>
@@ -18260,14 +18177,14 @@
                       <p:nvPr/>
                     </p:nvPicPr>
                     <p:blipFill>
-                      <a:blip r:embed="rId11"/>
+                      <a:blip r:embed="rId9"/>
                       <a:stretch>
                         <a:fillRect/>
                       </a:stretch>
                     </p:blipFill>
                     <p:spPr>
                       <a:xfrm>
-                        <a:off x="1811747" y="4490394"/>
+                        <a:off x="1333964" y="5038647"/>
                         <a:ext cx="2219325" cy="1609725"/>
                       </a:xfrm>
                       <a:prstGeom prst="rect">
@@ -18295,7 +18212,7 @@
         </p:nvSpPr>
         <p:spPr>
           <a:xfrm>
-            <a:off x="6821536" y="4405297"/>
+            <a:off x="6719218" y="4913613"/>
             <a:ext cx="4891760" cy="461665"/>
           </a:xfrm>
           <a:prstGeom prst="rect">
@@ -18391,25 +18308,25 @@
           <p:nvPr>
             <p:extLst>
               <p:ext uri="{D42A27DB-BD31-4B8C-83A1-F6EECF244321}">
-                <p14:modId xmlns:p14="http://schemas.microsoft.com/office/powerpoint/2010/main" val="3614925912"/>
+                <p14:modId xmlns:p14="http://schemas.microsoft.com/office/powerpoint/2010/main" val="2338642482"/>
               </p:ext>
             </p:extLst>
           </p:nvPr>
         </p:nvGraphicFramePr>
         <p:xfrm>
-          <a:off x="7125996" y="4885293"/>
+          <a:off x="7023678" y="5393609"/>
           <a:ext cx="517525" cy="698500"/>
         </p:xfrm>
         <a:graphic>
           <a:graphicData uri="http://schemas.openxmlformats.org/presentationml/2006/ole">
             <mc:AlternateContent xmlns:mc="http://schemas.openxmlformats.org/markup-compatibility/2006">
               <mc:Choice xmlns:v="urn:schemas-microsoft-com:vml" Requires="v">
-                <p:oleObj name="AxMath" r:id="rId12" imgW="258480" imgH="349560" progId="Equation.AxMath">
+                <p:oleObj name="AxMath" r:id="rId10" imgW="258480" imgH="349560" progId="Equation.AxMath">
                   <p:embed/>
                 </p:oleObj>
               </mc:Choice>
               <mc:Fallback>
-                <p:oleObj name="AxMath" r:id="rId12" imgW="258480" imgH="349560" progId="Equation.AxMath">
+                <p:oleObj name="AxMath" r:id="rId10" imgW="258480" imgH="349560" progId="Equation.AxMath">
                   <p:embed/>
                   <p:pic>
                     <p:nvPicPr>
@@ -18418,14 +18335,14 @@
                       <p:nvPr/>
                     </p:nvPicPr>
                     <p:blipFill>
-                      <a:blip r:embed="rId13"/>
+                      <a:blip r:embed="rId11"/>
                       <a:stretch>
                         <a:fillRect/>
                       </a:stretch>
                     </p:blipFill>
                     <p:spPr>
                       <a:xfrm>
-                        <a:off x="7125996" y="4885293"/>
+                        <a:off x="7023678" y="5393609"/>
                         <a:ext cx="517525" cy="698500"/>
                       </a:xfrm>
                       <a:prstGeom prst="rect">
@@ -18453,7 +18370,7 @@
         </p:nvSpPr>
         <p:spPr>
           <a:xfrm>
-            <a:off x="8443004" y="5583793"/>
+            <a:off x="8340686" y="6092109"/>
             <a:ext cx="3612490" cy="369332"/>
           </a:xfrm>
           <a:prstGeom prst="rect">
@@ -18506,7 +18423,7 @@
         </p:nvSpPr>
         <p:spPr>
           <a:xfrm>
-            <a:off x="7545204" y="4988757"/>
+            <a:off x="7442886" y="5497073"/>
             <a:ext cx="3833270" cy="461665"/>
           </a:xfrm>
           <a:prstGeom prst="rect">
@@ -18581,7 +18498,7 @@
         </p:nvSpPr>
         <p:spPr>
           <a:xfrm>
-            <a:off x="6668722" y="4180670"/>
+            <a:off x="6566404" y="4688986"/>
             <a:ext cx="5280181" cy="1962066"/>
           </a:xfrm>
           <a:prstGeom prst="roundRect">
@@ -18634,10 +18551,10 @@
           <p:nvPr/>
         </p:nvPicPr>
         <p:blipFill>
-          <a:blip r:embed="rId14">
+          <a:blip r:embed="rId12">
             <a:extLst>
               <a:ext uri="{96DAC541-7B7A-43D3-8B79-37D633B846F1}">
-                <asvg:svgBlip xmlns:asvg="http://schemas.microsoft.com/office/drawing/2016/SVG/main" r:embed="rId15"/>
+                <asvg:svgBlip xmlns:asvg="http://schemas.microsoft.com/office/drawing/2016/SVG/main" r:embed="rId13"/>
               </a:ext>
             </a:extLst>
           </a:blip>

--- a/08 受摄二体问题.pptx
+++ b/08 受摄二体问题.pptx
@@ -241,7 +241,7 @@
           <a:p>
             <a:fld id="{26DDD1A4-63E9-4C41-BD0C-A6576214358F}" type="datetimeFigureOut">
               <a:rPr kumimoji="1" lang="zh-CN" altLang="en-US" smtClean="0"/>
-              <a:t>2024/5/20</a:t>
+              <a:t>2024/10/28</a:t>
             </a:fld>
             <a:endParaRPr kumimoji="1" lang="zh-CN" altLang="en-US"/>
           </a:p>
@@ -835,7 +835,7 @@
           <a:p>
             <a:fld id="{8664C608-40B1-4030-A28D-5B74BC98ADCE}" type="datetimeFigureOut">
               <a:rPr lang="en-US" smtClean="0"/>
-              <a:t>5/20/2024</a:t>
+              <a:t>10/28/2024</a:t>
             </a:fld>
             <a:endParaRPr lang="en-US" dirty="0"/>
           </a:p>
@@ -9821,6 +9821,165 @@
           </a:prstGeom>
         </p:spPr>
       </p:pic>
+      <p:sp>
+        <p:nvSpPr>
+          <p:cNvPr id="12" name="椭圆 11">
+            <a:extLst>
+              <a:ext uri="{FF2B5EF4-FFF2-40B4-BE49-F238E27FC236}">
+                <a16:creationId xmlns:a16="http://schemas.microsoft.com/office/drawing/2014/main" id="{3DEB5DBA-F3E9-A8F7-E950-C830DDF5E25C}"/>
+              </a:ext>
+            </a:extLst>
+          </p:cNvPr>
+          <p:cNvSpPr/>
+          <p:nvPr/>
+        </p:nvSpPr>
+        <p:spPr>
+          <a:xfrm>
+            <a:off x="7905481" y="3730630"/>
+            <a:ext cx="673409" cy="673409"/>
+          </a:xfrm>
+          <a:prstGeom prst="ellipse">
+            <a:avLst/>
+          </a:prstGeom>
+          <a:noFill/>
+          <a:ln w="38100">
+            <a:solidFill>
+              <a:srgbClr val="0000FF"/>
+            </a:solidFill>
+            <a:prstDash val="sysDash"/>
+          </a:ln>
+        </p:spPr>
+        <p:style>
+          <a:lnRef idx="2">
+            <a:schemeClr val="accent1">
+              <a:shade val="15000"/>
+            </a:schemeClr>
+          </a:lnRef>
+          <a:fillRef idx="1">
+            <a:schemeClr val="accent1"/>
+          </a:fillRef>
+          <a:effectRef idx="0">
+            <a:schemeClr val="accent1"/>
+          </a:effectRef>
+          <a:fontRef idx="minor">
+            <a:schemeClr val="lt1"/>
+          </a:fontRef>
+        </p:style>
+        <p:txBody>
+          <a:bodyPr rtlCol="0" anchor="ctr"/>
+          <a:lstStyle/>
+          <a:p>
+            <a:pPr algn="ctr"/>
+            <a:endParaRPr lang="zh-CN" altLang="en-US"/>
+          </a:p>
+        </p:txBody>
+      </p:sp>
+      <p:sp>
+        <p:nvSpPr>
+          <p:cNvPr id="18" name="椭圆 17">
+            <a:extLst>
+              <a:ext uri="{FF2B5EF4-FFF2-40B4-BE49-F238E27FC236}">
+                <a16:creationId xmlns:a16="http://schemas.microsoft.com/office/drawing/2014/main" id="{7B11C74E-2326-8159-6DE6-B13C0ED1454C}"/>
+              </a:ext>
+            </a:extLst>
+          </p:cNvPr>
+          <p:cNvSpPr/>
+          <p:nvPr/>
+        </p:nvSpPr>
+        <p:spPr>
+          <a:xfrm>
+            <a:off x="8567891" y="4463402"/>
+            <a:ext cx="673409" cy="673409"/>
+          </a:xfrm>
+          <a:prstGeom prst="ellipse">
+            <a:avLst/>
+          </a:prstGeom>
+          <a:noFill/>
+          <a:ln w="38100">
+            <a:solidFill>
+              <a:srgbClr val="0000FF"/>
+            </a:solidFill>
+            <a:prstDash val="sysDash"/>
+          </a:ln>
+        </p:spPr>
+        <p:style>
+          <a:lnRef idx="2">
+            <a:schemeClr val="accent1">
+              <a:shade val="15000"/>
+            </a:schemeClr>
+          </a:lnRef>
+          <a:fillRef idx="1">
+            <a:schemeClr val="accent1"/>
+          </a:fillRef>
+          <a:effectRef idx="0">
+            <a:schemeClr val="accent1"/>
+          </a:effectRef>
+          <a:fontRef idx="minor">
+            <a:schemeClr val="lt1"/>
+          </a:fontRef>
+        </p:style>
+        <p:txBody>
+          <a:bodyPr rtlCol="0" anchor="ctr"/>
+          <a:lstStyle/>
+          <a:p>
+            <a:pPr algn="ctr"/>
+            <a:endParaRPr lang="zh-CN" altLang="en-US"/>
+          </a:p>
+        </p:txBody>
+      </p:sp>
+      <p:sp>
+        <p:nvSpPr>
+          <p:cNvPr id="21" name="椭圆 20">
+            <a:extLst>
+              <a:ext uri="{FF2B5EF4-FFF2-40B4-BE49-F238E27FC236}">
+                <a16:creationId xmlns:a16="http://schemas.microsoft.com/office/drawing/2014/main" id="{CA50251F-B8DB-560E-0D06-0326F7AC439B}"/>
+              </a:ext>
+            </a:extLst>
+          </p:cNvPr>
+          <p:cNvSpPr/>
+          <p:nvPr/>
+        </p:nvSpPr>
+        <p:spPr>
+          <a:xfrm>
+            <a:off x="8567890" y="5193513"/>
+            <a:ext cx="673409" cy="673409"/>
+          </a:xfrm>
+          <a:prstGeom prst="ellipse">
+            <a:avLst/>
+          </a:prstGeom>
+          <a:noFill/>
+          <a:ln w="38100">
+            <a:solidFill>
+              <a:srgbClr val="0000FF"/>
+            </a:solidFill>
+            <a:prstDash val="sysDash"/>
+          </a:ln>
+        </p:spPr>
+        <p:style>
+          <a:lnRef idx="2">
+            <a:schemeClr val="accent1">
+              <a:shade val="15000"/>
+            </a:schemeClr>
+          </a:lnRef>
+          <a:fillRef idx="1">
+            <a:schemeClr val="accent1"/>
+          </a:fillRef>
+          <a:effectRef idx="0">
+            <a:schemeClr val="accent1"/>
+          </a:effectRef>
+          <a:fontRef idx="minor">
+            <a:schemeClr val="lt1"/>
+          </a:fontRef>
+        </p:style>
+        <p:txBody>
+          <a:bodyPr rtlCol="0" anchor="ctr"/>
+          <a:lstStyle/>
+          <a:p>
+            <a:pPr algn="ctr"/>
+            <a:endParaRPr lang="zh-CN" altLang="en-US"/>
+          </a:p>
+        </p:txBody>
+      </p:sp>
     </p:spTree>
     <p:extLst>
       <p:ext uri="{BB962C8B-B14F-4D97-AF65-F5344CB8AC3E}">
@@ -9864,7 +10023,7 @@
                             </p:stCondLst>
                             <p:childTnLst>
                               <p:par>
-                                <p:cTn id="5" presetID="10" presetClass="entr" presetSubtype="0" fill="hold" grpId="0" nodeType="clickEffect">
+                                <p:cTn id="5" presetID="10" presetClass="entr" presetSubtype="0" fill="hold" nodeType="clickEffect">
                                   <p:stCondLst>
                                     <p:cond delay="0"/>
                                   </p:stCondLst>
@@ -9872,6 +10031,199 @@
                                     <p:set>
                                       <p:cBhvr>
                                         <p:cTn id="6" dur="1" fill="hold">
+                                          <p:stCondLst>
+                                            <p:cond delay="0"/>
+                                          </p:stCondLst>
+                                        </p:cTn>
+                                        <p:tgtEl>
+                                          <p:spTgt spid="10"/>
+                                        </p:tgtEl>
+                                        <p:attrNameLst>
+                                          <p:attrName>style.visibility</p:attrName>
+                                        </p:attrNameLst>
+                                      </p:cBhvr>
+                                      <p:to>
+                                        <p:strVal val="visible"/>
+                                      </p:to>
+                                    </p:set>
+                                    <p:animEffect transition="in" filter="fade">
+                                      <p:cBhvr>
+                                        <p:cTn id="7" dur="500"/>
+                                        <p:tgtEl>
+                                          <p:spTgt spid="10"/>
+                                        </p:tgtEl>
+                                      </p:cBhvr>
+                                    </p:animEffect>
+                                  </p:childTnLst>
+                                </p:cTn>
+                              </p:par>
+                              <p:par>
+                                <p:cTn id="8" presetID="10" presetClass="entr" presetSubtype="0" fill="hold" grpId="0" nodeType="withEffect">
+                                  <p:stCondLst>
+                                    <p:cond delay="0"/>
+                                  </p:stCondLst>
+                                  <p:childTnLst>
+                                    <p:set>
+                                      <p:cBhvr>
+                                        <p:cTn id="9" dur="1" fill="hold">
+                                          <p:stCondLst>
+                                            <p:cond delay="0"/>
+                                          </p:stCondLst>
+                                        </p:cTn>
+                                        <p:tgtEl>
+                                          <p:spTgt spid="14"/>
+                                        </p:tgtEl>
+                                        <p:attrNameLst>
+                                          <p:attrName>style.visibility</p:attrName>
+                                        </p:attrNameLst>
+                                      </p:cBhvr>
+                                      <p:to>
+                                        <p:strVal val="visible"/>
+                                      </p:to>
+                                    </p:set>
+                                    <p:animEffect transition="in" filter="fade">
+                                      <p:cBhvr>
+                                        <p:cTn id="10" dur="500"/>
+                                        <p:tgtEl>
+                                          <p:spTgt spid="14"/>
+                                        </p:tgtEl>
+                                      </p:cBhvr>
+                                    </p:animEffect>
+                                  </p:childTnLst>
+                                </p:cTn>
+                              </p:par>
+                              <p:par>
+                                <p:cTn id="11" presetID="10" presetClass="entr" presetSubtype="0" fill="hold" grpId="0" nodeType="withEffect">
+                                  <p:stCondLst>
+                                    <p:cond delay="0"/>
+                                  </p:stCondLst>
+                                  <p:childTnLst>
+                                    <p:set>
+                                      <p:cBhvr>
+                                        <p:cTn id="12" dur="1" fill="hold">
+                                          <p:stCondLst>
+                                            <p:cond delay="0"/>
+                                          </p:stCondLst>
+                                        </p:cTn>
+                                        <p:tgtEl>
+                                          <p:spTgt spid="21"/>
+                                        </p:tgtEl>
+                                        <p:attrNameLst>
+                                          <p:attrName>style.visibility</p:attrName>
+                                        </p:attrNameLst>
+                                      </p:cBhvr>
+                                      <p:to>
+                                        <p:strVal val="visible"/>
+                                      </p:to>
+                                    </p:set>
+                                    <p:animEffect transition="in" filter="fade">
+                                      <p:cBhvr>
+                                        <p:cTn id="13" dur="500"/>
+                                        <p:tgtEl>
+                                          <p:spTgt spid="21"/>
+                                        </p:tgtEl>
+                                      </p:cBhvr>
+                                    </p:animEffect>
+                                  </p:childTnLst>
+                                </p:cTn>
+                              </p:par>
+                              <p:par>
+                                <p:cTn id="14" presetID="10" presetClass="entr" presetSubtype="0" fill="hold" grpId="0" nodeType="withEffect">
+                                  <p:stCondLst>
+                                    <p:cond delay="0"/>
+                                  </p:stCondLst>
+                                  <p:childTnLst>
+                                    <p:set>
+                                      <p:cBhvr>
+                                        <p:cTn id="15" dur="1" fill="hold">
+                                          <p:stCondLst>
+                                            <p:cond delay="0"/>
+                                          </p:stCondLst>
+                                        </p:cTn>
+                                        <p:tgtEl>
+                                          <p:spTgt spid="12"/>
+                                        </p:tgtEl>
+                                        <p:attrNameLst>
+                                          <p:attrName>style.visibility</p:attrName>
+                                        </p:attrNameLst>
+                                      </p:cBhvr>
+                                      <p:to>
+                                        <p:strVal val="visible"/>
+                                      </p:to>
+                                    </p:set>
+                                    <p:animEffect transition="in" filter="fade">
+                                      <p:cBhvr>
+                                        <p:cTn id="16" dur="500"/>
+                                        <p:tgtEl>
+                                          <p:spTgt spid="12"/>
+                                        </p:tgtEl>
+                                      </p:cBhvr>
+                                    </p:animEffect>
+                                  </p:childTnLst>
+                                </p:cTn>
+                              </p:par>
+                              <p:par>
+                                <p:cTn id="17" presetID="10" presetClass="entr" presetSubtype="0" fill="hold" grpId="0" nodeType="withEffect">
+                                  <p:stCondLst>
+                                    <p:cond delay="0"/>
+                                  </p:stCondLst>
+                                  <p:childTnLst>
+                                    <p:set>
+                                      <p:cBhvr>
+                                        <p:cTn id="18" dur="1" fill="hold">
+                                          <p:stCondLst>
+                                            <p:cond delay="0"/>
+                                          </p:stCondLst>
+                                        </p:cTn>
+                                        <p:tgtEl>
+                                          <p:spTgt spid="18"/>
+                                        </p:tgtEl>
+                                        <p:attrNameLst>
+                                          <p:attrName>style.visibility</p:attrName>
+                                        </p:attrNameLst>
+                                      </p:cBhvr>
+                                      <p:to>
+                                        <p:strVal val="visible"/>
+                                      </p:to>
+                                    </p:set>
+                                    <p:animEffect transition="in" filter="fade">
+                                      <p:cBhvr>
+                                        <p:cTn id="19" dur="500"/>
+                                        <p:tgtEl>
+                                          <p:spTgt spid="18"/>
+                                        </p:tgtEl>
+                                      </p:cBhvr>
+                                    </p:animEffect>
+                                  </p:childTnLst>
+                                </p:cTn>
+                              </p:par>
+                            </p:childTnLst>
+                          </p:cTn>
+                        </p:par>
+                      </p:childTnLst>
+                    </p:cTn>
+                  </p:par>
+                  <p:par>
+                    <p:cTn id="20" fill="hold">
+                      <p:stCondLst>
+                        <p:cond delay="indefinite"/>
+                      </p:stCondLst>
+                      <p:childTnLst>
+                        <p:par>
+                          <p:cTn id="21" fill="hold">
+                            <p:stCondLst>
+                              <p:cond delay="0"/>
+                            </p:stCondLst>
+                            <p:childTnLst>
+                              <p:par>
+                                <p:cTn id="22" presetID="10" presetClass="entr" presetSubtype="0" fill="hold" grpId="0" nodeType="clickEffect">
+                                  <p:stCondLst>
+                                    <p:cond delay="0"/>
+                                  </p:stCondLst>
+                                  <p:childTnLst>
+                                    <p:set>
+                                      <p:cBhvr>
+                                        <p:cTn id="23" dur="1" fill="hold">
                                           <p:stCondLst>
                                             <p:cond delay="0"/>
                                           </p:stCondLst>
@@ -9889,7 +10241,7 @@
                                     </p:set>
                                     <p:animEffect transition="in" filter="fade">
                                       <p:cBhvr>
-                                        <p:cTn id="7" dur="500"/>
+                                        <p:cTn id="24" dur="500"/>
                                         <p:tgtEl>
                                           <p:spTgt spid="7"/>
                                         </p:tgtEl>
@@ -9927,6 +10279,10 @@
     </p:tnLst>
     <p:bldLst>
       <p:bldP spid="7" grpId="0" animBg="1"/>
+      <p:bldP spid="14" grpId="0"/>
+      <p:bldP spid="12" grpId="0" animBg="1"/>
+      <p:bldP spid="18" grpId="0" animBg="1"/>
+      <p:bldP spid="21" grpId="0" animBg="1"/>
     </p:bldLst>
   </p:timing>
 </p:sld>
@@ -12648,7 +13004,7 @@
                                         <p:tgtEl>
                                           <p:spTgt spid="3">
                                             <p:txEl>
-                                              <p:pRg st="2" end="2"/>
+                                              <p:pRg st="1" end="1"/>
                                             </p:txEl>
                                           </p:spTgt>
                                         </p:tgtEl>
@@ -12666,9 +13022,44 @@
                                         <p:tgtEl>
                                           <p:spTgt spid="3">
                                             <p:txEl>
-                                              <p:pRg st="2" end="2"/>
+                                              <p:pRg st="1" end="1"/>
                                             </p:txEl>
                                           </p:spTgt>
+                                        </p:tgtEl>
+                                      </p:cBhvr>
+                                    </p:animEffect>
+                                  </p:childTnLst>
+                                </p:cTn>
+                              </p:par>
+                              <p:par>
+                                <p:cTn id="8" presetID="10" presetClass="entr" presetSubtype="0" fill="hold" nodeType="withEffect">
+                                  <p:stCondLst>
+                                    <p:cond delay="0"/>
+                                  </p:stCondLst>
+                                  <p:childTnLst>
+                                    <p:set>
+                                      <p:cBhvr>
+                                        <p:cTn id="9" dur="1" fill="hold">
+                                          <p:stCondLst>
+                                            <p:cond delay="0"/>
+                                          </p:stCondLst>
+                                        </p:cTn>
+                                        <p:tgtEl>
+                                          <p:spTgt spid="7"/>
+                                        </p:tgtEl>
+                                        <p:attrNameLst>
+                                          <p:attrName>style.visibility</p:attrName>
+                                        </p:attrNameLst>
+                                      </p:cBhvr>
+                                      <p:to>
+                                        <p:strVal val="visible"/>
+                                      </p:to>
+                                    </p:set>
+                                    <p:animEffect transition="in" filter="fade">
+                                      <p:cBhvr>
+                                        <p:cTn id="10" dur="500"/>
+                                        <p:tgtEl>
+                                          <p:spTgt spid="7"/>
                                         </p:tgtEl>
                                       </p:cBhvr>
                                     </p:animEffect>
@@ -12682,54 +13073,19 @@
                     </p:cTn>
                   </p:par>
                   <p:par>
-                    <p:cTn id="8" fill="hold">
+                    <p:cTn id="11" fill="hold">
                       <p:stCondLst>
                         <p:cond delay="indefinite"/>
                       </p:stCondLst>
                       <p:childTnLst>
                         <p:par>
-                          <p:cTn id="9" fill="hold">
+                          <p:cTn id="12" fill="hold">
                             <p:stCondLst>
                               <p:cond delay="0"/>
                             </p:stCondLst>
                             <p:childTnLst>
                               <p:par>
-                                <p:cTn id="10" presetID="10" presetClass="entr" presetSubtype="0" fill="hold" nodeType="clickEffect">
-                                  <p:stCondLst>
-                                    <p:cond delay="0"/>
-                                  </p:stCondLst>
-                                  <p:childTnLst>
-                                    <p:set>
-                                      <p:cBhvr>
-                                        <p:cTn id="11" dur="1" fill="hold">
-                                          <p:stCondLst>
-                                            <p:cond delay="0"/>
-                                          </p:stCondLst>
-                                        </p:cTn>
-                                        <p:tgtEl>
-                                          <p:spTgt spid="9"/>
-                                        </p:tgtEl>
-                                        <p:attrNameLst>
-                                          <p:attrName>style.visibility</p:attrName>
-                                        </p:attrNameLst>
-                                      </p:cBhvr>
-                                      <p:to>
-                                        <p:strVal val="visible"/>
-                                      </p:to>
-                                    </p:set>
-                                    <p:animEffect transition="in" filter="fade">
-                                      <p:cBhvr>
-                                        <p:cTn id="12" dur="500"/>
-                                        <p:tgtEl>
-                                          <p:spTgt spid="9"/>
-                                        </p:tgtEl>
-                                      </p:cBhvr>
-                                    </p:animEffect>
-                                  </p:childTnLst>
-                                </p:cTn>
-                              </p:par>
-                              <p:par>
-                                <p:cTn id="13" presetID="10" presetClass="entr" presetSubtype="0" fill="hold" nodeType="withEffect">
+                                <p:cTn id="13" presetID="10" presetClass="entr" presetSubtype="0" fill="hold" nodeType="clickEffect">
                                   <p:stCondLst>
                                     <p:cond delay="0"/>
                                   </p:stCondLst>
@@ -12742,7 +13098,11 @@
                                           </p:stCondLst>
                                         </p:cTn>
                                         <p:tgtEl>
-                                          <p:spTgt spid="12"/>
+                                          <p:spTgt spid="3">
+                                            <p:txEl>
+                                              <p:pRg st="2" end="2"/>
+                                            </p:txEl>
+                                          </p:spTgt>
                                         </p:tgtEl>
                                         <p:attrNameLst>
                                           <p:attrName>style.visibility</p:attrName>
@@ -12756,7 +13116,11 @@
                                       <p:cBhvr>
                                         <p:cTn id="15" dur="500"/>
                                         <p:tgtEl>
-                                          <p:spTgt spid="12"/>
+                                          <p:spTgt spid="3">
+                                            <p:txEl>
+                                              <p:pRg st="2" end="2"/>
+                                            </p:txEl>
+                                          </p:spTgt>
                                         </p:tgtEl>
                                       </p:cBhvr>
                                     </p:animEffect>
@@ -12777,7 +13141,7 @@
                                           </p:stCondLst>
                                         </p:cTn>
                                         <p:tgtEl>
-                                          <p:spTgt spid="13"/>
+                                          <p:spTgt spid="9"/>
                                         </p:tgtEl>
                                         <p:attrNameLst>
                                           <p:attrName>style.visibility</p:attrName>
@@ -12791,7 +13155,7 @@
                                       <p:cBhvr>
                                         <p:cTn id="18" dur="500"/>
                                         <p:tgtEl>
-                                          <p:spTgt spid="13"/>
+                                          <p:spTgt spid="9"/>
                                         </p:tgtEl>
                                       </p:cBhvr>
                                     </p:animEffect>
@@ -12812,6 +13176,76 @@
                                           </p:stCondLst>
                                         </p:cTn>
                                         <p:tgtEl>
+                                          <p:spTgt spid="12"/>
+                                        </p:tgtEl>
+                                        <p:attrNameLst>
+                                          <p:attrName>style.visibility</p:attrName>
+                                        </p:attrNameLst>
+                                      </p:cBhvr>
+                                      <p:to>
+                                        <p:strVal val="visible"/>
+                                      </p:to>
+                                    </p:set>
+                                    <p:animEffect transition="in" filter="fade">
+                                      <p:cBhvr>
+                                        <p:cTn id="21" dur="500"/>
+                                        <p:tgtEl>
+                                          <p:spTgt spid="12"/>
+                                        </p:tgtEl>
+                                      </p:cBhvr>
+                                    </p:animEffect>
+                                  </p:childTnLst>
+                                </p:cTn>
+                              </p:par>
+                              <p:par>
+                                <p:cTn id="22" presetID="10" presetClass="entr" presetSubtype="0" fill="hold" nodeType="withEffect">
+                                  <p:stCondLst>
+                                    <p:cond delay="0"/>
+                                  </p:stCondLst>
+                                  <p:childTnLst>
+                                    <p:set>
+                                      <p:cBhvr>
+                                        <p:cTn id="23" dur="1" fill="hold">
+                                          <p:stCondLst>
+                                            <p:cond delay="0"/>
+                                          </p:stCondLst>
+                                        </p:cTn>
+                                        <p:tgtEl>
+                                          <p:spTgt spid="13"/>
+                                        </p:tgtEl>
+                                        <p:attrNameLst>
+                                          <p:attrName>style.visibility</p:attrName>
+                                        </p:attrNameLst>
+                                      </p:cBhvr>
+                                      <p:to>
+                                        <p:strVal val="visible"/>
+                                      </p:to>
+                                    </p:set>
+                                    <p:animEffect transition="in" filter="fade">
+                                      <p:cBhvr>
+                                        <p:cTn id="24" dur="500"/>
+                                        <p:tgtEl>
+                                          <p:spTgt spid="13"/>
+                                        </p:tgtEl>
+                                      </p:cBhvr>
+                                    </p:animEffect>
+                                  </p:childTnLst>
+                                </p:cTn>
+                              </p:par>
+                              <p:par>
+                                <p:cTn id="25" presetID="10" presetClass="entr" presetSubtype="0" fill="hold" nodeType="withEffect">
+                                  <p:stCondLst>
+                                    <p:cond delay="0"/>
+                                  </p:stCondLst>
+                                  <p:childTnLst>
+                                    <p:set>
+                                      <p:cBhvr>
+                                        <p:cTn id="26" dur="1" fill="hold">
+                                          <p:stCondLst>
+                                            <p:cond delay="0"/>
+                                          </p:stCondLst>
+                                        </p:cTn>
+                                        <p:tgtEl>
                                           <p:spTgt spid="8"/>
                                         </p:tgtEl>
                                         <p:attrNameLst>
@@ -12824,7 +13258,7 @@
                                     </p:set>
                                     <p:animEffect transition="in" filter="fade">
                                       <p:cBhvr>
-                                        <p:cTn id="21" dur="500"/>
+                                        <p:cTn id="27" dur="500"/>
                                         <p:tgtEl>
                                           <p:spTgt spid="8"/>
                                         </p:tgtEl>
@@ -18594,6 +19028,349 @@
       </p:transition>
     </mc:Fallback>
   </mc:AlternateContent>
+  <p:timing>
+    <p:tnLst>
+      <p:par>
+        <p:cTn id="1" dur="indefinite" restart="never" nodeType="tmRoot">
+          <p:childTnLst>
+            <p:seq concurrent="1" nextAc="seek">
+              <p:cTn id="2" dur="indefinite" nodeType="mainSeq">
+                <p:childTnLst>
+                  <p:par>
+                    <p:cTn id="3" fill="hold">
+                      <p:stCondLst>
+                        <p:cond delay="indefinite"/>
+                      </p:stCondLst>
+                      <p:childTnLst>
+                        <p:par>
+                          <p:cTn id="4" fill="hold">
+                            <p:stCondLst>
+                              <p:cond delay="0"/>
+                            </p:stCondLst>
+                            <p:childTnLst>
+                              <p:par>
+                                <p:cTn id="5" presetID="10" presetClass="entr" presetSubtype="0" fill="hold" nodeType="clickEffect">
+                                  <p:stCondLst>
+                                    <p:cond delay="0"/>
+                                  </p:stCondLst>
+                                  <p:childTnLst>
+                                    <p:set>
+                                      <p:cBhvr>
+                                        <p:cTn id="6" dur="1" fill="hold">
+                                          <p:stCondLst>
+                                            <p:cond delay="0"/>
+                                          </p:stCondLst>
+                                        </p:cTn>
+                                        <p:tgtEl>
+                                          <p:spTgt spid="3">
+                                            <p:txEl>
+                                              <p:pRg st="5" end="5"/>
+                                            </p:txEl>
+                                          </p:spTgt>
+                                        </p:tgtEl>
+                                        <p:attrNameLst>
+                                          <p:attrName>style.visibility</p:attrName>
+                                        </p:attrNameLst>
+                                      </p:cBhvr>
+                                      <p:to>
+                                        <p:strVal val="visible"/>
+                                      </p:to>
+                                    </p:set>
+                                    <p:animEffect transition="in" filter="fade">
+                                      <p:cBhvr>
+                                        <p:cTn id="7" dur="500"/>
+                                        <p:tgtEl>
+                                          <p:spTgt spid="3">
+                                            <p:txEl>
+                                              <p:pRg st="5" end="5"/>
+                                            </p:txEl>
+                                          </p:spTgt>
+                                        </p:tgtEl>
+                                      </p:cBhvr>
+                                    </p:animEffect>
+                                  </p:childTnLst>
+                                </p:cTn>
+                              </p:par>
+                              <p:par>
+                                <p:cTn id="8" presetID="10" presetClass="entr" presetSubtype="0" fill="hold" nodeType="withEffect">
+                                  <p:stCondLst>
+                                    <p:cond delay="0"/>
+                                  </p:stCondLst>
+                                  <p:childTnLst>
+                                    <p:set>
+                                      <p:cBhvr>
+                                        <p:cTn id="9" dur="1" fill="hold">
+                                          <p:stCondLst>
+                                            <p:cond delay="0"/>
+                                          </p:stCondLst>
+                                        </p:cTn>
+                                        <p:tgtEl>
+                                          <p:spTgt spid="23"/>
+                                        </p:tgtEl>
+                                        <p:attrNameLst>
+                                          <p:attrName>style.visibility</p:attrName>
+                                        </p:attrNameLst>
+                                      </p:cBhvr>
+                                      <p:to>
+                                        <p:strVal val="visible"/>
+                                      </p:to>
+                                    </p:set>
+                                    <p:animEffect transition="in" filter="fade">
+                                      <p:cBhvr>
+                                        <p:cTn id="10" dur="500"/>
+                                        <p:tgtEl>
+                                          <p:spTgt spid="23"/>
+                                        </p:tgtEl>
+                                      </p:cBhvr>
+                                    </p:animEffect>
+                                  </p:childTnLst>
+                                </p:cTn>
+                              </p:par>
+                              <p:par>
+                                <p:cTn id="11" presetID="10" presetClass="entr" presetSubtype="0" fill="hold" grpId="0" nodeType="withEffect">
+                                  <p:stCondLst>
+                                    <p:cond delay="0"/>
+                                  </p:stCondLst>
+                                  <p:childTnLst>
+                                    <p:set>
+                                      <p:cBhvr>
+                                        <p:cTn id="12" dur="1" fill="hold">
+                                          <p:stCondLst>
+                                            <p:cond delay="0"/>
+                                          </p:stCondLst>
+                                        </p:cTn>
+                                        <p:tgtEl>
+                                          <p:spTgt spid="9"/>
+                                        </p:tgtEl>
+                                        <p:attrNameLst>
+                                          <p:attrName>style.visibility</p:attrName>
+                                        </p:attrNameLst>
+                                      </p:cBhvr>
+                                      <p:to>
+                                        <p:strVal val="visible"/>
+                                      </p:to>
+                                    </p:set>
+                                    <p:animEffect transition="in" filter="fade">
+                                      <p:cBhvr>
+                                        <p:cTn id="13" dur="500"/>
+                                        <p:tgtEl>
+                                          <p:spTgt spid="9"/>
+                                        </p:tgtEl>
+                                      </p:cBhvr>
+                                    </p:animEffect>
+                                  </p:childTnLst>
+                                </p:cTn>
+                              </p:par>
+                              <p:par>
+                                <p:cTn id="14" presetID="10" presetClass="entr" presetSubtype="0" fill="hold" grpId="0" nodeType="withEffect">
+                                  <p:stCondLst>
+                                    <p:cond delay="0"/>
+                                  </p:stCondLst>
+                                  <p:childTnLst>
+                                    <p:set>
+                                      <p:cBhvr>
+                                        <p:cTn id="15" dur="1" fill="hold">
+                                          <p:stCondLst>
+                                            <p:cond delay="0"/>
+                                          </p:stCondLst>
+                                        </p:cTn>
+                                        <p:tgtEl>
+                                          <p:spTgt spid="24"/>
+                                        </p:tgtEl>
+                                        <p:attrNameLst>
+                                          <p:attrName>style.visibility</p:attrName>
+                                        </p:attrNameLst>
+                                      </p:cBhvr>
+                                      <p:to>
+                                        <p:strVal val="visible"/>
+                                      </p:to>
+                                    </p:set>
+                                    <p:animEffect transition="in" filter="fade">
+                                      <p:cBhvr>
+                                        <p:cTn id="16" dur="500"/>
+                                        <p:tgtEl>
+                                          <p:spTgt spid="24"/>
+                                        </p:tgtEl>
+                                      </p:cBhvr>
+                                    </p:animEffect>
+                                  </p:childTnLst>
+                                </p:cTn>
+                              </p:par>
+                              <p:par>
+                                <p:cTn id="17" presetID="10" presetClass="entr" presetSubtype="0" fill="hold" grpId="0" nodeType="withEffect">
+                                  <p:stCondLst>
+                                    <p:cond delay="0"/>
+                                  </p:stCondLst>
+                                  <p:childTnLst>
+                                    <p:set>
+                                      <p:cBhvr>
+                                        <p:cTn id="18" dur="1" fill="hold">
+                                          <p:stCondLst>
+                                            <p:cond delay="0"/>
+                                          </p:stCondLst>
+                                        </p:cTn>
+                                        <p:tgtEl>
+                                          <p:spTgt spid="30"/>
+                                        </p:tgtEl>
+                                        <p:attrNameLst>
+                                          <p:attrName>style.visibility</p:attrName>
+                                        </p:attrNameLst>
+                                      </p:cBhvr>
+                                      <p:to>
+                                        <p:strVal val="visible"/>
+                                      </p:to>
+                                    </p:set>
+                                    <p:animEffect transition="in" filter="fade">
+                                      <p:cBhvr>
+                                        <p:cTn id="19" dur="500"/>
+                                        <p:tgtEl>
+                                          <p:spTgt spid="30"/>
+                                        </p:tgtEl>
+                                      </p:cBhvr>
+                                    </p:animEffect>
+                                  </p:childTnLst>
+                                </p:cTn>
+                              </p:par>
+                              <p:par>
+                                <p:cTn id="20" presetID="10" presetClass="entr" presetSubtype="0" fill="hold" grpId="0" nodeType="withEffect">
+                                  <p:stCondLst>
+                                    <p:cond delay="0"/>
+                                  </p:stCondLst>
+                                  <p:childTnLst>
+                                    <p:set>
+                                      <p:cBhvr>
+                                        <p:cTn id="21" dur="1" fill="hold">
+                                          <p:stCondLst>
+                                            <p:cond delay="0"/>
+                                          </p:stCondLst>
+                                        </p:cTn>
+                                        <p:tgtEl>
+                                          <p:spTgt spid="29"/>
+                                        </p:tgtEl>
+                                        <p:attrNameLst>
+                                          <p:attrName>style.visibility</p:attrName>
+                                        </p:attrNameLst>
+                                      </p:cBhvr>
+                                      <p:to>
+                                        <p:strVal val="visible"/>
+                                      </p:to>
+                                    </p:set>
+                                    <p:animEffect transition="in" filter="fade">
+                                      <p:cBhvr>
+                                        <p:cTn id="22" dur="500"/>
+                                        <p:tgtEl>
+                                          <p:spTgt spid="29"/>
+                                        </p:tgtEl>
+                                      </p:cBhvr>
+                                    </p:animEffect>
+                                  </p:childTnLst>
+                                </p:cTn>
+                              </p:par>
+                              <p:par>
+                                <p:cTn id="23" presetID="10" presetClass="entr" presetSubtype="0" fill="hold" grpId="0" nodeType="withEffect">
+                                  <p:stCondLst>
+                                    <p:cond delay="0"/>
+                                  </p:stCondLst>
+                                  <p:childTnLst>
+                                    <p:set>
+                                      <p:cBhvr>
+                                        <p:cTn id="24" dur="1" fill="hold">
+                                          <p:stCondLst>
+                                            <p:cond delay="0"/>
+                                          </p:stCondLst>
+                                        </p:cTn>
+                                        <p:tgtEl>
+                                          <p:spTgt spid="28"/>
+                                        </p:tgtEl>
+                                        <p:attrNameLst>
+                                          <p:attrName>style.visibility</p:attrName>
+                                        </p:attrNameLst>
+                                      </p:cBhvr>
+                                      <p:to>
+                                        <p:strVal val="visible"/>
+                                      </p:to>
+                                    </p:set>
+                                    <p:animEffect transition="in" filter="fade">
+                                      <p:cBhvr>
+                                        <p:cTn id="25" dur="500"/>
+                                        <p:tgtEl>
+                                          <p:spTgt spid="28"/>
+                                        </p:tgtEl>
+                                      </p:cBhvr>
+                                    </p:animEffect>
+                                  </p:childTnLst>
+                                </p:cTn>
+                              </p:par>
+                              <p:par>
+                                <p:cTn id="26" presetID="10" presetClass="entr" presetSubtype="0" fill="hold" nodeType="withEffect">
+                                  <p:stCondLst>
+                                    <p:cond delay="0"/>
+                                  </p:stCondLst>
+                                  <p:childTnLst>
+                                    <p:set>
+                                      <p:cBhvr>
+                                        <p:cTn id="27" dur="1" fill="hold">
+                                          <p:stCondLst>
+                                            <p:cond delay="0"/>
+                                          </p:stCondLst>
+                                        </p:cTn>
+                                        <p:tgtEl>
+                                          <p:spTgt spid="25"/>
+                                        </p:tgtEl>
+                                        <p:attrNameLst>
+                                          <p:attrName>style.visibility</p:attrName>
+                                        </p:attrNameLst>
+                                      </p:cBhvr>
+                                      <p:to>
+                                        <p:strVal val="visible"/>
+                                      </p:to>
+                                    </p:set>
+                                    <p:animEffect transition="in" filter="fade">
+                                      <p:cBhvr>
+                                        <p:cTn id="28" dur="500"/>
+                                        <p:tgtEl>
+                                          <p:spTgt spid="25"/>
+                                        </p:tgtEl>
+                                      </p:cBhvr>
+                                    </p:animEffect>
+                                  </p:childTnLst>
+                                </p:cTn>
+                              </p:par>
+                            </p:childTnLst>
+                          </p:cTn>
+                        </p:par>
+                      </p:childTnLst>
+                    </p:cTn>
+                  </p:par>
+                </p:childTnLst>
+              </p:cTn>
+              <p:prevCondLst>
+                <p:cond evt="onPrev" delay="0">
+                  <p:tgtEl>
+                    <p:sldTgt/>
+                  </p:tgtEl>
+                </p:cond>
+              </p:prevCondLst>
+              <p:nextCondLst>
+                <p:cond evt="onNext" delay="0">
+                  <p:tgtEl>
+                    <p:sldTgt/>
+                  </p:tgtEl>
+                </p:cond>
+              </p:nextCondLst>
+            </p:seq>
+          </p:childTnLst>
+        </p:cTn>
+      </p:par>
+    </p:tnLst>
+    <p:bldLst>
+      <p:bldP spid="9" grpId="0"/>
+      <p:bldP spid="24" grpId="0"/>
+      <p:bldP spid="28" grpId="0"/>
+      <p:bldP spid="29" grpId="0"/>
+      <p:bldP spid="30" grpId="0" animBg="1"/>
+    </p:bldLst>
+  </p:timing>
 </p:sld>
 </file>
 
@@ -19141,6 +19918,144 @@
           </a:prstGeom>
         </p:spPr>
       </p:pic>
+      <p:graphicFrame>
+        <p:nvGraphicFramePr>
+          <p:cNvPr id="2" name="对象 1">
+            <a:extLst>
+              <a:ext uri="{FF2B5EF4-FFF2-40B4-BE49-F238E27FC236}">
+                <a16:creationId xmlns:a16="http://schemas.microsoft.com/office/drawing/2014/main" id="{C8CEF1C2-AC96-CF08-7015-01FE8008BA92}"/>
+              </a:ext>
+            </a:extLst>
+          </p:cNvPr>
+          <p:cNvGraphicFramePr>
+            <a:graphicFrameLocks noChangeAspect="1"/>
+          </p:cNvGraphicFramePr>
+          <p:nvPr>
+            <p:extLst>
+              <p:ext uri="{D42A27DB-BD31-4B8C-83A1-F6EECF244321}">
+                <p14:modId xmlns:p14="http://schemas.microsoft.com/office/powerpoint/2010/main" val="648511795"/>
+              </p:ext>
+            </p:extLst>
+          </p:nvPr>
+        </p:nvGraphicFramePr>
+        <p:xfrm>
+          <a:off x="9551678" y="1553081"/>
+          <a:ext cx="1845058" cy="997548"/>
+        </p:xfrm>
+        <a:graphic>
+          <a:graphicData uri="http://schemas.openxmlformats.org/presentationml/2006/ole">
+            <mc:AlternateContent xmlns:mc="http://schemas.openxmlformats.org/markup-compatibility/2006">
+              <mc:Choice xmlns:v="urn:schemas-microsoft-com:vml" Requires="v">
+                <p:oleObj name="AxMath" r:id="rId4" imgW="722880" imgH="389880" progId="Equation.AxMath">
+                  <p:embed/>
+                </p:oleObj>
+              </mc:Choice>
+              <mc:Fallback>
+                <p:oleObj name="AxMath" r:id="rId4" imgW="722880" imgH="389880" progId="Equation.AxMath">
+                  <p:embed/>
+                  <p:pic>
+                    <p:nvPicPr>
+                      <p:cNvPr id="2" name="对象 1">
+                        <a:extLst>
+                          <a:ext uri="{FF2B5EF4-FFF2-40B4-BE49-F238E27FC236}">
+                            <a16:creationId xmlns:a16="http://schemas.microsoft.com/office/drawing/2014/main" id="{D199EF75-E624-7D5F-834F-D3CE3D31FB29}"/>
+                          </a:ext>
+                        </a:extLst>
+                      </p:cNvPr>
+                      <p:cNvPicPr/>
+                      <p:nvPr/>
+                    </p:nvPicPr>
+                    <p:blipFill>
+                      <a:blip r:embed="rId5"/>
+                      <a:stretch>
+                        <a:fillRect/>
+                      </a:stretch>
+                    </p:blipFill>
+                    <p:spPr>
+                      <a:xfrm>
+                        <a:off x="9551678" y="1553081"/>
+                        <a:ext cx="1845058" cy="997548"/>
+                      </a:xfrm>
+                      <a:prstGeom prst="rect">
+                        <a:avLst/>
+                      </a:prstGeom>
+                    </p:spPr>
+                  </p:pic>
+                </p:oleObj>
+              </mc:Fallback>
+            </mc:AlternateContent>
+          </a:graphicData>
+        </a:graphic>
+      </p:graphicFrame>
+      <p:graphicFrame>
+        <p:nvGraphicFramePr>
+          <p:cNvPr id="4" name="对象 3">
+            <a:extLst>
+              <a:ext uri="{FF2B5EF4-FFF2-40B4-BE49-F238E27FC236}">
+                <a16:creationId xmlns:a16="http://schemas.microsoft.com/office/drawing/2014/main" id="{2A12BF9B-D4D1-064A-49AF-2A62C0850FBA}"/>
+              </a:ext>
+            </a:extLst>
+          </p:cNvPr>
+          <p:cNvGraphicFramePr>
+            <a:graphicFrameLocks noChangeAspect="1"/>
+          </p:cNvGraphicFramePr>
+          <p:nvPr>
+            <p:extLst>
+              <p:ext uri="{D42A27DB-BD31-4B8C-83A1-F6EECF244321}">
+                <p14:modId xmlns:p14="http://schemas.microsoft.com/office/powerpoint/2010/main" val="3799210858"/>
+              </p:ext>
+            </p:extLst>
+          </p:nvPr>
+        </p:nvGraphicFramePr>
+        <p:xfrm>
+          <a:off x="10143719" y="4222895"/>
+          <a:ext cx="660977" cy="888061"/>
+        </p:xfrm>
+        <a:graphic>
+          <a:graphicData uri="http://schemas.openxmlformats.org/presentationml/2006/ole">
+            <mc:AlternateContent xmlns:mc="http://schemas.openxmlformats.org/markup-compatibility/2006">
+              <mc:Choice xmlns:v="urn:schemas-microsoft-com:vml" Requires="v">
+                <p:oleObj name="AxMath" r:id="rId6" imgW="258480" imgH="348120" progId="Equation.AxMath">
+                  <p:embed/>
+                </p:oleObj>
+              </mc:Choice>
+              <mc:Fallback>
+                <p:oleObj name="AxMath" r:id="rId6" imgW="258480" imgH="348120" progId="Equation.AxMath">
+                  <p:embed/>
+                  <p:pic>
+                    <p:nvPicPr>
+                      <p:cNvPr id="25" name="对象 24">
+                        <a:extLst>
+                          <a:ext uri="{FF2B5EF4-FFF2-40B4-BE49-F238E27FC236}">
+                            <a16:creationId xmlns:a16="http://schemas.microsoft.com/office/drawing/2014/main" id="{6CB4F259-C71E-4690-0FBA-DC3116DB9017}"/>
+                          </a:ext>
+                        </a:extLst>
+                      </p:cNvPr>
+                      <p:cNvPicPr/>
+                      <p:nvPr/>
+                    </p:nvPicPr>
+                    <p:blipFill>
+                      <a:blip r:embed="rId7"/>
+                      <a:stretch>
+                        <a:fillRect/>
+                      </a:stretch>
+                    </p:blipFill>
+                    <p:spPr>
+                      <a:xfrm>
+                        <a:off x="10143719" y="4222895"/>
+                        <a:ext cx="660977" cy="888061"/>
+                      </a:xfrm>
+                      <a:prstGeom prst="rect">
+                        <a:avLst/>
+                      </a:prstGeom>
+                    </p:spPr>
+                  </p:pic>
+                </p:oleObj>
+              </mc:Fallback>
+            </mc:AlternateContent>
+          </a:graphicData>
+        </a:graphic>
+      </p:graphicFrame>
     </p:spTree>
     <p:extLst>
       <p:ext uri="{BB962C8B-B14F-4D97-AF65-F5344CB8AC3E}">
@@ -19151,18 +20066,6 @@
   <p:clrMapOvr>
     <a:masterClrMapping/>
   </p:clrMapOvr>
-  <mc:AlternateContent xmlns:mc="http://schemas.openxmlformats.org/markup-compatibility/2006" xmlns:p159="http://schemas.microsoft.com/office/powerpoint/2015/09/main">
-    <mc:Choice Requires="p159">
-      <p:transition spd="slow">
-        <p159:morph option="byObject"/>
-      </p:transition>
-    </mc:Choice>
-    <mc:Fallback xmlns="">
-      <p:transition spd="slow">
-        <p:fade/>
-      </p:transition>
-    </mc:Fallback>
-  </mc:AlternateContent>
 </p:sld>
 </file>
 
@@ -20347,6 +21250,233 @@
       </p:transition>
     </mc:Fallback>
   </mc:AlternateContent>
+  <p:timing>
+    <p:tnLst>
+      <p:par>
+        <p:cTn id="1" dur="indefinite" restart="never" nodeType="tmRoot">
+          <p:childTnLst>
+            <p:seq concurrent="1" nextAc="seek">
+              <p:cTn id="2" dur="indefinite" nodeType="mainSeq">
+                <p:childTnLst>
+                  <p:par>
+                    <p:cTn id="3" fill="hold">
+                      <p:stCondLst>
+                        <p:cond delay="indefinite"/>
+                      </p:stCondLst>
+                      <p:childTnLst>
+                        <p:par>
+                          <p:cTn id="4" fill="hold">
+                            <p:stCondLst>
+                              <p:cond delay="0"/>
+                            </p:stCondLst>
+                            <p:childTnLst>
+                              <p:par>
+                                <p:cTn id="5" presetID="10" presetClass="entr" presetSubtype="0" fill="hold" nodeType="clickEffect">
+                                  <p:stCondLst>
+                                    <p:cond delay="0"/>
+                                  </p:stCondLst>
+                                  <p:childTnLst>
+                                    <p:set>
+                                      <p:cBhvr>
+                                        <p:cTn id="6" dur="1" fill="hold">
+                                          <p:stCondLst>
+                                            <p:cond delay="0"/>
+                                          </p:stCondLst>
+                                        </p:cTn>
+                                        <p:tgtEl>
+                                          <p:spTgt spid="23"/>
+                                        </p:tgtEl>
+                                        <p:attrNameLst>
+                                          <p:attrName>style.visibility</p:attrName>
+                                        </p:attrNameLst>
+                                      </p:cBhvr>
+                                      <p:to>
+                                        <p:strVal val="visible"/>
+                                      </p:to>
+                                    </p:set>
+                                    <p:animEffect transition="in" filter="fade">
+                                      <p:cBhvr>
+                                        <p:cTn id="7" dur="500"/>
+                                        <p:tgtEl>
+                                          <p:spTgt spid="23"/>
+                                        </p:tgtEl>
+                                      </p:cBhvr>
+                                    </p:animEffect>
+                                  </p:childTnLst>
+                                </p:cTn>
+                              </p:par>
+                              <p:par>
+                                <p:cTn id="8" presetID="10" presetClass="entr" presetSubtype="0" fill="hold" nodeType="withEffect">
+                                  <p:stCondLst>
+                                    <p:cond delay="0"/>
+                                  </p:stCondLst>
+                                  <p:childTnLst>
+                                    <p:set>
+                                      <p:cBhvr>
+                                        <p:cTn id="9" dur="1" fill="hold">
+                                          <p:stCondLst>
+                                            <p:cond delay="0"/>
+                                          </p:stCondLst>
+                                        </p:cTn>
+                                        <p:tgtEl>
+                                          <p:spTgt spid="54"/>
+                                        </p:tgtEl>
+                                        <p:attrNameLst>
+                                          <p:attrName>style.visibility</p:attrName>
+                                        </p:attrNameLst>
+                                      </p:cBhvr>
+                                      <p:to>
+                                        <p:strVal val="visible"/>
+                                      </p:to>
+                                    </p:set>
+                                    <p:animEffect transition="in" filter="fade">
+                                      <p:cBhvr>
+                                        <p:cTn id="10" dur="500"/>
+                                        <p:tgtEl>
+                                          <p:spTgt spid="54"/>
+                                        </p:tgtEl>
+                                      </p:cBhvr>
+                                    </p:animEffect>
+                                  </p:childTnLst>
+                                </p:cTn>
+                              </p:par>
+                              <p:par>
+                                <p:cTn id="11" presetID="10" presetClass="entr" presetSubtype="0" fill="hold" nodeType="withEffect">
+                                  <p:stCondLst>
+                                    <p:cond delay="0"/>
+                                  </p:stCondLst>
+                                  <p:childTnLst>
+                                    <p:set>
+                                      <p:cBhvr>
+                                        <p:cTn id="12" dur="1" fill="hold">
+                                          <p:stCondLst>
+                                            <p:cond delay="0"/>
+                                          </p:stCondLst>
+                                        </p:cTn>
+                                        <p:tgtEl>
+                                          <p:spTgt spid="55"/>
+                                        </p:tgtEl>
+                                        <p:attrNameLst>
+                                          <p:attrName>style.visibility</p:attrName>
+                                        </p:attrNameLst>
+                                      </p:cBhvr>
+                                      <p:to>
+                                        <p:strVal val="visible"/>
+                                      </p:to>
+                                    </p:set>
+                                    <p:animEffect transition="in" filter="fade">
+                                      <p:cBhvr>
+                                        <p:cTn id="13" dur="500"/>
+                                        <p:tgtEl>
+                                          <p:spTgt spid="55"/>
+                                        </p:tgtEl>
+                                      </p:cBhvr>
+                                    </p:animEffect>
+                                  </p:childTnLst>
+                                </p:cTn>
+                              </p:par>
+                              <p:par>
+                                <p:cTn id="14" presetID="10" presetClass="entr" presetSubtype="0" fill="hold" grpId="0" nodeType="withEffect">
+                                  <p:stCondLst>
+                                    <p:cond delay="0"/>
+                                  </p:stCondLst>
+                                  <p:childTnLst>
+                                    <p:set>
+                                      <p:cBhvr>
+                                        <p:cTn id="15" dur="1" fill="hold">
+                                          <p:stCondLst>
+                                            <p:cond delay="0"/>
+                                          </p:stCondLst>
+                                        </p:cTn>
+                                        <p:tgtEl>
+                                          <p:spTgt spid="56"/>
+                                        </p:tgtEl>
+                                        <p:attrNameLst>
+                                          <p:attrName>style.visibility</p:attrName>
+                                        </p:attrNameLst>
+                                      </p:cBhvr>
+                                      <p:to>
+                                        <p:strVal val="visible"/>
+                                      </p:to>
+                                    </p:set>
+                                    <p:animEffect transition="in" filter="fade">
+                                      <p:cBhvr>
+                                        <p:cTn id="16" dur="500"/>
+                                        <p:tgtEl>
+                                          <p:spTgt spid="56"/>
+                                        </p:tgtEl>
+                                      </p:cBhvr>
+                                    </p:animEffect>
+                                  </p:childTnLst>
+                                </p:cTn>
+                              </p:par>
+                              <p:par>
+                                <p:cTn id="17" presetID="10" presetClass="entr" presetSubtype="0" fill="hold" grpId="0" nodeType="withEffect">
+                                  <p:stCondLst>
+                                    <p:cond delay="0"/>
+                                  </p:stCondLst>
+                                  <p:childTnLst>
+                                    <p:set>
+                                      <p:cBhvr>
+                                        <p:cTn id="18" dur="1" fill="hold">
+                                          <p:stCondLst>
+                                            <p:cond delay="0"/>
+                                          </p:stCondLst>
+                                        </p:cTn>
+                                        <p:tgtEl>
+                                          <p:spTgt spid="57"/>
+                                        </p:tgtEl>
+                                        <p:attrNameLst>
+                                          <p:attrName>style.visibility</p:attrName>
+                                        </p:attrNameLst>
+                                      </p:cBhvr>
+                                      <p:to>
+                                        <p:strVal val="visible"/>
+                                      </p:to>
+                                    </p:set>
+                                    <p:animEffect transition="in" filter="fade">
+                                      <p:cBhvr>
+                                        <p:cTn id="19" dur="500"/>
+                                        <p:tgtEl>
+                                          <p:spTgt spid="57"/>
+                                        </p:tgtEl>
+                                      </p:cBhvr>
+                                    </p:animEffect>
+                                  </p:childTnLst>
+                                </p:cTn>
+                              </p:par>
+                            </p:childTnLst>
+                          </p:cTn>
+                        </p:par>
+                      </p:childTnLst>
+                    </p:cTn>
+                  </p:par>
+                </p:childTnLst>
+              </p:cTn>
+              <p:prevCondLst>
+                <p:cond evt="onPrev" delay="0">
+                  <p:tgtEl>
+                    <p:sldTgt/>
+                  </p:tgtEl>
+                </p:cond>
+              </p:prevCondLst>
+              <p:nextCondLst>
+                <p:cond evt="onNext" delay="0">
+                  <p:tgtEl>
+                    <p:sldTgt/>
+                  </p:tgtEl>
+                </p:cond>
+              </p:nextCondLst>
+            </p:seq>
+          </p:childTnLst>
+        </p:cTn>
+      </p:par>
+    </p:tnLst>
+    <p:bldLst>
+      <p:bldP spid="56" grpId="0" animBg="1"/>
+      <p:bldP spid="57" grpId="0" animBg="1"/>
+    </p:bldLst>
+  </p:timing>
 </p:sld>
 </file>
 
